--- a/pp/pp6/pp6.pptx
+++ b/pp/pp6/pp6.pptx
@@ -3,11 +3,18 @@
 <p:presentation xmlns:a="http://schemas.openxmlformats.org/drawingml/2006/main" xmlns:r="http://schemas.openxmlformats.org/officeDocument/2006/relationships" xmlns:p="http://schemas.openxmlformats.org/presentationml/2006/main" saveSubsetFonts="1">
   <p:sldMasterIdLst>
     <p:sldMasterId id="2147483648" r:id="rId1"/>
+    <p:sldMasterId id="2147483663" r:id="rId2"/>
   </p:sldMasterIdLst>
+  <p:handoutMasterIdLst>
+    <p:handoutMasterId r:id="rId9"/>
+  </p:handoutMasterIdLst>
   <p:sldIdLst>
-    <p:sldId id="256" r:id="rId2"/>
-    <p:sldId id="257" r:id="rId3"/>
-    <p:sldId id="258" r:id="rId4"/>
+    <p:sldId id="256" r:id="rId3"/>
+    <p:sldId id="257" r:id="rId4"/>
+    <p:sldId id="258" r:id="rId5"/>
+    <p:sldId id="259" r:id="rId6"/>
+    <p:sldId id="260" r:id="rId7"/>
+    <p:sldId id="261" r:id="rId8"/>
   </p:sldIdLst>
   <p:sldSz cx="9144000" cy="6858000" type="screen4x3"/>
   <p:notesSz cx="6858000" cy="9144000"/>
@@ -139,6 +146,166 @@
 </p:presentation>
 </file>
 
+<file path=ppt/handoutMasters/handoutMaster1.xml><?xml version="1.0" encoding="utf-8"?>
+<p:handoutMaster xmlns:a="http://schemas.openxmlformats.org/drawingml/2006/main" xmlns:r="http://schemas.openxmlformats.org/officeDocument/2006/relationships" xmlns:p="http://schemas.openxmlformats.org/presentationml/2006/main">
+  <p:cSld>
+    <p:bg>
+      <p:bgRef idx="1001">
+        <a:schemeClr val="bg1"/>
+      </p:bgRef>
+    </p:bg>
+    <p:spTree>
+      <p:nvGrpSpPr>
+        <p:cNvPr id="1" name=""/>
+        <p:cNvGrpSpPr/>
+        <p:nvPr/>
+      </p:nvGrpSpPr>
+      <p:grpSpPr>
+        <a:xfrm>
+          <a:off x="0" y="0"/>
+          <a:ext cx="0" cy="0"/>
+          <a:chOff x="0" y="0"/>
+          <a:chExt cx="0" cy="0"/>
+        </a:xfrm>
+      </p:grpSpPr>
+      <p:sp>
+        <p:nvSpPr>
+          <p:cNvPr id="2" name="ヘッダー プレースホルダ 1"/>
+          <p:cNvSpPr>
+            <a:spLocks noGrp="1"/>
+          </p:cNvSpPr>
+          <p:nvPr>
+            <p:ph type="hdr" sz="quarter"/>
+          </p:nvPr>
+        </p:nvSpPr>
+        <p:spPr>
+          <a:xfrm>
+            <a:off x="0" y="0"/>
+            <a:ext cx="2971800" cy="457200"/>
+          </a:xfrm>
+          <a:prstGeom prst="rect">
+            <a:avLst/>
+          </a:prstGeom>
+        </p:spPr>
+        <p:txBody>
+          <a:bodyPr vert="horz" lIns="91440" tIns="45720" rIns="91440" bIns="45720" rtlCol="0"/>
+          <a:lstStyle>
+            <a:lvl1pPr algn="l">
+              <a:defRPr sz="1200"/>
+            </a:lvl1pPr>
+          </a:lstStyle>
+          <a:p>
+            <a:endParaRPr kumimoji="1" lang="ja-JP" altLang="en-US"/>
+          </a:p>
+        </p:txBody>
+      </p:sp>
+      <p:sp>
+        <p:nvSpPr>
+          <p:cNvPr id="3" name="日付プレースホルダ 2"/>
+          <p:cNvSpPr>
+            <a:spLocks noGrp="1"/>
+          </p:cNvSpPr>
+          <p:nvPr>
+            <p:ph type="dt" sz="quarter" idx="1"/>
+          </p:nvPr>
+        </p:nvSpPr>
+        <p:spPr>
+          <a:xfrm>
+            <a:off x="3884613" y="0"/>
+            <a:ext cx="2971800" cy="457200"/>
+          </a:xfrm>
+          <a:prstGeom prst="rect">
+            <a:avLst/>
+          </a:prstGeom>
+        </p:spPr>
+        <p:txBody>
+          <a:bodyPr vert="horz" lIns="91440" tIns="45720" rIns="91440" bIns="45720" rtlCol="0"/>
+          <a:lstStyle>
+            <a:lvl1pPr algn="r">
+              <a:defRPr sz="1200"/>
+            </a:lvl1pPr>
+          </a:lstStyle>
+          <a:p>
+            <a:fld id="{5AD7D68D-59A5-4DCE-B444-D589282B149E}" type="datetimeFigureOut">
+              <a:rPr kumimoji="1" lang="ja-JP" altLang="en-US" smtClean="0"/>
+              <a:t>2009/11/24</a:t>
+            </a:fld>
+            <a:endParaRPr kumimoji="1" lang="ja-JP" altLang="en-US"/>
+          </a:p>
+        </p:txBody>
+      </p:sp>
+      <p:sp>
+        <p:nvSpPr>
+          <p:cNvPr id="4" name="フッター プレースホルダ 3"/>
+          <p:cNvSpPr>
+            <a:spLocks noGrp="1"/>
+          </p:cNvSpPr>
+          <p:nvPr>
+            <p:ph type="ftr" sz="quarter" idx="2"/>
+          </p:nvPr>
+        </p:nvSpPr>
+        <p:spPr>
+          <a:xfrm>
+            <a:off x="0" y="8685213"/>
+            <a:ext cx="2971800" cy="457200"/>
+          </a:xfrm>
+          <a:prstGeom prst="rect">
+            <a:avLst/>
+          </a:prstGeom>
+        </p:spPr>
+        <p:txBody>
+          <a:bodyPr vert="horz" lIns="91440" tIns="45720" rIns="91440" bIns="45720" rtlCol="0" anchor="b"/>
+          <a:lstStyle>
+            <a:lvl1pPr algn="l">
+              <a:defRPr sz="1200"/>
+            </a:lvl1pPr>
+          </a:lstStyle>
+          <a:p>
+            <a:endParaRPr kumimoji="1" lang="ja-JP" altLang="en-US"/>
+          </a:p>
+        </p:txBody>
+      </p:sp>
+      <p:sp>
+        <p:nvSpPr>
+          <p:cNvPr id="5" name="スライド番号プレースホルダ 4"/>
+          <p:cNvSpPr>
+            <a:spLocks noGrp="1"/>
+          </p:cNvSpPr>
+          <p:nvPr>
+            <p:ph type="sldNum" sz="quarter" idx="3"/>
+          </p:nvPr>
+        </p:nvSpPr>
+        <p:spPr>
+          <a:xfrm>
+            <a:off x="3884613" y="8685213"/>
+            <a:ext cx="2971800" cy="457200"/>
+          </a:xfrm>
+          <a:prstGeom prst="rect">
+            <a:avLst/>
+          </a:prstGeom>
+        </p:spPr>
+        <p:txBody>
+          <a:bodyPr vert="horz" lIns="91440" tIns="45720" rIns="91440" bIns="45720" rtlCol="0" anchor="b"/>
+          <a:lstStyle>
+            <a:lvl1pPr algn="r">
+              <a:defRPr sz="1200"/>
+            </a:lvl1pPr>
+          </a:lstStyle>
+          <a:p>
+            <a:fld id="{A18170F6-423B-4F32-945F-2BADAFA4F8D2}" type="slidenum">
+              <a:rPr kumimoji="1" lang="ja-JP" altLang="en-US" smtClean="0"/>
+              <a:t>&lt;#&gt;</a:t>
+            </a:fld>
+            <a:endParaRPr kumimoji="1" lang="ja-JP" altLang="en-US"/>
+          </a:p>
+        </p:txBody>
+      </p:sp>
+    </p:spTree>
+  </p:cSld>
+  <p:clrMap bg1="lt1" tx1="dk1" bg2="lt2" tx2="dk2" accent1="accent1" accent2="accent2" accent3="accent3" accent4="accent4" accent5="accent5" accent6="accent6" hlink="hlink" folHlink="folHlink"/>
+</p:handoutMaster>
+</file>
+
 <file path=ppt/slideLayouts/slideLayout1.xml><?xml version="1.0" encoding="utf-8"?>
 <p:sldLayout xmlns:a="http://schemas.openxmlformats.org/drawingml/2006/main" xmlns:r="http://schemas.openxmlformats.org/officeDocument/2006/relationships" xmlns:p="http://schemas.openxmlformats.org/presentationml/2006/main" showMasterSp="0" type="title" preserve="1">
   <p:cSld name="タイトル スライド">
@@ -165,7 +332,7 @@
           <p:nvPr userDrawn="1"/>
         </p:nvPicPr>
         <p:blipFill>
-          <a:blip r:embed="rId2"/>
+          <a:blip r:embed="rId2" cstate="print"/>
           <a:srcRect/>
           <a:stretch>
             <a:fillRect/>
@@ -1385,7 +1552,7 @@
           <p:nvPr userDrawn="1"/>
         </p:nvPicPr>
         <p:blipFill>
-          <a:blip r:embed="rId3"/>
+          <a:blip r:embed="rId3" cstate="print"/>
           <a:srcRect/>
           <a:stretch>
             <a:fillRect/>
@@ -1417,7 +1584,7 @@
           <p:nvPr userDrawn="1"/>
         </p:nvPicPr>
         <p:blipFill>
-          <a:blip r:embed="rId4"/>
+          <a:blip r:embed="rId4" cstate="print"/>
           <a:srcRect/>
           <a:stretch>
             <a:fillRect/>
@@ -1449,7 +1616,7 @@
           <p:nvPr userDrawn="1"/>
         </p:nvPicPr>
         <p:blipFill>
-          <a:blip r:embed="rId5"/>
+          <a:blip r:embed="rId5" cstate="print"/>
           <a:srcRect/>
           <a:stretch>
             <a:fillRect/>
@@ -1481,7 +1648,7 @@
           <p:nvPr userDrawn="1"/>
         </p:nvPicPr>
         <p:blipFill>
-          <a:blip r:embed="rId6"/>
+          <a:blip r:embed="rId6" cstate="print"/>
           <a:srcRect/>
           <a:stretch>
             <a:fillRect/>
@@ -2607,6 +2774,2656 @@
 </p:sldLayout>
 </file>
 
+<file path=ppt/slideLayouts/slideLayout15.xml><?xml version="1.0" encoding="utf-8"?>
+<p:sldLayout xmlns:a="http://schemas.openxmlformats.org/drawingml/2006/main" xmlns:r="http://schemas.openxmlformats.org/officeDocument/2006/relationships" xmlns:p="http://schemas.openxmlformats.org/presentationml/2006/main" showMasterSp="0" type="title" preserve="1">
+  <p:cSld name="タイトル スライド">
+    <p:spTree>
+      <p:nvGrpSpPr>
+        <p:cNvPr id="1" name=""/>
+        <p:cNvGrpSpPr/>
+        <p:nvPr/>
+      </p:nvGrpSpPr>
+      <p:grpSpPr>
+        <a:xfrm>
+          <a:off x="0" y="0"/>
+          <a:ext cx="0" cy="0"/>
+          <a:chOff x="0" y="0"/>
+          <a:chExt cx="0" cy="0"/>
+        </a:xfrm>
+      </p:grpSpPr>
+      <p:pic>
+        <p:nvPicPr>
+          <p:cNvPr id="5156" name="Picture 36"/>
+          <p:cNvPicPr>
+            <a:picLocks noChangeAspect="1" noChangeArrowheads="1"/>
+          </p:cNvPicPr>
+          <p:nvPr userDrawn="1"/>
+        </p:nvPicPr>
+        <p:blipFill>
+          <a:blip r:embed="rId2" cstate="print"/>
+          <a:srcRect/>
+          <a:stretch>
+            <a:fillRect/>
+          </a:stretch>
+        </p:blipFill>
+        <p:spPr bwMode="auto">
+          <a:xfrm>
+            <a:off x="1142976" y="428644"/>
+            <a:ext cx="6831013" cy="5715000"/>
+          </a:xfrm>
+          <a:prstGeom prst="rect">
+            <a:avLst/>
+          </a:prstGeom>
+          <a:noFill/>
+          <a:ln w="9525">
+            <a:noFill/>
+            <a:miter lim="800000"/>
+            <a:headEnd/>
+            <a:tailEnd/>
+          </a:ln>
+        </p:spPr>
+      </p:pic>
+      <p:sp>
+        <p:nvSpPr>
+          <p:cNvPr id="5122" name="Rectangle 2"/>
+          <p:cNvSpPr>
+            <a:spLocks noGrp="1" noChangeArrowheads="1"/>
+          </p:cNvSpPr>
+          <p:nvPr>
+            <p:ph type="ctrTitle"/>
+          </p:nvPr>
+        </p:nvSpPr>
+        <p:spPr>
+          <a:xfrm>
+            <a:off x="685800" y="2130425"/>
+            <a:ext cx="7772400" cy="1470025"/>
+          </a:xfrm>
+        </p:spPr>
+        <p:txBody>
+          <a:bodyPr/>
+          <a:lstStyle>
+            <a:lvl1pPr>
+              <a:defRPr/>
+            </a:lvl1pPr>
+          </a:lstStyle>
+          <a:p>
+            <a:r>
+              <a:rPr lang="ja-JP" altLang="en-US" smtClean="0"/>
+              <a:t>マスタ タイトルの書式設定</a:t>
+            </a:r>
+            <a:endParaRPr lang="ja-JP" altLang="en-US" dirty="0"/>
+          </a:p>
+        </p:txBody>
+      </p:sp>
+      <p:sp>
+        <p:nvSpPr>
+          <p:cNvPr id="5123" name="Rectangle 3"/>
+          <p:cNvSpPr>
+            <a:spLocks noGrp="1" noChangeArrowheads="1"/>
+          </p:cNvSpPr>
+          <p:nvPr>
+            <p:ph type="subTitle" idx="1"/>
+          </p:nvPr>
+        </p:nvSpPr>
+        <p:spPr>
+          <a:xfrm>
+            <a:off x="2339975" y="3908425"/>
+            <a:ext cx="6400800" cy="1752600"/>
+          </a:xfrm>
+        </p:spPr>
+        <p:txBody>
+          <a:bodyPr anchor="b"/>
+          <a:lstStyle>
+            <a:lvl1pPr marL="0" indent="0" algn="r">
+              <a:buFontTx/>
+              <a:buNone/>
+              <a:defRPr/>
+            </a:lvl1pPr>
+          </a:lstStyle>
+          <a:p>
+            <a:r>
+              <a:rPr lang="ja-JP" altLang="en-US" smtClean="0"/>
+              <a:t>マスタ サブタイトルの書式設定</a:t>
+            </a:r>
+            <a:endParaRPr lang="ja-JP" altLang="en-US"/>
+          </a:p>
+        </p:txBody>
+      </p:sp>
+      <p:sp>
+        <p:nvSpPr>
+          <p:cNvPr id="5124" name="Rectangle 4"/>
+          <p:cNvSpPr>
+            <a:spLocks noGrp="1" noChangeArrowheads="1"/>
+          </p:cNvSpPr>
+          <p:nvPr>
+            <p:ph type="dt" sz="half" idx="2"/>
+          </p:nvPr>
+        </p:nvSpPr>
+        <p:spPr>
+          <a:xfrm>
+            <a:off x="782638" y="6245225"/>
+            <a:ext cx="2133600" cy="476250"/>
+          </a:xfrm>
+        </p:spPr>
+        <p:txBody>
+          <a:bodyPr/>
+          <a:lstStyle>
+            <a:lvl1pPr>
+              <a:defRPr/>
+            </a:lvl1pPr>
+          </a:lstStyle>
+          <a:p>
+            <a:endParaRPr lang="en-US" altLang="ja-JP"/>
+          </a:p>
+        </p:txBody>
+      </p:sp>
+      <p:sp>
+        <p:nvSpPr>
+          <p:cNvPr id="5125" name="Rectangle 5"/>
+          <p:cNvSpPr>
+            <a:spLocks noGrp="1" noChangeArrowheads="1"/>
+          </p:cNvSpPr>
+          <p:nvPr>
+            <p:ph type="ftr" sz="quarter" idx="3"/>
+          </p:nvPr>
+        </p:nvSpPr>
+        <p:spPr>
+          <a:xfrm>
+            <a:off x="3348038" y="6245225"/>
+            <a:ext cx="2895600" cy="476250"/>
+          </a:xfrm>
+        </p:spPr>
+        <p:txBody>
+          <a:bodyPr/>
+          <a:lstStyle>
+            <a:lvl1pPr>
+              <a:defRPr/>
+            </a:lvl1pPr>
+          </a:lstStyle>
+          <a:p>
+            <a:endParaRPr lang="en-US" altLang="ja-JP"/>
+          </a:p>
+        </p:txBody>
+      </p:sp>
+      <p:sp>
+        <p:nvSpPr>
+          <p:cNvPr id="5126" name="Rectangle 6"/>
+          <p:cNvSpPr>
+            <a:spLocks noGrp="1" noChangeArrowheads="1"/>
+          </p:cNvSpPr>
+          <p:nvPr>
+            <p:ph type="sldNum" sz="quarter" idx="4"/>
+          </p:nvPr>
+        </p:nvSpPr>
+        <p:spPr>
+          <a:xfrm>
+            <a:off x="6553200" y="6245225"/>
+            <a:ext cx="2133600" cy="476250"/>
+          </a:xfrm>
+        </p:spPr>
+        <p:txBody>
+          <a:bodyPr/>
+          <a:lstStyle>
+            <a:lvl1pPr algn="r">
+              <a:defRPr/>
+            </a:lvl1pPr>
+          </a:lstStyle>
+          <a:p>
+            <a:fld id="{942502BE-BF6F-4A43-AA7B-BDCE18A3BB28}" type="slidenum">
+              <a:rPr lang="en-US" altLang="ja-JP"/>
+              <a:pPr/>
+              <a:t>&lt;#&gt;</a:t>
+            </a:fld>
+            <a:endParaRPr lang="en-US" altLang="ja-JP"/>
+          </a:p>
+        </p:txBody>
+      </p:sp>
+      <p:grpSp>
+        <p:nvGrpSpPr>
+          <p:cNvPr id="2" name="Group 7"/>
+          <p:cNvGrpSpPr>
+            <a:grpSpLocks/>
+          </p:cNvGrpSpPr>
+          <p:nvPr/>
+        </p:nvGrpSpPr>
+        <p:grpSpPr bwMode="auto">
+          <a:xfrm>
+            <a:off x="468313" y="3382963"/>
+            <a:ext cx="431800" cy="431800"/>
+            <a:chOff x="2971" y="2523"/>
+            <a:chExt cx="544" cy="544"/>
+          </a:xfrm>
+        </p:grpSpPr>
+        <p:sp>
+          <p:nvSpPr>
+            <p:cNvPr id="5128" name="Freeform 8"/>
+            <p:cNvSpPr>
+              <a:spLocks/>
+            </p:cNvSpPr>
+            <p:nvPr userDrawn="1"/>
+          </p:nvSpPr>
+          <p:spPr bwMode="auto">
+            <a:xfrm>
+              <a:off x="2971" y="2523"/>
+              <a:ext cx="227" cy="227"/>
+            </a:xfrm>
+            <a:custGeom>
+              <a:avLst/>
+              <a:gdLst/>
+              <a:ahLst/>
+              <a:cxnLst>
+                <a:cxn ang="0">
+                  <a:pos x="227" y="0"/>
+                </a:cxn>
+                <a:cxn ang="0">
+                  <a:pos x="0" y="0"/>
+                </a:cxn>
+                <a:cxn ang="0">
+                  <a:pos x="0" y="227"/>
+                </a:cxn>
+              </a:cxnLst>
+              <a:rect l="0" t="0" r="r" b="b"/>
+              <a:pathLst>
+                <a:path w="227" h="227">
+                  <a:moveTo>
+                    <a:pt x="227" y="0"/>
+                  </a:moveTo>
+                  <a:lnTo>
+                    <a:pt x="0" y="0"/>
+                  </a:lnTo>
+                  <a:lnTo>
+                    <a:pt x="0" y="227"/>
+                  </a:lnTo>
+                </a:path>
+              </a:pathLst>
+            </a:custGeom>
+            <a:noFill/>
+            <a:ln w="9525">
+              <a:solidFill>
+                <a:srgbClr val="C0C0C0"/>
+              </a:solidFill>
+              <a:round/>
+              <a:headEnd/>
+              <a:tailEnd/>
+            </a:ln>
+            <a:effectLst/>
+          </p:spPr>
+          <p:txBody>
+            <a:bodyPr/>
+            <a:lstStyle/>
+            <a:p>
+              <a:endParaRPr lang="ja-JP" altLang="en-US"/>
+            </a:p>
+          </p:txBody>
+        </p:sp>
+        <p:sp>
+          <p:nvSpPr>
+            <p:cNvPr id="5129" name="Freeform 9"/>
+            <p:cNvSpPr>
+              <a:spLocks/>
+            </p:cNvSpPr>
+            <p:nvPr userDrawn="1"/>
+          </p:nvSpPr>
+          <p:spPr bwMode="auto">
+            <a:xfrm flipH="1">
+              <a:off x="3288" y="2523"/>
+              <a:ext cx="227" cy="227"/>
+            </a:xfrm>
+            <a:custGeom>
+              <a:avLst/>
+              <a:gdLst/>
+              <a:ahLst/>
+              <a:cxnLst>
+                <a:cxn ang="0">
+                  <a:pos x="227" y="0"/>
+                </a:cxn>
+                <a:cxn ang="0">
+                  <a:pos x="0" y="0"/>
+                </a:cxn>
+                <a:cxn ang="0">
+                  <a:pos x="0" y="227"/>
+                </a:cxn>
+              </a:cxnLst>
+              <a:rect l="0" t="0" r="r" b="b"/>
+              <a:pathLst>
+                <a:path w="227" h="227">
+                  <a:moveTo>
+                    <a:pt x="227" y="0"/>
+                  </a:moveTo>
+                  <a:lnTo>
+                    <a:pt x="0" y="0"/>
+                  </a:lnTo>
+                  <a:lnTo>
+                    <a:pt x="0" y="227"/>
+                  </a:lnTo>
+                </a:path>
+              </a:pathLst>
+            </a:custGeom>
+            <a:noFill/>
+            <a:ln w="9525">
+              <a:solidFill>
+                <a:srgbClr val="C0C0C0"/>
+              </a:solidFill>
+              <a:round/>
+              <a:headEnd/>
+              <a:tailEnd/>
+            </a:ln>
+            <a:effectLst/>
+          </p:spPr>
+          <p:txBody>
+            <a:bodyPr/>
+            <a:lstStyle/>
+            <a:p>
+              <a:endParaRPr lang="ja-JP" altLang="en-US"/>
+            </a:p>
+          </p:txBody>
+        </p:sp>
+        <p:sp>
+          <p:nvSpPr>
+            <p:cNvPr id="5130" name="Freeform 10"/>
+            <p:cNvSpPr>
+              <a:spLocks/>
+            </p:cNvSpPr>
+            <p:nvPr userDrawn="1"/>
+          </p:nvSpPr>
+          <p:spPr bwMode="auto">
+            <a:xfrm flipV="1">
+              <a:off x="2971" y="2840"/>
+              <a:ext cx="227" cy="227"/>
+            </a:xfrm>
+            <a:custGeom>
+              <a:avLst/>
+              <a:gdLst/>
+              <a:ahLst/>
+              <a:cxnLst>
+                <a:cxn ang="0">
+                  <a:pos x="227" y="0"/>
+                </a:cxn>
+                <a:cxn ang="0">
+                  <a:pos x="0" y="0"/>
+                </a:cxn>
+                <a:cxn ang="0">
+                  <a:pos x="0" y="227"/>
+                </a:cxn>
+              </a:cxnLst>
+              <a:rect l="0" t="0" r="r" b="b"/>
+              <a:pathLst>
+                <a:path w="227" h="227">
+                  <a:moveTo>
+                    <a:pt x="227" y="0"/>
+                  </a:moveTo>
+                  <a:lnTo>
+                    <a:pt x="0" y="0"/>
+                  </a:lnTo>
+                  <a:lnTo>
+                    <a:pt x="0" y="227"/>
+                  </a:lnTo>
+                </a:path>
+              </a:pathLst>
+            </a:custGeom>
+            <a:noFill/>
+            <a:ln w="9525">
+              <a:solidFill>
+                <a:srgbClr val="C0C0C0"/>
+              </a:solidFill>
+              <a:round/>
+              <a:headEnd/>
+              <a:tailEnd/>
+            </a:ln>
+            <a:effectLst/>
+          </p:spPr>
+          <p:txBody>
+            <a:bodyPr/>
+            <a:lstStyle/>
+            <a:p>
+              <a:endParaRPr lang="ja-JP" altLang="en-US"/>
+            </a:p>
+          </p:txBody>
+        </p:sp>
+        <p:sp>
+          <p:nvSpPr>
+            <p:cNvPr id="5131" name="Freeform 11"/>
+            <p:cNvSpPr>
+              <a:spLocks/>
+            </p:cNvSpPr>
+            <p:nvPr userDrawn="1"/>
+          </p:nvSpPr>
+          <p:spPr bwMode="auto">
+            <a:xfrm flipH="1" flipV="1">
+              <a:off x="3288" y="2840"/>
+              <a:ext cx="227" cy="227"/>
+            </a:xfrm>
+            <a:custGeom>
+              <a:avLst/>
+              <a:gdLst/>
+              <a:ahLst/>
+              <a:cxnLst>
+                <a:cxn ang="0">
+                  <a:pos x="227" y="0"/>
+                </a:cxn>
+                <a:cxn ang="0">
+                  <a:pos x="0" y="0"/>
+                </a:cxn>
+                <a:cxn ang="0">
+                  <a:pos x="0" y="227"/>
+                </a:cxn>
+              </a:cxnLst>
+              <a:rect l="0" t="0" r="r" b="b"/>
+              <a:pathLst>
+                <a:path w="227" h="227">
+                  <a:moveTo>
+                    <a:pt x="227" y="0"/>
+                  </a:moveTo>
+                  <a:lnTo>
+                    <a:pt x="0" y="0"/>
+                  </a:lnTo>
+                  <a:lnTo>
+                    <a:pt x="0" y="227"/>
+                  </a:lnTo>
+                </a:path>
+              </a:pathLst>
+            </a:custGeom>
+            <a:noFill/>
+            <a:ln w="9525">
+              <a:solidFill>
+                <a:srgbClr val="C0C0C0"/>
+              </a:solidFill>
+              <a:round/>
+              <a:headEnd/>
+              <a:tailEnd/>
+            </a:ln>
+            <a:effectLst/>
+          </p:spPr>
+          <p:txBody>
+            <a:bodyPr/>
+            <a:lstStyle/>
+            <a:p>
+              <a:endParaRPr lang="ja-JP" altLang="en-US"/>
+            </a:p>
+          </p:txBody>
+        </p:sp>
+      </p:grpSp>
+      <p:sp>
+        <p:nvSpPr>
+          <p:cNvPr id="5132" name="Line 12"/>
+          <p:cNvSpPr>
+            <a:spLocks noChangeShapeType="1"/>
+          </p:cNvSpPr>
+          <p:nvPr/>
+        </p:nvSpPr>
+        <p:spPr bwMode="auto">
+          <a:xfrm>
+            <a:off x="1588" y="3598863"/>
+            <a:ext cx="9144000" cy="0"/>
+          </a:xfrm>
+          <a:prstGeom prst="line">
+            <a:avLst/>
+          </a:prstGeom>
+          <a:noFill/>
+          <a:ln w="9525">
+            <a:solidFill>
+              <a:srgbClr val="C0C0C0"/>
+            </a:solidFill>
+            <a:round/>
+            <a:headEnd/>
+            <a:tailEnd/>
+          </a:ln>
+          <a:effectLst/>
+        </p:spPr>
+        <p:txBody>
+          <a:bodyPr/>
+          <a:lstStyle/>
+          <a:p>
+            <a:endParaRPr lang="ja-JP" altLang="en-US"/>
+          </a:p>
+        </p:txBody>
+      </p:sp>
+      <p:sp>
+        <p:nvSpPr>
+          <p:cNvPr id="5133" name="Line 13"/>
+          <p:cNvSpPr>
+            <a:spLocks noChangeShapeType="1"/>
+          </p:cNvSpPr>
+          <p:nvPr/>
+        </p:nvSpPr>
+        <p:spPr bwMode="auto">
+          <a:xfrm rot="-5400000">
+            <a:off x="-2744787" y="3429000"/>
+            <a:ext cx="6858000" cy="0"/>
+          </a:xfrm>
+          <a:prstGeom prst="line">
+            <a:avLst/>
+          </a:prstGeom>
+          <a:noFill/>
+          <a:ln w="9525">
+            <a:solidFill>
+              <a:srgbClr val="C0C0C0"/>
+            </a:solidFill>
+            <a:round/>
+            <a:headEnd/>
+            <a:tailEnd/>
+          </a:ln>
+          <a:effectLst/>
+        </p:spPr>
+        <p:txBody>
+          <a:bodyPr/>
+          <a:lstStyle/>
+          <a:p>
+            <a:endParaRPr lang="ja-JP" altLang="en-US"/>
+          </a:p>
+        </p:txBody>
+      </p:sp>
+      <p:sp>
+        <p:nvSpPr>
+          <p:cNvPr id="5134" name="Oval 14"/>
+          <p:cNvSpPr>
+            <a:spLocks noChangeArrowheads="1"/>
+          </p:cNvSpPr>
+          <p:nvPr/>
+        </p:nvSpPr>
+        <p:spPr bwMode="auto">
+          <a:xfrm>
+            <a:off x="646113" y="3552825"/>
+            <a:ext cx="73025" cy="71438"/>
+          </a:xfrm>
+          <a:prstGeom prst="ellipse">
+            <a:avLst/>
+          </a:prstGeom>
+          <a:noFill/>
+          <a:ln w="9525">
+            <a:solidFill>
+              <a:srgbClr val="C0C0C0"/>
+            </a:solidFill>
+            <a:round/>
+            <a:headEnd/>
+            <a:tailEnd/>
+          </a:ln>
+          <a:effectLst/>
+        </p:spPr>
+        <p:txBody>
+          <a:bodyPr wrap="none" anchor="ctr"/>
+          <a:lstStyle/>
+          <a:p>
+            <a:endParaRPr lang="ja-JP" altLang="en-US"/>
+          </a:p>
+        </p:txBody>
+      </p:sp>
+      <p:sp>
+        <p:nvSpPr>
+          <p:cNvPr id="5135" name="AutoShape 15"/>
+          <p:cNvSpPr>
+            <a:spLocks noChangeArrowheads="1"/>
+          </p:cNvSpPr>
+          <p:nvPr/>
+        </p:nvSpPr>
+        <p:spPr bwMode="auto">
+          <a:xfrm>
+            <a:off x="6292856" y="5734050"/>
+            <a:ext cx="215900" cy="188913"/>
+          </a:xfrm>
+          <a:prstGeom prst="parallelogram">
+            <a:avLst>
+              <a:gd name="adj" fmla="val 28571"/>
+            </a:avLst>
+          </a:prstGeom>
+          <a:solidFill>
+            <a:srgbClr val="EAEAEA"/>
+          </a:solidFill>
+          <a:ln w="9525">
+            <a:solidFill>
+              <a:srgbClr val="DDDDDD"/>
+            </a:solidFill>
+            <a:miter lim="800000"/>
+            <a:headEnd/>
+            <a:tailEnd/>
+          </a:ln>
+          <a:effectLst/>
+        </p:spPr>
+        <p:txBody>
+          <a:bodyPr wrap="none" anchor="ctr"/>
+          <a:lstStyle/>
+          <a:p>
+            <a:endParaRPr lang="ja-JP" altLang="en-US"/>
+          </a:p>
+        </p:txBody>
+      </p:sp>
+      <p:sp>
+        <p:nvSpPr>
+          <p:cNvPr id="5136" name="AutoShape 16"/>
+          <p:cNvSpPr>
+            <a:spLocks noChangeArrowheads="1"/>
+          </p:cNvSpPr>
+          <p:nvPr/>
+        </p:nvSpPr>
+        <p:spPr bwMode="auto">
+          <a:xfrm>
+            <a:off x="6508756" y="5734050"/>
+            <a:ext cx="215900" cy="188913"/>
+          </a:xfrm>
+          <a:prstGeom prst="parallelogram">
+            <a:avLst>
+              <a:gd name="adj" fmla="val 28571"/>
+            </a:avLst>
+          </a:prstGeom>
+          <a:solidFill>
+            <a:srgbClr val="EAEAEA"/>
+          </a:solidFill>
+          <a:ln w="9525">
+            <a:solidFill>
+              <a:srgbClr val="DDDDDD"/>
+            </a:solidFill>
+            <a:miter lim="800000"/>
+            <a:headEnd/>
+            <a:tailEnd/>
+          </a:ln>
+          <a:effectLst/>
+        </p:spPr>
+        <p:txBody>
+          <a:bodyPr wrap="none" anchor="ctr"/>
+          <a:lstStyle/>
+          <a:p>
+            <a:endParaRPr lang="ja-JP" altLang="en-US"/>
+          </a:p>
+        </p:txBody>
+      </p:sp>
+      <p:sp>
+        <p:nvSpPr>
+          <p:cNvPr id="5137" name="AutoShape 17"/>
+          <p:cNvSpPr>
+            <a:spLocks noChangeArrowheads="1"/>
+          </p:cNvSpPr>
+          <p:nvPr/>
+        </p:nvSpPr>
+        <p:spPr bwMode="auto">
+          <a:xfrm>
+            <a:off x="6724656" y="5734050"/>
+            <a:ext cx="215900" cy="188913"/>
+          </a:xfrm>
+          <a:prstGeom prst="parallelogram">
+            <a:avLst>
+              <a:gd name="adj" fmla="val 28571"/>
+            </a:avLst>
+          </a:prstGeom>
+          <a:solidFill>
+            <a:srgbClr val="EAEAEA"/>
+          </a:solidFill>
+          <a:ln w="9525">
+            <a:solidFill>
+              <a:srgbClr val="DDDDDD"/>
+            </a:solidFill>
+            <a:miter lim="800000"/>
+            <a:headEnd/>
+            <a:tailEnd/>
+          </a:ln>
+          <a:effectLst/>
+        </p:spPr>
+        <p:txBody>
+          <a:bodyPr wrap="none" anchor="ctr"/>
+          <a:lstStyle/>
+          <a:p>
+            <a:endParaRPr lang="ja-JP" altLang="en-US"/>
+          </a:p>
+        </p:txBody>
+      </p:sp>
+      <p:sp>
+        <p:nvSpPr>
+          <p:cNvPr id="5138" name="AutoShape 18"/>
+          <p:cNvSpPr>
+            <a:spLocks noChangeArrowheads="1"/>
+          </p:cNvSpPr>
+          <p:nvPr/>
+        </p:nvSpPr>
+        <p:spPr bwMode="auto">
+          <a:xfrm>
+            <a:off x="6940556" y="5734050"/>
+            <a:ext cx="215900" cy="188913"/>
+          </a:xfrm>
+          <a:prstGeom prst="parallelogram">
+            <a:avLst>
+              <a:gd name="adj" fmla="val 28571"/>
+            </a:avLst>
+          </a:prstGeom>
+          <a:solidFill>
+            <a:srgbClr val="EAEAEA"/>
+          </a:solidFill>
+          <a:ln w="9525">
+            <a:solidFill>
+              <a:srgbClr val="DDDDDD"/>
+            </a:solidFill>
+            <a:miter lim="800000"/>
+            <a:headEnd/>
+            <a:tailEnd/>
+          </a:ln>
+          <a:effectLst/>
+        </p:spPr>
+        <p:txBody>
+          <a:bodyPr wrap="none" anchor="ctr"/>
+          <a:lstStyle/>
+          <a:p>
+            <a:endParaRPr lang="ja-JP" altLang="en-US"/>
+          </a:p>
+        </p:txBody>
+      </p:sp>
+      <p:sp>
+        <p:nvSpPr>
+          <p:cNvPr id="5139" name="AutoShape 19"/>
+          <p:cNvSpPr>
+            <a:spLocks noChangeArrowheads="1"/>
+          </p:cNvSpPr>
+          <p:nvPr/>
+        </p:nvSpPr>
+        <p:spPr bwMode="auto">
+          <a:xfrm>
+            <a:off x="7156456" y="5734050"/>
+            <a:ext cx="215900" cy="188913"/>
+          </a:xfrm>
+          <a:prstGeom prst="parallelogram">
+            <a:avLst>
+              <a:gd name="adj" fmla="val 28571"/>
+            </a:avLst>
+          </a:prstGeom>
+          <a:solidFill>
+            <a:schemeClr val="bg1"/>
+          </a:solidFill>
+          <a:ln w="9525">
+            <a:solidFill>
+              <a:srgbClr val="DDDDDD"/>
+            </a:solidFill>
+            <a:miter lim="800000"/>
+            <a:headEnd/>
+            <a:tailEnd/>
+          </a:ln>
+          <a:effectLst/>
+        </p:spPr>
+        <p:txBody>
+          <a:bodyPr wrap="none" anchor="ctr"/>
+          <a:lstStyle/>
+          <a:p>
+            <a:endParaRPr lang="ja-JP" altLang="en-US"/>
+          </a:p>
+        </p:txBody>
+      </p:sp>
+      <p:sp>
+        <p:nvSpPr>
+          <p:cNvPr id="5140" name="AutoShape 20"/>
+          <p:cNvSpPr>
+            <a:spLocks noChangeArrowheads="1"/>
+          </p:cNvSpPr>
+          <p:nvPr/>
+        </p:nvSpPr>
+        <p:spPr bwMode="auto">
+          <a:xfrm>
+            <a:off x="7372356" y="5734050"/>
+            <a:ext cx="215900" cy="188913"/>
+          </a:xfrm>
+          <a:prstGeom prst="parallelogram">
+            <a:avLst>
+              <a:gd name="adj" fmla="val 28571"/>
+            </a:avLst>
+          </a:prstGeom>
+          <a:solidFill>
+            <a:schemeClr val="bg1"/>
+          </a:solidFill>
+          <a:ln w="9525">
+            <a:solidFill>
+              <a:srgbClr val="DDDDDD"/>
+            </a:solidFill>
+            <a:miter lim="800000"/>
+            <a:headEnd/>
+            <a:tailEnd/>
+          </a:ln>
+          <a:effectLst/>
+        </p:spPr>
+        <p:txBody>
+          <a:bodyPr wrap="none" anchor="ctr"/>
+          <a:lstStyle/>
+          <a:p>
+            <a:endParaRPr lang="ja-JP" altLang="en-US"/>
+          </a:p>
+        </p:txBody>
+      </p:sp>
+      <p:sp>
+        <p:nvSpPr>
+          <p:cNvPr id="5141" name="AutoShape 21"/>
+          <p:cNvSpPr>
+            <a:spLocks noChangeArrowheads="1"/>
+          </p:cNvSpPr>
+          <p:nvPr/>
+        </p:nvSpPr>
+        <p:spPr bwMode="auto">
+          <a:xfrm>
+            <a:off x="7589844" y="5734050"/>
+            <a:ext cx="215900" cy="188913"/>
+          </a:xfrm>
+          <a:prstGeom prst="parallelogram">
+            <a:avLst>
+              <a:gd name="adj" fmla="val 28571"/>
+            </a:avLst>
+          </a:prstGeom>
+          <a:solidFill>
+            <a:schemeClr val="bg1"/>
+          </a:solidFill>
+          <a:ln w="9525">
+            <a:solidFill>
+              <a:srgbClr val="DDDDDD"/>
+            </a:solidFill>
+            <a:miter lim="800000"/>
+            <a:headEnd/>
+            <a:tailEnd/>
+          </a:ln>
+          <a:effectLst/>
+        </p:spPr>
+        <p:txBody>
+          <a:bodyPr wrap="none" anchor="ctr"/>
+          <a:lstStyle/>
+          <a:p>
+            <a:endParaRPr lang="ja-JP" altLang="en-US"/>
+          </a:p>
+        </p:txBody>
+      </p:sp>
+      <p:sp>
+        <p:nvSpPr>
+          <p:cNvPr id="5142" name="AutoShape 22"/>
+          <p:cNvSpPr>
+            <a:spLocks noChangeArrowheads="1"/>
+          </p:cNvSpPr>
+          <p:nvPr/>
+        </p:nvSpPr>
+        <p:spPr bwMode="auto">
+          <a:xfrm>
+            <a:off x="7805744" y="5734050"/>
+            <a:ext cx="215900" cy="188913"/>
+          </a:xfrm>
+          <a:prstGeom prst="parallelogram">
+            <a:avLst>
+              <a:gd name="adj" fmla="val 28571"/>
+            </a:avLst>
+          </a:prstGeom>
+          <a:solidFill>
+            <a:schemeClr val="bg1"/>
+          </a:solidFill>
+          <a:ln w="9525">
+            <a:solidFill>
+              <a:srgbClr val="DDDDDD"/>
+            </a:solidFill>
+            <a:miter lim="800000"/>
+            <a:headEnd/>
+            <a:tailEnd/>
+          </a:ln>
+          <a:effectLst/>
+        </p:spPr>
+        <p:txBody>
+          <a:bodyPr wrap="none" anchor="ctr"/>
+          <a:lstStyle/>
+          <a:p>
+            <a:endParaRPr lang="ja-JP" altLang="en-US"/>
+          </a:p>
+        </p:txBody>
+      </p:sp>
+      <p:sp>
+        <p:nvSpPr>
+          <p:cNvPr id="5143" name="AutoShape 23"/>
+          <p:cNvSpPr>
+            <a:spLocks noChangeArrowheads="1"/>
+          </p:cNvSpPr>
+          <p:nvPr/>
+        </p:nvSpPr>
+        <p:spPr bwMode="auto">
+          <a:xfrm>
+            <a:off x="8021644" y="5734050"/>
+            <a:ext cx="215900" cy="188913"/>
+          </a:xfrm>
+          <a:prstGeom prst="parallelogram">
+            <a:avLst>
+              <a:gd name="adj" fmla="val 28571"/>
+            </a:avLst>
+          </a:prstGeom>
+          <a:solidFill>
+            <a:schemeClr val="bg1"/>
+          </a:solidFill>
+          <a:ln w="9525">
+            <a:solidFill>
+              <a:srgbClr val="DDDDDD"/>
+            </a:solidFill>
+            <a:miter lim="800000"/>
+            <a:headEnd/>
+            <a:tailEnd/>
+          </a:ln>
+          <a:effectLst/>
+        </p:spPr>
+        <p:txBody>
+          <a:bodyPr wrap="none" anchor="ctr"/>
+          <a:lstStyle/>
+          <a:p>
+            <a:endParaRPr lang="ja-JP" altLang="en-US"/>
+          </a:p>
+        </p:txBody>
+      </p:sp>
+      <p:sp>
+        <p:nvSpPr>
+          <p:cNvPr id="5144" name="AutoShape 24"/>
+          <p:cNvSpPr>
+            <a:spLocks noChangeArrowheads="1"/>
+          </p:cNvSpPr>
+          <p:nvPr/>
+        </p:nvSpPr>
+        <p:spPr bwMode="auto">
+          <a:xfrm>
+            <a:off x="8237544" y="5734050"/>
+            <a:ext cx="215900" cy="188913"/>
+          </a:xfrm>
+          <a:prstGeom prst="parallelogram">
+            <a:avLst>
+              <a:gd name="adj" fmla="val 28571"/>
+            </a:avLst>
+          </a:prstGeom>
+          <a:solidFill>
+            <a:schemeClr val="bg1"/>
+          </a:solidFill>
+          <a:ln w="9525">
+            <a:solidFill>
+              <a:srgbClr val="DDDDDD"/>
+            </a:solidFill>
+            <a:miter lim="800000"/>
+            <a:headEnd/>
+            <a:tailEnd/>
+          </a:ln>
+          <a:effectLst/>
+        </p:spPr>
+        <p:txBody>
+          <a:bodyPr wrap="none" anchor="ctr"/>
+          <a:lstStyle/>
+          <a:p>
+            <a:endParaRPr lang="ja-JP" altLang="en-US"/>
+          </a:p>
+        </p:txBody>
+      </p:sp>
+      <p:sp>
+        <p:nvSpPr>
+          <p:cNvPr id="5145" name="AutoShape 25"/>
+          <p:cNvSpPr>
+            <a:spLocks noChangeArrowheads="1"/>
+          </p:cNvSpPr>
+          <p:nvPr/>
+        </p:nvSpPr>
+        <p:spPr bwMode="auto">
+          <a:xfrm>
+            <a:off x="8453444" y="5734050"/>
+            <a:ext cx="215900" cy="188913"/>
+          </a:xfrm>
+          <a:prstGeom prst="parallelogram">
+            <a:avLst>
+              <a:gd name="adj" fmla="val 28571"/>
+            </a:avLst>
+          </a:prstGeom>
+          <a:solidFill>
+            <a:schemeClr val="bg1"/>
+          </a:solidFill>
+          <a:ln w="9525">
+            <a:solidFill>
+              <a:srgbClr val="DDDDDD"/>
+            </a:solidFill>
+            <a:miter lim="800000"/>
+            <a:headEnd/>
+            <a:tailEnd/>
+          </a:ln>
+          <a:effectLst/>
+        </p:spPr>
+        <p:txBody>
+          <a:bodyPr wrap="none" anchor="ctr"/>
+          <a:lstStyle/>
+          <a:p>
+            <a:endParaRPr lang="ja-JP" altLang="en-US"/>
+          </a:p>
+        </p:txBody>
+      </p:sp>
+      <p:sp>
+        <p:nvSpPr>
+          <p:cNvPr id="5146" name="AutoShape 26"/>
+          <p:cNvSpPr>
+            <a:spLocks noChangeArrowheads="1"/>
+          </p:cNvSpPr>
+          <p:nvPr/>
+        </p:nvSpPr>
+        <p:spPr bwMode="auto">
+          <a:xfrm>
+            <a:off x="8669344" y="5734050"/>
+            <a:ext cx="215900" cy="188913"/>
+          </a:xfrm>
+          <a:prstGeom prst="parallelogram">
+            <a:avLst>
+              <a:gd name="adj" fmla="val 28571"/>
+            </a:avLst>
+          </a:prstGeom>
+          <a:solidFill>
+            <a:schemeClr val="bg1"/>
+          </a:solidFill>
+          <a:ln w="9525">
+            <a:solidFill>
+              <a:srgbClr val="DDDDDD"/>
+            </a:solidFill>
+            <a:miter lim="800000"/>
+            <a:headEnd/>
+            <a:tailEnd/>
+          </a:ln>
+          <a:effectLst/>
+        </p:spPr>
+        <p:txBody>
+          <a:bodyPr wrap="none" anchor="ctr"/>
+          <a:lstStyle/>
+          <a:p>
+            <a:endParaRPr lang="ja-JP" altLang="en-US"/>
+          </a:p>
+        </p:txBody>
+      </p:sp>
+      <p:sp>
+        <p:nvSpPr>
+          <p:cNvPr id="5147" name="AutoShape 27"/>
+          <p:cNvSpPr>
+            <a:spLocks noChangeArrowheads="1"/>
+          </p:cNvSpPr>
+          <p:nvPr/>
+        </p:nvSpPr>
+        <p:spPr bwMode="auto">
+          <a:xfrm>
+            <a:off x="8885244" y="5734050"/>
+            <a:ext cx="215900" cy="188913"/>
+          </a:xfrm>
+          <a:prstGeom prst="parallelogram">
+            <a:avLst>
+              <a:gd name="adj" fmla="val 28571"/>
+            </a:avLst>
+          </a:prstGeom>
+          <a:solidFill>
+            <a:schemeClr val="bg1"/>
+          </a:solidFill>
+          <a:ln w="9525">
+            <a:solidFill>
+              <a:srgbClr val="DDDDDD"/>
+            </a:solidFill>
+            <a:miter lim="800000"/>
+            <a:headEnd/>
+            <a:tailEnd/>
+          </a:ln>
+          <a:effectLst/>
+        </p:spPr>
+        <p:txBody>
+          <a:bodyPr wrap="none" anchor="ctr"/>
+          <a:lstStyle/>
+          <a:p>
+            <a:endParaRPr lang="ja-JP" altLang="en-US"/>
+          </a:p>
+        </p:txBody>
+      </p:sp>
+      <p:sp>
+        <p:nvSpPr>
+          <p:cNvPr id="5152" name="AutoShape 32"/>
+          <p:cNvSpPr>
+            <a:spLocks noChangeArrowheads="1"/>
+          </p:cNvSpPr>
+          <p:nvPr/>
+        </p:nvSpPr>
+        <p:spPr bwMode="auto">
+          <a:xfrm>
+            <a:off x="5429256" y="5734050"/>
+            <a:ext cx="215900" cy="188913"/>
+          </a:xfrm>
+          <a:prstGeom prst="parallelogram">
+            <a:avLst>
+              <a:gd name="adj" fmla="val 28571"/>
+            </a:avLst>
+          </a:prstGeom>
+          <a:solidFill>
+            <a:srgbClr val="EAEAEA"/>
+          </a:solidFill>
+          <a:ln w="9525">
+            <a:solidFill>
+              <a:srgbClr val="DDDDDD"/>
+            </a:solidFill>
+            <a:miter lim="800000"/>
+            <a:headEnd/>
+            <a:tailEnd/>
+          </a:ln>
+          <a:effectLst/>
+        </p:spPr>
+        <p:txBody>
+          <a:bodyPr wrap="none" anchor="ctr"/>
+          <a:lstStyle/>
+          <a:p>
+            <a:endParaRPr lang="ja-JP" altLang="en-US"/>
+          </a:p>
+        </p:txBody>
+      </p:sp>
+      <p:sp>
+        <p:nvSpPr>
+          <p:cNvPr id="5153" name="AutoShape 33"/>
+          <p:cNvSpPr>
+            <a:spLocks noChangeArrowheads="1"/>
+          </p:cNvSpPr>
+          <p:nvPr/>
+        </p:nvSpPr>
+        <p:spPr bwMode="auto">
+          <a:xfrm>
+            <a:off x="5645156" y="5734050"/>
+            <a:ext cx="215900" cy="188913"/>
+          </a:xfrm>
+          <a:prstGeom prst="parallelogram">
+            <a:avLst>
+              <a:gd name="adj" fmla="val 28571"/>
+            </a:avLst>
+          </a:prstGeom>
+          <a:solidFill>
+            <a:srgbClr val="EAEAEA"/>
+          </a:solidFill>
+          <a:ln w="9525">
+            <a:solidFill>
+              <a:srgbClr val="DDDDDD"/>
+            </a:solidFill>
+            <a:miter lim="800000"/>
+            <a:headEnd/>
+            <a:tailEnd/>
+          </a:ln>
+          <a:effectLst/>
+        </p:spPr>
+        <p:txBody>
+          <a:bodyPr wrap="none" anchor="ctr"/>
+          <a:lstStyle/>
+          <a:p>
+            <a:endParaRPr lang="ja-JP" altLang="en-US"/>
+          </a:p>
+        </p:txBody>
+      </p:sp>
+      <p:sp>
+        <p:nvSpPr>
+          <p:cNvPr id="5154" name="AutoShape 34"/>
+          <p:cNvSpPr>
+            <a:spLocks noChangeArrowheads="1"/>
+          </p:cNvSpPr>
+          <p:nvPr/>
+        </p:nvSpPr>
+        <p:spPr bwMode="auto">
+          <a:xfrm>
+            <a:off x="5861056" y="5734050"/>
+            <a:ext cx="215900" cy="188913"/>
+          </a:xfrm>
+          <a:prstGeom prst="parallelogram">
+            <a:avLst>
+              <a:gd name="adj" fmla="val 28571"/>
+            </a:avLst>
+          </a:prstGeom>
+          <a:solidFill>
+            <a:srgbClr val="EAEAEA"/>
+          </a:solidFill>
+          <a:ln w="9525">
+            <a:solidFill>
+              <a:srgbClr val="DDDDDD"/>
+            </a:solidFill>
+            <a:miter lim="800000"/>
+            <a:headEnd/>
+            <a:tailEnd/>
+          </a:ln>
+          <a:effectLst/>
+        </p:spPr>
+        <p:txBody>
+          <a:bodyPr wrap="none" anchor="ctr"/>
+          <a:lstStyle/>
+          <a:p>
+            <a:endParaRPr lang="ja-JP" altLang="en-US"/>
+          </a:p>
+        </p:txBody>
+      </p:sp>
+      <p:sp>
+        <p:nvSpPr>
+          <p:cNvPr id="5155" name="AutoShape 35"/>
+          <p:cNvSpPr>
+            <a:spLocks noChangeArrowheads="1"/>
+          </p:cNvSpPr>
+          <p:nvPr/>
+        </p:nvSpPr>
+        <p:spPr bwMode="auto">
+          <a:xfrm>
+            <a:off x="6076956" y="5734050"/>
+            <a:ext cx="215900" cy="188913"/>
+          </a:xfrm>
+          <a:prstGeom prst="parallelogram">
+            <a:avLst>
+              <a:gd name="adj" fmla="val 28571"/>
+            </a:avLst>
+          </a:prstGeom>
+          <a:solidFill>
+            <a:srgbClr val="EAEAEA"/>
+          </a:solidFill>
+          <a:ln w="9525">
+            <a:solidFill>
+              <a:srgbClr val="DDDDDD"/>
+            </a:solidFill>
+            <a:miter lim="800000"/>
+            <a:headEnd/>
+            <a:tailEnd/>
+          </a:ln>
+          <a:effectLst/>
+        </p:spPr>
+        <p:txBody>
+          <a:bodyPr wrap="none" anchor="ctr"/>
+          <a:lstStyle/>
+          <a:p>
+            <a:endParaRPr lang="ja-JP" altLang="en-US"/>
+          </a:p>
+        </p:txBody>
+      </p:sp>
+      <p:pic>
+        <p:nvPicPr>
+          <p:cNvPr id="5159" name="Picture 39"/>
+          <p:cNvPicPr>
+            <a:picLocks noChangeAspect="1" noChangeArrowheads="1"/>
+          </p:cNvPicPr>
+          <p:nvPr userDrawn="1"/>
+        </p:nvPicPr>
+        <p:blipFill>
+          <a:blip r:embed="rId3" cstate="print"/>
+          <a:srcRect/>
+          <a:stretch>
+            <a:fillRect/>
+          </a:stretch>
+        </p:blipFill>
+        <p:spPr bwMode="auto">
+          <a:xfrm>
+            <a:off x="214282" y="5715016"/>
+            <a:ext cx="851176" cy="1000132"/>
+          </a:xfrm>
+          <a:prstGeom prst="rect">
+            <a:avLst/>
+          </a:prstGeom>
+          <a:noFill/>
+          <a:ln w="9525">
+            <a:noFill/>
+            <a:miter lim="800000"/>
+            <a:headEnd/>
+            <a:tailEnd/>
+          </a:ln>
+        </p:spPr>
+      </p:pic>
+      <p:pic>
+        <p:nvPicPr>
+          <p:cNvPr id="5160" name="Picture 40"/>
+          <p:cNvPicPr>
+            <a:picLocks noChangeAspect="1" noChangeArrowheads="1"/>
+          </p:cNvPicPr>
+          <p:nvPr userDrawn="1"/>
+        </p:nvPicPr>
+        <p:blipFill>
+          <a:blip r:embed="rId4" cstate="print"/>
+          <a:srcRect/>
+          <a:stretch>
+            <a:fillRect/>
+          </a:stretch>
+        </p:blipFill>
+        <p:spPr bwMode="auto">
+          <a:xfrm>
+            <a:off x="1061623" y="5715016"/>
+            <a:ext cx="851176" cy="1000132"/>
+          </a:xfrm>
+          <a:prstGeom prst="rect">
+            <a:avLst/>
+          </a:prstGeom>
+          <a:noFill/>
+          <a:ln w="9525">
+            <a:noFill/>
+            <a:miter lim="800000"/>
+            <a:headEnd/>
+            <a:tailEnd/>
+          </a:ln>
+        </p:spPr>
+      </p:pic>
+      <p:pic>
+        <p:nvPicPr>
+          <p:cNvPr id="5161" name="Picture 41"/>
+          <p:cNvPicPr>
+            <a:picLocks noChangeAspect="1" noChangeArrowheads="1"/>
+          </p:cNvPicPr>
+          <p:nvPr userDrawn="1"/>
+        </p:nvPicPr>
+        <p:blipFill>
+          <a:blip r:embed="rId5" cstate="print"/>
+          <a:srcRect/>
+          <a:stretch>
+            <a:fillRect/>
+          </a:stretch>
+        </p:blipFill>
+        <p:spPr bwMode="auto">
+          <a:xfrm>
+            <a:off x="214282" y="4691844"/>
+            <a:ext cx="857256" cy="1007276"/>
+          </a:xfrm>
+          <a:prstGeom prst="rect">
+            <a:avLst/>
+          </a:prstGeom>
+          <a:noFill/>
+          <a:ln w="9525">
+            <a:noFill/>
+            <a:miter lim="800000"/>
+            <a:headEnd/>
+            <a:tailEnd/>
+          </a:ln>
+        </p:spPr>
+      </p:pic>
+      <p:pic>
+        <p:nvPicPr>
+          <p:cNvPr id="5162" name="Picture 42"/>
+          <p:cNvPicPr>
+            <a:picLocks noChangeAspect="1" noChangeArrowheads="1"/>
+          </p:cNvPicPr>
+          <p:nvPr userDrawn="1"/>
+        </p:nvPicPr>
+        <p:blipFill>
+          <a:blip r:embed="rId6" cstate="print"/>
+          <a:srcRect/>
+          <a:stretch>
+            <a:fillRect/>
+          </a:stretch>
+        </p:blipFill>
+        <p:spPr bwMode="auto">
+          <a:xfrm>
+            <a:off x="1067475" y="4691844"/>
+            <a:ext cx="857256" cy="1007276"/>
+          </a:xfrm>
+          <a:prstGeom prst="rect">
+            <a:avLst/>
+          </a:prstGeom>
+          <a:noFill/>
+          <a:ln w="9525">
+            <a:noFill/>
+            <a:miter lim="800000"/>
+            <a:headEnd/>
+            <a:tailEnd/>
+          </a:ln>
+        </p:spPr>
+      </p:pic>
+    </p:spTree>
+  </p:cSld>
+  <p:clrMapOvr>
+    <a:masterClrMapping/>
+  </p:clrMapOvr>
+</p:sldLayout>
+</file>
+
+<file path=ppt/slideLayouts/slideLayout16.xml><?xml version="1.0" encoding="utf-8"?>
+<p:sldLayout xmlns:a="http://schemas.openxmlformats.org/drawingml/2006/main" xmlns:r="http://schemas.openxmlformats.org/officeDocument/2006/relationships" xmlns:p="http://schemas.openxmlformats.org/presentationml/2006/main" type="obj" preserve="1">
+  <p:cSld name="タイトルとコンテンツ">
+    <p:spTree>
+      <p:nvGrpSpPr>
+        <p:cNvPr id="1" name=""/>
+        <p:cNvGrpSpPr/>
+        <p:nvPr/>
+      </p:nvGrpSpPr>
+      <p:grpSpPr>
+        <a:xfrm>
+          <a:off x="0" y="0"/>
+          <a:ext cx="0" cy="0"/>
+          <a:chOff x="0" y="0"/>
+          <a:chExt cx="0" cy="0"/>
+        </a:xfrm>
+      </p:grpSpPr>
+      <p:sp>
+        <p:nvSpPr>
+          <p:cNvPr id="2" name="タイトル 1"/>
+          <p:cNvSpPr>
+            <a:spLocks noGrp="1"/>
+          </p:cNvSpPr>
+          <p:nvPr>
+            <p:ph type="title"/>
+          </p:nvPr>
+        </p:nvSpPr>
+        <p:spPr/>
+        <p:txBody>
+          <a:bodyPr/>
+          <a:lstStyle/>
+          <a:p>
+            <a:r>
+              <a:rPr lang="ja-JP" altLang="en-US" smtClean="0"/>
+              <a:t>マスタ タイトルの書式設定</a:t>
+            </a:r>
+            <a:endParaRPr lang="ja-JP" altLang="en-US"/>
+          </a:p>
+        </p:txBody>
+      </p:sp>
+      <p:sp>
+        <p:nvSpPr>
+          <p:cNvPr id="3" name="コンテンツ プレースホルダ 2"/>
+          <p:cNvSpPr>
+            <a:spLocks noGrp="1"/>
+          </p:cNvSpPr>
+          <p:nvPr>
+            <p:ph idx="1"/>
+          </p:nvPr>
+        </p:nvSpPr>
+        <p:spPr/>
+        <p:txBody>
+          <a:bodyPr/>
+          <a:lstStyle/>
+          <a:p>
+            <a:pPr lvl="0"/>
+            <a:r>
+              <a:rPr lang="ja-JP" altLang="en-US" smtClean="0"/>
+              <a:t>マスタ テキストの書式設定</a:t>
+            </a:r>
+          </a:p>
+          <a:p>
+            <a:pPr lvl="1"/>
+            <a:r>
+              <a:rPr lang="ja-JP" altLang="en-US" smtClean="0"/>
+              <a:t>第 </a:t>
+            </a:r>
+            <a:r>
+              <a:rPr lang="en-US" altLang="ja-JP" smtClean="0"/>
+              <a:t>2 </a:t>
+            </a:r>
+            <a:r>
+              <a:rPr lang="ja-JP" altLang="en-US" smtClean="0"/>
+              <a:t>レベル</a:t>
+            </a:r>
+          </a:p>
+          <a:p>
+            <a:pPr lvl="2"/>
+            <a:r>
+              <a:rPr lang="ja-JP" altLang="en-US" smtClean="0"/>
+              <a:t>第 </a:t>
+            </a:r>
+            <a:r>
+              <a:rPr lang="en-US" altLang="ja-JP" smtClean="0"/>
+              <a:t>3 </a:t>
+            </a:r>
+            <a:r>
+              <a:rPr lang="ja-JP" altLang="en-US" smtClean="0"/>
+              <a:t>レベル</a:t>
+            </a:r>
+          </a:p>
+          <a:p>
+            <a:pPr lvl="3"/>
+            <a:r>
+              <a:rPr lang="ja-JP" altLang="en-US" smtClean="0"/>
+              <a:t>第 </a:t>
+            </a:r>
+            <a:r>
+              <a:rPr lang="en-US" altLang="ja-JP" smtClean="0"/>
+              <a:t>4 </a:t>
+            </a:r>
+            <a:r>
+              <a:rPr lang="ja-JP" altLang="en-US" smtClean="0"/>
+              <a:t>レベル</a:t>
+            </a:r>
+          </a:p>
+          <a:p>
+            <a:pPr lvl="4"/>
+            <a:r>
+              <a:rPr lang="ja-JP" altLang="en-US" smtClean="0"/>
+              <a:t>第 </a:t>
+            </a:r>
+            <a:r>
+              <a:rPr lang="en-US" altLang="ja-JP" smtClean="0"/>
+              <a:t>5 </a:t>
+            </a:r>
+            <a:r>
+              <a:rPr lang="ja-JP" altLang="en-US" smtClean="0"/>
+              <a:t>レベル</a:t>
+            </a:r>
+            <a:endParaRPr lang="ja-JP" altLang="en-US"/>
+          </a:p>
+        </p:txBody>
+      </p:sp>
+      <p:sp>
+        <p:nvSpPr>
+          <p:cNvPr id="4" name="日付プレースホルダ 3"/>
+          <p:cNvSpPr>
+            <a:spLocks noGrp="1"/>
+          </p:cNvSpPr>
+          <p:nvPr>
+            <p:ph type="dt" sz="half" idx="10"/>
+          </p:nvPr>
+        </p:nvSpPr>
+        <p:spPr/>
+        <p:txBody>
+          <a:bodyPr/>
+          <a:lstStyle>
+            <a:lvl1pPr>
+              <a:defRPr/>
+            </a:lvl1pPr>
+          </a:lstStyle>
+          <a:p>
+            <a:endParaRPr lang="en-US" altLang="ja-JP"/>
+          </a:p>
+        </p:txBody>
+      </p:sp>
+      <p:sp>
+        <p:nvSpPr>
+          <p:cNvPr id="5" name="フッター プレースホルダ 4"/>
+          <p:cNvSpPr>
+            <a:spLocks noGrp="1"/>
+          </p:cNvSpPr>
+          <p:nvPr>
+            <p:ph type="ftr" sz="quarter" idx="11"/>
+          </p:nvPr>
+        </p:nvSpPr>
+        <p:spPr/>
+        <p:txBody>
+          <a:bodyPr/>
+          <a:lstStyle>
+            <a:lvl1pPr>
+              <a:defRPr/>
+            </a:lvl1pPr>
+          </a:lstStyle>
+          <a:p>
+            <a:endParaRPr lang="en-US" altLang="ja-JP"/>
+          </a:p>
+        </p:txBody>
+      </p:sp>
+      <p:sp>
+        <p:nvSpPr>
+          <p:cNvPr id="6" name="スライド番号プレースホルダ 5"/>
+          <p:cNvSpPr>
+            <a:spLocks noGrp="1"/>
+          </p:cNvSpPr>
+          <p:nvPr>
+            <p:ph type="sldNum" sz="quarter" idx="12"/>
+          </p:nvPr>
+        </p:nvSpPr>
+        <p:spPr/>
+        <p:txBody>
+          <a:bodyPr/>
+          <a:lstStyle>
+            <a:lvl1pPr>
+              <a:defRPr/>
+            </a:lvl1pPr>
+          </a:lstStyle>
+          <a:p>
+            <a:fld id="{14F9E465-96E9-4979-B598-97FA1C8A931A}" type="slidenum">
+              <a:rPr lang="en-US" altLang="ja-JP"/>
+              <a:pPr/>
+              <a:t>&lt;#&gt;</a:t>
+            </a:fld>
+            <a:endParaRPr lang="en-US" altLang="ja-JP"/>
+          </a:p>
+        </p:txBody>
+      </p:sp>
+      <p:pic>
+        <p:nvPicPr>
+          <p:cNvPr id="8" name="図 7" descr="ss01.png"/>
+          <p:cNvPicPr>
+            <a:picLocks noChangeAspect="1"/>
+          </p:cNvPicPr>
+          <p:nvPr userDrawn="1"/>
+        </p:nvPicPr>
+        <p:blipFill>
+          <a:blip r:embed="rId2" cstate="print"/>
+          <a:stretch>
+            <a:fillRect/>
+          </a:stretch>
+        </p:blipFill>
+        <p:spPr>
+          <a:xfrm>
+            <a:off x="7768196" y="5500702"/>
+            <a:ext cx="1018645" cy="1357298"/>
+          </a:xfrm>
+          <a:prstGeom prst="rect">
+            <a:avLst/>
+          </a:prstGeom>
+        </p:spPr>
+      </p:pic>
+    </p:spTree>
+  </p:cSld>
+  <p:clrMapOvr>
+    <a:masterClrMapping/>
+  </p:clrMapOvr>
+</p:sldLayout>
+</file>
+
+<file path=ppt/slideLayouts/slideLayout17.xml><?xml version="1.0" encoding="utf-8"?>
+<p:sldLayout xmlns:a="http://schemas.openxmlformats.org/drawingml/2006/main" xmlns:r="http://schemas.openxmlformats.org/officeDocument/2006/relationships" xmlns:p="http://schemas.openxmlformats.org/presentationml/2006/main" type="secHead" preserve="1">
+  <p:cSld name="セクション見出し">
+    <p:spTree>
+      <p:nvGrpSpPr>
+        <p:cNvPr id="1" name=""/>
+        <p:cNvGrpSpPr/>
+        <p:nvPr/>
+      </p:nvGrpSpPr>
+      <p:grpSpPr>
+        <a:xfrm>
+          <a:off x="0" y="0"/>
+          <a:ext cx="0" cy="0"/>
+          <a:chOff x="0" y="0"/>
+          <a:chExt cx="0" cy="0"/>
+        </a:xfrm>
+      </p:grpSpPr>
+      <p:sp>
+        <p:nvSpPr>
+          <p:cNvPr id="2" name="タイトル 1"/>
+          <p:cNvSpPr>
+            <a:spLocks noGrp="1"/>
+          </p:cNvSpPr>
+          <p:nvPr>
+            <p:ph type="title"/>
+          </p:nvPr>
+        </p:nvSpPr>
+        <p:spPr>
+          <a:xfrm>
+            <a:off x="722313" y="4406900"/>
+            <a:ext cx="7772400" cy="1362075"/>
+          </a:xfrm>
+        </p:spPr>
+        <p:txBody>
+          <a:bodyPr anchor="t"/>
+          <a:lstStyle>
+            <a:lvl1pPr algn="l">
+              <a:defRPr sz="4000" b="1" cap="all"/>
+            </a:lvl1pPr>
+          </a:lstStyle>
+          <a:p>
+            <a:r>
+              <a:rPr lang="ja-JP" altLang="en-US" smtClean="0"/>
+              <a:t>マスタ タイトルの書式設定</a:t>
+            </a:r>
+            <a:endParaRPr lang="ja-JP" altLang="en-US"/>
+          </a:p>
+        </p:txBody>
+      </p:sp>
+      <p:sp>
+        <p:nvSpPr>
+          <p:cNvPr id="3" name="テキスト プレースホルダ 2"/>
+          <p:cNvSpPr>
+            <a:spLocks noGrp="1"/>
+          </p:cNvSpPr>
+          <p:nvPr>
+            <p:ph type="body" idx="1"/>
+          </p:nvPr>
+        </p:nvSpPr>
+        <p:spPr>
+          <a:xfrm>
+            <a:off x="722313" y="2906713"/>
+            <a:ext cx="7772400" cy="1500187"/>
+          </a:xfrm>
+        </p:spPr>
+        <p:txBody>
+          <a:bodyPr anchor="b"/>
+          <a:lstStyle>
+            <a:lvl1pPr marL="0" indent="0">
+              <a:buNone/>
+              <a:defRPr sz="2000"/>
+            </a:lvl1pPr>
+            <a:lvl2pPr marL="457200" indent="0">
+              <a:buNone/>
+              <a:defRPr sz="1800"/>
+            </a:lvl2pPr>
+            <a:lvl3pPr marL="914400" indent="0">
+              <a:buNone/>
+              <a:defRPr sz="1600"/>
+            </a:lvl3pPr>
+            <a:lvl4pPr marL="1371600" indent="0">
+              <a:buNone/>
+              <a:defRPr sz="1400"/>
+            </a:lvl4pPr>
+            <a:lvl5pPr marL="1828800" indent="0">
+              <a:buNone/>
+              <a:defRPr sz="1400"/>
+            </a:lvl5pPr>
+            <a:lvl6pPr marL="2286000" indent="0">
+              <a:buNone/>
+              <a:defRPr sz="1400"/>
+            </a:lvl6pPr>
+            <a:lvl7pPr marL="2743200" indent="0">
+              <a:buNone/>
+              <a:defRPr sz="1400"/>
+            </a:lvl7pPr>
+            <a:lvl8pPr marL="3200400" indent="0">
+              <a:buNone/>
+              <a:defRPr sz="1400"/>
+            </a:lvl8pPr>
+            <a:lvl9pPr marL="3657600" indent="0">
+              <a:buNone/>
+              <a:defRPr sz="1400"/>
+            </a:lvl9pPr>
+          </a:lstStyle>
+          <a:p>
+            <a:pPr lvl="0"/>
+            <a:r>
+              <a:rPr lang="ja-JP" altLang="en-US" smtClean="0"/>
+              <a:t>マスタ テキストの書式設定</a:t>
+            </a:r>
+          </a:p>
+        </p:txBody>
+      </p:sp>
+      <p:sp>
+        <p:nvSpPr>
+          <p:cNvPr id="4" name="日付プレースホルダ 3"/>
+          <p:cNvSpPr>
+            <a:spLocks noGrp="1"/>
+          </p:cNvSpPr>
+          <p:nvPr>
+            <p:ph type="dt" sz="half" idx="10"/>
+          </p:nvPr>
+        </p:nvSpPr>
+        <p:spPr/>
+        <p:txBody>
+          <a:bodyPr/>
+          <a:lstStyle>
+            <a:lvl1pPr>
+              <a:defRPr/>
+            </a:lvl1pPr>
+          </a:lstStyle>
+          <a:p>
+            <a:endParaRPr lang="en-US" altLang="ja-JP"/>
+          </a:p>
+        </p:txBody>
+      </p:sp>
+      <p:sp>
+        <p:nvSpPr>
+          <p:cNvPr id="5" name="フッター プレースホルダ 4"/>
+          <p:cNvSpPr>
+            <a:spLocks noGrp="1"/>
+          </p:cNvSpPr>
+          <p:nvPr>
+            <p:ph type="ftr" sz="quarter" idx="11"/>
+          </p:nvPr>
+        </p:nvSpPr>
+        <p:spPr/>
+        <p:txBody>
+          <a:bodyPr/>
+          <a:lstStyle>
+            <a:lvl1pPr>
+              <a:defRPr/>
+            </a:lvl1pPr>
+          </a:lstStyle>
+          <a:p>
+            <a:endParaRPr lang="en-US" altLang="ja-JP"/>
+          </a:p>
+        </p:txBody>
+      </p:sp>
+      <p:sp>
+        <p:nvSpPr>
+          <p:cNvPr id="6" name="スライド番号プレースホルダ 5"/>
+          <p:cNvSpPr>
+            <a:spLocks noGrp="1"/>
+          </p:cNvSpPr>
+          <p:nvPr>
+            <p:ph type="sldNum" sz="quarter" idx="12"/>
+          </p:nvPr>
+        </p:nvSpPr>
+        <p:spPr/>
+        <p:txBody>
+          <a:bodyPr/>
+          <a:lstStyle>
+            <a:lvl1pPr>
+              <a:defRPr/>
+            </a:lvl1pPr>
+          </a:lstStyle>
+          <a:p>
+            <a:fld id="{3911622F-DBE2-4987-881F-67E838EA6BD5}" type="slidenum">
+              <a:rPr lang="en-US" altLang="ja-JP"/>
+              <a:pPr/>
+              <a:t>&lt;#&gt;</a:t>
+            </a:fld>
+            <a:endParaRPr lang="en-US" altLang="ja-JP"/>
+          </a:p>
+        </p:txBody>
+      </p:sp>
+    </p:spTree>
+  </p:cSld>
+  <p:clrMapOvr>
+    <a:masterClrMapping/>
+  </p:clrMapOvr>
+</p:sldLayout>
+</file>
+
+<file path=ppt/slideLayouts/slideLayout18.xml><?xml version="1.0" encoding="utf-8"?>
+<p:sldLayout xmlns:a="http://schemas.openxmlformats.org/drawingml/2006/main" xmlns:r="http://schemas.openxmlformats.org/officeDocument/2006/relationships" xmlns:p="http://schemas.openxmlformats.org/presentationml/2006/main" type="twoObj" preserve="1">
+  <p:cSld name="2 つのコンテンツ">
+    <p:spTree>
+      <p:nvGrpSpPr>
+        <p:cNvPr id="1" name=""/>
+        <p:cNvGrpSpPr/>
+        <p:nvPr/>
+      </p:nvGrpSpPr>
+      <p:grpSpPr>
+        <a:xfrm>
+          <a:off x="0" y="0"/>
+          <a:ext cx="0" cy="0"/>
+          <a:chOff x="0" y="0"/>
+          <a:chExt cx="0" cy="0"/>
+        </a:xfrm>
+      </p:grpSpPr>
+      <p:sp>
+        <p:nvSpPr>
+          <p:cNvPr id="2" name="タイトル 1"/>
+          <p:cNvSpPr>
+            <a:spLocks noGrp="1"/>
+          </p:cNvSpPr>
+          <p:nvPr>
+            <p:ph type="title"/>
+          </p:nvPr>
+        </p:nvSpPr>
+        <p:spPr/>
+        <p:txBody>
+          <a:bodyPr/>
+          <a:lstStyle/>
+          <a:p>
+            <a:r>
+              <a:rPr lang="ja-JP" altLang="en-US" smtClean="0"/>
+              <a:t>マスタ タイトルの書式設定</a:t>
+            </a:r>
+            <a:endParaRPr lang="ja-JP" altLang="en-US"/>
+          </a:p>
+        </p:txBody>
+      </p:sp>
+      <p:sp>
+        <p:nvSpPr>
+          <p:cNvPr id="3" name="コンテンツ プレースホルダ 2"/>
+          <p:cNvSpPr>
+            <a:spLocks noGrp="1"/>
+          </p:cNvSpPr>
+          <p:nvPr>
+            <p:ph sz="half" idx="1"/>
+          </p:nvPr>
+        </p:nvSpPr>
+        <p:spPr>
+          <a:xfrm>
+            <a:off x="684213" y="1628775"/>
+            <a:ext cx="3703637" cy="4497388"/>
+          </a:xfrm>
+        </p:spPr>
+        <p:txBody>
+          <a:bodyPr/>
+          <a:lstStyle>
+            <a:lvl1pPr>
+              <a:defRPr sz="2800"/>
+            </a:lvl1pPr>
+            <a:lvl2pPr>
+              <a:defRPr sz="2400"/>
+            </a:lvl2pPr>
+            <a:lvl3pPr>
+              <a:defRPr sz="2000"/>
+            </a:lvl3pPr>
+            <a:lvl4pPr>
+              <a:defRPr sz="1800"/>
+            </a:lvl4pPr>
+            <a:lvl5pPr>
+              <a:defRPr sz="1800"/>
+            </a:lvl5pPr>
+            <a:lvl6pPr>
+              <a:defRPr sz="1800"/>
+            </a:lvl6pPr>
+            <a:lvl7pPr>
+              <a:defRPr sz="1800"/>
+            </a:lvl7pPr>
+            <a:lvl8pPr>
+              <a:defRPr sz="1800"/>
+            </a:lvl8pPr>
+            <a:lvl9pPr>
+              <a:defRPr sz="1800"/>
+            </a:lvl9pPr>
+          </a:lstStyle>
+          <a:p>
+            <a:pPr lvl="0"/>
+            <a:r>
+              <a:rPr lang="ja-JP" altLang="en-US" smtClean="0"/>
+              <a:t>マスタ テキストの書式設定</a:t>
+            </a:r>
+          </a:p>
+          <a:p>
+            <a:pPr lvl="1"/>
+            <a:r>
+              <a:rPr lang="ja-JP" altLang="en-US" smtClean="0"/>
+              <a:t>第 </a:t>
+            </a:r>
+            <a:r>
+              <a:rPr lang="en-US" altLang="ja-JP" smtClean="0"/>
+              <a:t>2 </a:t>
+            </a:r>
+            <a:r>
+              <a:rPr lang="ja-JP" altLang="en-US" smtClean="0"/>
+              <a:t>レベル</a:t>
+            </a:r>
+          </a:p>
+          <a:p>
+            <a:pPr lvl="2"/>
+            <a:r>
+              <a:rPr lang="ja-JP" altLang="en-US" smtClean="0"/>
+              <a:t>第 </a:t>
+            </a:r>
+            <a:r>
+              <a:rPr lang="en-US" altLang="ja-JP" smtClean="0"/>
+              <a:t>3 </a:t>
+            </a:r>
+            <a:r>
+              <a:rPr lang="ja-JP" altLang="en-US" smtClean="0"/>
+              <a:t>レベル</a:t>
+            </a:r>
+          </a:p>
+          <a:p>
+            <a:pPr lvl="3"/>
+            <a:r>
+              <a:rPr lang="ja-JP" altLang="en-US" smtClean="0"/>
+              <a:t>第 </a:t>
+            </a:r>
+            <a:r>
+              <a:rPr lang="en-US" altLang="ja-JP" smtClean="0"/>
+              <a:t>4 </a:t>
+            </a:r>
+            <a:r>
+              <a:rPr lang="ja-JP" altLang="en-US" smtClean="0"/>
+              <a:t>レベル</a:t>
+            </a:r>
+          </a:p>
+          <a:p>
+            <a:pPr lvl="4"/>
+            <a:r>
+              <a:rPr lang="ja-JP" altLang="en-US" smtClean="0"/>
+              <a:t>第 </a:t>
+            </a:r>
+            <a:r>
+              <a:rPr lang="en-US" altLang="ja-JP" smtClean="0"/>
+              <a:t>5 </a:t>
+            </a:r>
+            <a:r>
+              <a:rPr lang="ja-JP" altLang="en-US" smtClean="0"/>
+              <a:t>レベル</a:t>
+            </a:r>
+            <a:endParaRPr lang="ja-JP" altLang="en-US"/>
+          </a:p>
+        </p:txBody>
+      </p:sp>
+      <p:sp>
+        <p:nvSpPr>
+          <p:cNvPr id="4" name="コンテンツ プレースホルダ 3"/>
+          <p:cNvSpPr>
+            <a:spLocks noGrp="1"/>
+          </p:cNvSpPr>
+          <p:nvPr>
+            <p:ph sz="half" idx="2"/>
+          </p:nvPr>
+        </p:nvSpPr>
+        <p:spPr>
+          <a:xfrm>
+            <a:off x="4540250" y="1628775"/>
+            <a:ext cx="3703638" cy="4497388"/>
+          </a:xfrm>
+        </p:spPr>
+        <p:txBody>
+          <a:bodyPr/>
+          <a:lstStyle>
+            <a:lvl1pPr>
+              <a:defRPr sz="2800"/>
+            </a:lvl1pPr>
+            <a:lvl2pPr>
+              <a:defRPr sz="2400"/>
+            </a:lvl2pPr>
+            <a:lvl3pPr>
+              <a:defRPr sz="2000"/>
+            </a:lvl3pPr>
+            <a:lvl4pPr>
+              <a:defRPr sz="1800"/>
+            </a:lvl4pPr>
+            <a:lvl5pPr>
+              <a:defRPr sz="1800"/>
+            </a:lvl5pPr>
+            <a:lvl6pPr>
+              <a:defRPr sz="1800"/>
+            </a:lvl6pPr>
+            <a:lvl7pPr>
+              <a:defRPr sz="1800"/>
+            </a:lvl7pPr>
+            <a:lvl8pPr>
+              <a:defRPr sz="1800"/>
+            </a:lvl8pPr>
+            <a:lvl9pPr>
+              <a:defRPr sz="1800"/>
+            </a:lvl9pPr>
+          </a:lstStyle>
+          <a:p>
+            <a:pPr lvl="0"/>
+            <a:r>
+              <a:rPr lang="ja-JP" altLang="en-US" smtClean="0"/>
+              <a:t>マスタ テキストの書式設定</a:t>
+            </a:r>
+          </a:p>
+          <a:p>
+            <a:pPr lvl="1"/>
+            <a:r>
+              <a:rPr lang="ja-JP" altLang="en-US" smtClean="0"/>
+              <a:t>第 </a:t>
+            </a:r>
+            <a:r>
+              <a:rPr lang="en-US" altLang="ja-JP" smtClean="0"/>
+              <a:t>2 </a:t>
+            </a:r>
+            <a:r>
+              <a:rPr lang="ja-JP" altLang="en-US" smtClean="0"/>
+              <a:t>レベル</a:t>
+            </a:r>
+          </a:p>
+          <a:p>
+            <a:pPr lvl="2"/>
+            <a:r>
+              <a:rPr lang="ja-JP" altLang="en-US" smtClean="0"/>
+              <a:t>第 </a:t>
+            </a:r>
+            <a:r>
+              <a:rPr lang="en-US" altLang="ja-JP" smtClean="0"/>
+              <a:t>3 </a:t>
+            </a:r>
+            <a:r>
+              <a:rPr lang="ja-JP" altLang="en-US" smtClean="0"/>
+              <a:t>レベル</a:t>
+            </a:r>
+          </a:p>
+          <a:p>
+            <a:pPr lvl="3"/>
+            <a:r>
+              <a:rPr lang="ja-JP" altLang="en-US" smtClean="0"/>
+              <a:t>第 </a:t>
+            </a:r>
+            <a:r>
+              <a:rPr lang="en-US" altLang="ja-JP" smtClean="0"/>
+              <a:t>4 </a:t>
+            </a:r>
+            <a:r>
+              <a:rPr lang="ja-JP" altLang="en-US" smtClean="0"/>
+              <a:t>レベル</a:t>
+            </a:r>
+          </a:p>
+          <a:p>
+            <a:pPr lvl="4"/>
+            <a:r>
+              <a:rPr lang="ja-JP" altLang="en-US" smtClean="0"/>
+              <a:t>第 </a:t>
+            </a:r>
+            <a:r>
+              <a:rPr lang="en-US" altLang="ja-JP" smtClean="0"/>
+              <a:t>5 </a:t>
+            </a:r>
+            <a:r>
+              <a:rPr lang="ja-JP" altLang="en-US" smtClean="0"/>
+              <a:t>レベル</a:t>
+            </a:r>
+            <a:endParaRPr lang="ja-JP" altLang="en-US"/>
+          </a:p>
+        </p:txBody>
+      </p:sp>
+      <p:sp>
+        <p:nvSpPr>
+          <p:cNvPr id="5" name="日付プレースホルダ 4"/>
+          <p:cNvSpPr>
+            <a:spLocks noGrp="1"/>
+          </p:cNvSpPr>
+          <p:nvPr>
+            <p:ph type="dt" sz="half" idx="10"/>
+          </p:nvPr>
+        </p:nvSpPr>
+        <p:spPr/>
+        <p:txBody>
+          <a:bodyPr/>
+          <a:lstStyle>
+            <a:lvl1pPr>
+              <a:defRPr/>
+            </a:lvl1pPr>
+          </a:lstStyle>
+          <a:p>
+            <a:endParaRPr lang="en-US" altLang="ja-JP"/>
+          </a:p>
+        </p:txBody>
+      </p:sp>
+      <p:sp>
+        <p:nvSpPr>
+          <p:cNvPr id="6" name="フッター プレースホルダ 5"/>
+          <p:cNvSpPr>
+            <a:spLocks noGrp="1"/>
+          </p:cNvSpPr>
+          <p:nvPr>
+            <p:ph type="ftr" sz="quarter" idx="11"/>
+          </p:nvPr>
+        </p:nvSpPr>
+        <p:spPr/>
+        <p:txBody>
+          <a:bodyPr/>
+          <a:lstStyle>
+            <a:lvl1pPr>
+              <a:defRPr/>
+            </a:lvl1pPr>
+          </a:lstStyle>
+          <a:p>
+            <a:endParaRPr lang="en-US" altLang="ja-JP"/>
+          </a:p>
+        </p:txBody>
+      </p:sp>
+      <p:sp>
+        <p:nvSpPr>
+          <p:cNvPr id="7" name="スライド番号プレースホルダ 6"/>
+          <p:cNvSpPr>
+            <a:spLocks noGrp="1"/>
+          </p:cNvSpPr>
+          <p:nvPr>
+            <p:ph type="sldNum" sz="quarter" idx="12"/>
+          </p:nvPr>
+        </p:nvSpPr>
+        <p:spPr/>
+        <p:txBody>
+          <a:bodyPr/>
+          <a:lstStyle>
+            <a:lvl1pPr>
+              <a:defRPr/>
+            </a:lvl1pPr>
+          </a:lstStyle>
+          <a:p>
+            <a:fld id="{86073C8E-F1EF-4848-84A5-BFCC3F3260E7}" type="slidenum">
+              <a:rPr lang="en-US" altLang="ja-JP"/>
+              <a:pPr/>
+              <a:t>&lt;#&gt;</a:t>
+            </a:fld>
+            <a:endParaRPr lang="en-US" altLang="ja-JP"/>
+          </a:p>
+        </p:txBody>
+      </p:sp>
+    </p:spTree>
+  </p:cSld>
+  <p:clrMapOvr>
+    <a:masterClrMapping/>
+  </p:clrMapOvr>
+</p:sldLayout>
+</file>
+
+<file path=ppt/slideLayouts/slideLayout19.xml><?xml version="1.0" encoding="utf-8"?>
+<p:sldLayout xmlns:a="http://schemas.openxmlformats.org/drawingml/2006/main" xmlns:r="http://schemas.openxmlformats.org/officeDocument/2006/relationships" xmlns:p="http://schemas.openxmlformats.org/presentationml/2006/main" type="twoTxTwoObj" preserve="1">
+  <p:cSld name="比較">
+    <p:spTree>
+      <p:nvGrpSpPr>
+        <p:cNvPr id="1" name=""/>
+        <p:cNvGrpSpPr/>
+        <p:nvPr/>
+      </p:nvGrpSpPr>
+      <p:grpSpPr>
+        <a:xfrm>
+          <a:off x="0" y="0"/>
+          <a:ext cx="0" cy="0"/>
+          <a:chOff x="0" y="0"/>
+          <a:chExt cx="0" cy="0"/>
+        </a:xfrm>
+      </p:grpSpPr>
+      <p:sp>
+        <p:nvSpPr>
+          <p:cNvPr id="2" name="タイトル 1"/>
+          <p:cNvSpPr>
+            <a:spLocks noGrp="1"/>
+          </p:cNvSpPr>
+          <p:nvPr>
+            <p:ph type="title"/>
+          </p:nvPr>
+        </p:nvSpPr>
+        <p:spPr>
+          <a:xfrm>
+            <a:off x="457200" y="274638"/>
+            <a:ext cx="8229600" cy="1143000"/>
+          </a:xfrm>
+        </p:spPr>
+        <p:txBody>
+          <a:bodyPr/>
+          <a:lstStyle>
+            <a:lvl1pPr>
+              <a:defRPr/>
+            </a:lvl1pPr>
+          </a:lstStyle>
+          <a:p>
+            <a:r>
+              <a:rPr lang="ja-JP" altLang="en-US" smtClean="0"/>
+              <a:t>マスタ タイトルの書式設定</a:t>
+            </a:r>
+            <a:endParaRPr lang="ja-JP" altLang="en-US"/>
+          </a:p>
+        </p:txBody>
+      </p:sp>
+      <p:sp>
+        <p:nvSpPr>
+          <p:cNvPr id="3" name="テキスト プレースホルダ 2"/>
+          <p:cNvSpPr>
+            <a:spLocks noGrp="1"/>
+          </p:cNvSpPr>
+          <p:nvPr>
+            <p:ph type="body" idx="1"/>
+          </p:nvPr>
+        </p:nvSpPr>
+        <p:spPr>
+          <a:xfrm>
+            <a:off x="457200" y="1535113"/>
+            <a:ext cx="4040188" cy="639762"/>
+          </a:xfrm>
+        </p:spPr>
+        <p:txBody>
+          <a:bodyPr anchor="b"/>
+          <a:lstStyle>
+            <a:lvl1pPr marL="0" indent="0">
+              <a:buNone/>
+              <a:defRPr sz="2400" b="1"/>
+            </a:lvl1pPr>
+            <a:lvl2pPr marL="457200" indent="0">
+              <a:buNone/>
+              <a:defRPr sz="2000" b="1"/>
+            </a:lvl2pPr>
+            <a:lvl3pPr marL="914400" indent="0">
+              <a:buNone/>
+              <a:defRPr sz="1800" b="1"/>
+            </a:lvl3pPr>
+            <a:lvl4pPr marL="1371600" indent="0">
+              <a:buNone/>
+              <a:defRPr sz="1600" b="1"/>
+            </a:lvl4pPr>
+            <a:lvl5pPr marL="1828800" indent="0">
+              <a:buNone/>
+              <a:defRPr sz="1600" b="1"/>
+            </a:lvl5pPr>
+            <a:lvl6pPr marL="2286000" indent="0">
+              <a:buNone/>
+              <a:defRPr sz="1600" b="1"/>
+            </a:lvl6pPr>
+            <a:lvl7pPr marL="2743200" indent="0">
+              <a:buNone/>
+              <a:defRPr sz="1600" b="1"/>
+            </a:lvl7pPr>
+            <a:lvl8pPr marL="3200400" indent="0">
+              <a:buNone/>
+              <a:defRPr sz="1600" b="1"/>
+            </a:lvl8pPr>
+            <a:lvl9pPr marL="3657600" indent="0">
+              <a:buNone/>
+              <a:defRPr sz="1600" b="1"/>
+            </a:lvl9pPr>
+          </a:lstStyle>
+          <a:p>
+            <a:pPr lvl="0"/>
+            <a:r>
+              <a:rPr lang="ja-JP" altLang="en-US" smtClean="0"/>
+              <a:t>マスタ テキストの書式設定</a:t>
+            </a:r>
+          </a:p>
+        </p:txBody>
+      </p:sp>
+      <p:sp>
+        <p:nvSpPr>
+          <p:cNvPr id="4" name="コンテンツ プレースホルダ 3"/>
+          <p:cNvSpPr>
+            <a:spLocks noGrp="1"/>
+          </p:cNvSpPr>
+          <p:nvPr>
+            <p:ph sz="half" idx="2"/>
+          </p:nvPr>
+        </p:nvSpPr>
+        <p:spPr>
+          <a:xfrm>
+            <a:off x="457200" y="2174875"/>
+            <a:ext cx="4040188" cy="3951288"/>
+          </a:xfrm>
+        </p:spPr>
+        <p:txBody>
+          <a:bodyPr/>
+          <a:lstStyle>
+            <a:lvl1pPr>
+              <a:defRPr sz="2400"/>
+            </a:lvl1pPr>
+            <a:lvl2pPr>
+              <a:defRPr sz="2000"/>
+            </a:lvl2pPr>
+            <a:lvl3pPr>
+              <a:defRPr sz="1800"/>
+            </a:lvl3pPr>
+            <a:lvl4pPr>
+              <a:defRPr sz="1600"/>
+            </a:lvl4pPr>
+            <a:lvl5pPr>
+              <a:defRPr sz="1600"/>
+            </a:lvl5pPr>
+            <a:lvl6pPr>
+              <a:defRPr sz="1600"/>
+            </a:lvl6pPr>
+            <a:lvl7pPr>
+              <a:defRPr sz="1600"/>
+            </a:lvl7pPr>
+            <a:lvl8pPr>
+              <a:defRPr sz="1600"/>
+            </a:lvl8pPr>
+            <a:lvl9pPr>
+              <a:defRPr sz="1600"/>
+            </a:lvl9pPr>
+          </a:lstStyle>
+          <a:p>
+            <a:pPr lvl="0"/>
+            <a:r>
+              <a:rPr lang="ja-JP" altLang="en-US" smtClean="0"/>
+              <a:t>マスタ テキストの書式設定</a:t>
+            </a:r>
+          </a:p>
+          <a:p>
+            <a:pPr lvl="1"/>
+            <a:r>
+              <a:rPr lang="ja-JP" altLang="en-US" smtClean="0"/>
+              <a:t>第 </a:t>
+            </a:r>
+            <a:r>
+              <a:rPr lang="en-US" altLang="ja-JP" smtClean="0"/>
+              <a:t>2 </a:t>
+            </a:r>
+            <a:r>
+              <a:rPr lang="ja-JP" altLang="en-US" smtClean="0"/>
+              <a:t>レベル</a:t>
+            </a:r>
+          </a:p>
+          <a:p>
+            <a:pPr lvl="2"/>
+            <a:r>
+              <a:rPr lang="ja-JP" altLang="en-US" smtClean="0"/>
+              <a:t>第 </a:t>
+            </a:r>
+            <a:r>
+              <a:rPr lang="en-US" altLang="ja-JP" smtClean="0"/>
+              <a:t>3 </a:t>
+            </a:r>
+            <a:r>
+              <a:rPr lang="ja-JP" altLang="en-US" smtClean="0"/>
+              <a:t>レベル</a:t>
+            </a:r>
+          </a:p>
+          <a:p>
+            <a:pPr lvl="3"/>
+            <a:r>
+              <a:rPr lang="ja-JP" altLang="en-US" smtClean="0"/>
+              <a:t>第 </a:t>
+            </a:r>
+            <a:r>
+              <a:rPr lang="en-US" altLang="ja-JP" smtClean="0"/>
+              <a:t>4 </a:t>
+            </a:r>
+            <a:r>
+              <a:rPr lang="ja-JP" altLang="en-US" smtClean="0"/>
+              <a:t>レベル</a:t>
+            </a:r>
+          </a:p>
+          <a:p>
+            <a:pPr lvl="4"/>
+            <a:r>
+              <a:rPr lang="ja-JP" altLang="en-US" smtClean="0"/>
+              <a:t>第 </a:t>
+            </a:r>
+            <a:r>
+              <a:rPr lang="en-US" altLang="ja-JP" smtClean="0"/>
+              <a:t>5 </a:t>
+            </a:r>
+            <a:r>
+              <a:rPr lang="ja-JP" altLang="en-US" smtClean="0"/>
+              <a:t>レベル</a:t>
+            </a:r>
+            <a:endParaRPr lang="ja-JP" altLang="en-US"/>
+          </a:p>
+        </p:txBody>
+      </p:sp>
+      <p:sp>
+        <p:nvSpPr>
+          <p:cNvPr id="5" name="テキスト プレースホルダ 4"/>
+          <p:cNvSpPr>
+            <a:spLocks noGrp="1"/>
+          </p:cNvSpPr>
+          <p:nvPr>
+            <p:ph type="body" sz="quarter" idx="3"/>
+          </p:nvPr>
+        </p:nvSpPr>
+        <p:spPr>
+          <a:xfrm>
+            <a:off x="4645025" y="1535113"/>
+            <a:ext cx="4041775" cy="639762"/>
+          </a:xfrm>
+        </p:spPr>
+        <p:txBody>
+          <a:bodyPr anchor="b"/>
+          <a:lstStyle>
+            <a:lvl1pPr marL="0" indent="0">
+              <a:buNone/>
+              <a:defRPr sz="2400" b="1"/>
+            </a:lvl1pPr>
+            <a:lvl2pPr marL="457200" indent="0">
+              <a:buNone/>
+              <a:defRPr sz="2000" b="1"/>
+            </a:lvl2pPr>
+            <a:lvl3pPr marL="914400" indent="0">
+              <a:buNone/>
+              <a:defRPr sz="1800" b="1"/>
+            </a:lvl3pPr>
+            <a:lvl4pPr marL="1371600" indent="0">
+              <a:buNone/>
+              <a:defRPr sz="1600" b="1"/>
+            </a:lvl4pPr>
+            <a:lvl5pPr marL="1828800" indent="0">
+              <a:buNone/>
+              <a:defRPr sz="1600" b="1"/>
+            </a:lvl5pPr>
+            <a:lvl6pPr marL="2286000" indent="0">
+              <a:buNone/>
+              <a:defRPr sz="1600" b="1"/>
+            </a:lvl6pPr>
+            <a:lvl7pPr marL="2743200" indent="0">
+              <a:buNone/>
+              <a:defRPr sz="1600" b="1"/>
+            </a:lvl7pPr>
+            <a:lvl8pPr marL="3200400" indent="0">
+              <a:buNone/>
+              <a:defRPr sz="1600" b="1"/>
+            </a:lvl8pPr>
+            <a:lvl9pPr marL="3657600" indent="0">
+              <a:buNone/>
+              <a:defRPr sz="1600" b="1"/>
+            </a:lvl9pPr>
+          </a:lstStyle>
+          <a:p>
+            <a:pPr lvl="0"/>
+            <a:r>
+              <a:rPr lang="ja-JP" altLang="en-US" smtClean="0"/>
+              <a:t>マスタ テキストの書式設定</a:t>
+            </a:r>
+          </a:p>
+        </p:txBody>
+      </p:sp>
+      <p:sp>
+        <p:nvSpPr>
+          <p:cNvPr id="6" name="コンテンツ プレースホルダ 5"/>
+          <p:cNvSpPr>
+            <a:spLocks noGrp="1"/>
+          </p:cNvSpPr>
+          <p:nvPr>
+            <p:ph sz="quarter" idx="4"/>
+          </p:nvPr>
+        </p:nvSpPr>
+        <p:spPr>
+          <a:xfrm>
+            <a:off x="4645025" y="2174875"/>
+            <a:ext cx="4041775" cy="3951288"/>
+          </a:xfrm>
+        </p:spPr>
+        <p:txBody>
+          <a:bodyPr/>
+          <a:lstStyle>
+            <a:lvl1pPr>
+              <a:defRPr sz="2400"/>
+            </a:lvl1pPr>
+            <a:lvl2pPr>
+              <a:defRPr sz="2000"/>
+            </a:lvl2pPr>
+            <a:lvl3pPr>
+              <a:defRPr sz="1800"/>
+            </a:lvl3pPr>
+            <a:lvl4pPr>
+              <a:defRPr sz="1600"/>
+            </a:lvl4pPr>
+            <a:lvl5pPr>
+              <a:defRPr sz="1600"/>
+            </a:lvl5pPr>
+            <a:lvl6pPr>
+              <a:defRPr sz="1600"/>
+            </a:lvl6pPr>
+            <a:lvl7pPr>
+              <a:defRPr sz="1600"/>
+            </a:lvl7pPr>
+            <a:lvl8pPr>
+              <a:defRPr sz="1600"/>
+            </a:lvl8pPr>
+            <a:lvl9pPr>
+              <a:defRPr sz="1600"/>
+            </a:lvl9pPr>
+          </a:lstStyle>
+          <a:p>
+            <a:pPr lvl="0"/>
+            <a:r>
+              <a:rPr lang="ja-JP" altLang="en-US" smtClean="0"/>
+              <a:t>マスタ テキストの書式設定</a:t>
+            </a:r>
+          </a:p>
+          <a:p>
+            <a:pPr lvl="1"/>
+            <a:r>
+              <a:rPr lang="ja-JP" altLang="en-US" smtClean="0"/>
+              <a:t>第 </a:t>
+            </a:r>
+            <a:r>
+              <a:rPr lang="en-US" altLang="ja-JP" smtClean="0"/>
+              <a:t>2 </a:t>
+            </a:r>
+            <a:r>
+              <a:rPr lang="ja-JP" altLang="en-US" smtClean="0"/>
+              <a:t>レベル</a:t>
+            </a:r>
+          </a:p>
+          <a:p>
+            <a:pPr lvl="2"/>
+            <a:r>
+              <a:rPr lang="ja-JP" altLang="en-US" smtClean="0"/>
+              <a:t>第 </a:t>
+            </a:r>
+            <a:r>
+              <a:rPr lang="en-US" altLang="ja-JP" smtClean="0"/>
+              <a:t>3 </a:t>
+            </a:r>
+            <a:r>
+              <a:rPr lang="ja-JP" altLang="en-US" smtClean="0"/>
+              <a:t>レベル</a:t>
+            </a:r>
+          </a:p>
+          <a:p>
+            <a:pPr lvl="3"/>
+            <a:r>
+              <a:rPr lang="ja-JP" altLang="en-US" smtClean="0"/>
+              <a:t>第 </a:t>
+            </a:r>
+            <a:r>
+              <a:rPr lang="en-US" altLang="ja-JP" smtClean="0"/>
+              <a:t>4 </a:t>
+            </a:r>
+            <a:r>
+              <a:rPr lang="ja-JP" altLang="en-US" smtClean="0"/>
+              <a:t>レベル</a:t>
+            </a:r>
+          </a:p>
+          <a:p>
+            <a:pPr lvl="4"/>
+            <a:r>
+              <a:rPr lang="ja-JP" altLang="en-US" smtClean="0"/>
+              <a:t>第 </a:t>
+            </a:r>
+            <a:r>
+              <a:rPr lang="en-US" altLang="ja-JP" smtClean="0"/>
+              <a:t>5 </a:t>
+            </a:r>
+            <a:r>
+              <a:rPr lang="ja-JP" altLang="en-US" smtClean="0"/>
+              <a:t>レベル</a:t>
+            </a:r>
+            <a:endParaRPr lang="ja-JP" altLang="en-US"/>
+          </a:p>
+        </p:txBody>
+      </p:sp>
+      <p:sp>
+        <p:nvSpPr>
+          <p:cNvPr id="7" name="日付プレースホルダ 6"/>
+          <p:cNvSpPr>
+            <a:spLocks noGrp="1"/>
+          </p:cNvSpPr>
+          <p:nvPr>
+            <p:ph type="dt" sz="half" idx="10"/>
+          </p:nvPr>
+        </p:nvSpPr>
+        <p:spPr/>
+        <p:txBody>
+          <a:bodyPr/>
+          <a:lstStyle>
+            <a:lvl1pPr>
+              <a:defRPr/>
+            </a:lvl1pPr>
+          </a:lstStyle>
+          <a:p>
+            <a:endParaRPr lang="en-US" altLang="ja-JP"/>
+          </a:p>
+        </p:txBody>
+      </p:sp>
+      <p:sp>
+        <p:nvSpPr>
+          <p:cNvPr id="8" name="フッター プレースホルダ 7"/>
+          <p:cNvSpPr>
+            <a:spLocks noGrp="1"/>
+          </p:cNvSpPr>
+          <p:nvPr>
+            <p:ph type="ftr" sz="quarter" idx="11"/>
+          </p:nvPr>
+        </p:nvSpPr>
+        <p:spPr/>
+        <p:txBody>
+          <a:bodyPr/>
+          <a:lstStyle>
+            <a:lvl1pPr>
+              <a:defRPr/>
+            </a:lvl1pPr>
+          </a:lstStyle>
+          <a:p>
+            <a:endParaRPr lang="en-US" altLang="ja-JP"/>
+          </a:p>
+        </p:txBody>
+      </p:sp>
+      <p:sp>
+        <p:nvSpPr>
+          <p:cNvPr id="9" name="スライド番号プレースホルダ 8"/>
+          <p:cNvSpPr>
+            <a:spLocks noGrp="1"/>
+          </p:cNvSpPr>
+          <p:nvPr>
+            <p:ph type="sldNum" sz="quarter" idx="12"/>
+          </p:nvPr>
+        </p:nvSpPr>
+        <p:spPr/>
+        <p:txBody>
+          <a:bodyPr/>
+          <a:lstStyle>
+            <a:lvl1pPr>
+              <a:defRPr/>
+            </a:lvl1pPr>
+          </a:lstStyle>
+          <a:p>
+            <a:fld id="{0BB160F8-6EF1-4FA7-9A26-C1A992110517}" type="slidenum">
+              <a:rPr lang="en-US" altLang="ja-JP"/>
+              <a:pPr/>
+              <a:t>&lt;#&gt;</a:t>
+            </a:fld>
+            <a:endParaRPr lang="en-US" altLang="ja-JP"/>
+          </a:p>
+        </p:txBody>
+      </p:sp>
+    </p:spTree>
+  </p:cSld>
+  <p:clrMapOvr>
+    <a:masterClrMapping/>
+  </p:clrMapOvr>
+</p:sldLayout>
+</file>
+
 <file path=ppt/slideLayouts/slideLayout2.xml><?xml version="1.0" encoding="utf-8"?>
 <p:sldLayout xmlns:a="http://schemas.openxmlformats.org/drawingml/2006/main" xmlns:r="http://schemas.openxmlformats.org/officeDocument/2006/relationships" xmlns:p="http://schemas.openxmlformats.org/presentationml/2006/main" type="obj" preserve="1">
   <p:cSld name="タイトルとコンテンツ">
@@ -2829,6 +5646,1223 @@
           </a:prstGeom>
         </p:spPr>
       </p:pic>
+    </p:spTree>
+  </p:cSld>
+  <p:clrMapOvr>
+    <a:masterClrMapping/>
+  </p:clrMapOvr>
+</p:sldLayout>
+</file>
+
+<file path=ppt/slideLayouts/slideLayout20.xml><?xml version="1.0" encoding="utf-8"?>
+<p:sldLayout xmlns:a="http://schemas.openxmlformats.org/drawingml/2006/main" xmlns:r="http://schemas.openxmlformats.org/officeDocument/2006/relationships" xmlns:p="http://schemas.openxmlformats.org/presentationml/2006/main" type="titleOnly" preserve="1">
+  <p:cSld name="タイトルのみ">
+    <p:spTree>
+      <p:nvGrpSpPr>
+        <p:cNvPr id="1" name=""/>
+        <p:cNvGrpSpPr/>
+        <p:nvPr/>
+      </p:nvGrpSpPr>
+      <p:grpSpPr>
+        <a:xfrm>
+          <a:off x="0" y="0"/>
+          <a:ext cx="0" cy="0"/>
+          <a:chOff x="0" y="0"/>
+          <a:chExt cx="0" cy="0"/>
+        </a:xfrm>
+      </p:grpSpPr>
+      <p:sp>
+        <p:nvSpPr>
+          <p:cNvPr id="2" name="タイトル 1"/>
+          <p:cNvSpPr>
+            <a:spLocks noGrp="1"/>
+          </p:cNvSpPr>
+          <p:nvPr>
+            <p:ph type="title"/>
+          </p:nvPr>
+        </p:nvSpPr>
+        <p:spPr/>
+        <p:txBody>
+          <a:bodyPr/>
+          <a:lstStyle/>
+          <a:p>
+            <a:r>
+              <a:rPr lang="ja-JP" altLang="en-US" smtClean="0"/>
+              <a:t>マスタ タイトルの書式設定</a:t>
+            </a:r>
+            <a:endParaRPr lang="ja-JP" altLang="en-US"/>
+          </a:p>
+        </p:txBody>
+      </p:sp>
+      <p:sp>
+        <p:nvSpPr>
+          <p:cNvPr id="3" name="日付プレースホルダ 2"/>
+          <p:cNvSpPr>
+            <a:spLocks noGrp="1"/>
+          </p:cNvSpPr>
+          <p:nvPr>
+            <p:ph type="dt" sz="half" idx="10"/>
+          </p:nvPr>
+        </p:nvSpPr>
+        <p:spPr/>
+        <p:txBody>
+          <a:bodyPr/>
+          <a:lstStyle>
+            <a:lvl1pPr>
+              <a:defRPr/>
+            </a:lvl1pPr>
+          </a:lstStyle>
+          <a:p>
+            <a:endParaRPr lang="en-US" altLang="ja-JP"/>
+          </a:p>
+        </p:txBody>
+      </p:sp>
+      <p:sp>
+        <p:nvSpPr>
+          <p:cNvPr id="4" name="フッター プレースホルダ 3"/>
+          <p:cNvSpPr>
+            <a:spLocks noGrp="1"/>
+          </p:cNvSpPr>
+          <p:nvPr>
+            <p:ph type="ftr" sz="quarter" idx="11"/>
+          </p:nvPr>
+        </p:nvSpPr>
+        <p:spPr/>
+        <p:txBody>
+          <a:bodyPr/>
+          <a:lstStyle>
+            <a:lvl1pPr>
+              <a:defRPr/>
+            </a:lvl1pPr>
+          </a:lstStyle>
+          <a:p>
+            <a:endParaRPr lang="en-US" altLang="ja-JP"/>
+          </a:p>
+        </p:txBody>
+      </p:sp>
+      <p:sp>
+        <p:nvSpPr>
+          <p:cNvPr id="5" name="スライド番号プレースホルダ 4"/>
+          <p:cNvSpPr>
+            <a:spLocks noGrp="1"/>
+          </p:cNvSpPr>
+          <p:nvPr>
+            <p:ph type="sldNum" sz="quarter" idx="12"/>
+          </p:nvPr>
+        </p:nvSpPr>
+        <p:spPr/>
+        <p:txBody>
+          <a:bodyPr/>
+          <a:lstStyle>
+            <a:lvl1pPr>
+              <a:defRPr/>
+            </a:lvl1pPr>
+          </a:lstStyle>
+          <a:p>
+            <a:fld id="{DDC12B19-FC77-4F4C-A366-F8656D7A7AA3}" type="slidenum">
+              <a:rPr lang="en-US" altLang="ja-JP"/>
+              <a:pPr/>
+              <a:t>&lt;#&gt;</a:t>
+            </a:fld>
+            <a:endParaRPr lang="en-US" altLang="ja-JP"/>
+          </a:p>
+        </p:txBody>
+      </p:sp>
+    </p:spTree>
+  </p:cSld>
+  <p:clrMapOvr>
+    <a:masterClrMapping/>
+  </p:clrMapOvr>
+</p:sldLayout>
+</file>
+
+<file path=ppt/slideLayouts/slideLayout21.xml><?xml version="1.0" encoding="utf-8"?>
+<p:sldLayout xmlns:a="http://schemas.openxmlformats.org/drawingml/2006/main" xmlns:r="http://schemas.openxmlformats.org/officeDocument/2006/relationships" xmlns:p="http://schemas.openxmlformats.org/presentationml/2006/main" type="blank" preserve="1">
+  <p:cSld name="白紙">
+    <p:spTree>
+      <p:nvGrpSpPr>
+        <p:cNvPr id="1" name=""/>
+        <p:cNvGrpSpPr/>
+        <p:nvPr/>
+      </p:nvGrpSpPr>
+      <p:grpSpPr>
+        <a:xfrm>
+          <a:off x="0" y="0"/>
+          <a:ext cx="0" cy="0"/>
+          <a:chOff x="0" y="0"/>
+          <a:chExt cx="0" cy="0"/>
+        </a:xfrm>
+      </p:grpSpPr>
+      <p:sp>
+        <p:nvSpPr>
+          <p:cNvPr id="2" name="日付プレースホルダ 1"/>
+          <p:cNvSpPr>
+            <a:spLocks noGrp="1"/>
+          </p:cNvSpPr>
+          <p:nvPr>
+            <p:ph type="dt" sz="half" idx="10"/>
+          </p:nvPr>
+        </p:nvSpPr>
+        <p:spPr/>
+        <p:txBody>
+          <a:bodyPr/>
+          <a:lstStyle>
+            <a:lvl1pPr>
+              <a:defRPr/>
+            </a:lvl1pPr>
+          </a:lstStyle>
+          <a:p>
+            <a:endParaRPr lang="en-US" altLang="ja-JP"/>
+          </a:p>
+        </p:txBody>
+      </p:sp>
+      <p:sp>
+        <p:nvSpPr>
+          <p:cNvPr id="3" name="フッター プレースホルダ 2"/>
+          <p:cNvSpPr>
+            <a:spLocks noGrp="1"/>
+          </p:cNvSpPr>
+          <p:nvPr>
+            <p:ph type="ftr" sz="quarter" idx="11"/>
+          </p:nvPr>
+        </p:nvSpPr>
+        <p:spPr/>
+        <p:txBody>
+          <a:bodyPr/>
+          <a:lstStyle>
+            <a:lvl1pPr>
+              <a:defRPr/>
+            </a:lvl1pPr>
+          </a:lstStyle>
+          <a:p>
+            <a:endParaRPr lang="en-US" altLang="ja-JP"/>
+          </a:p>
+        </p:txBody>
+      </p:sp>
+      <p:sp>
+        <p:nvSpPr>
+          <p:cNvPr id="4" name="スライド番号プレースホルダ 3"/>
+          <p:cNvSpPr>
+            <a:spLocks noGrp="1"/>
+          </p:cNvSpPr>
+          <p:nvPr>
+            <p:ph type="sldNum" sz="quarter" idx="12"/>
+          </p:nvPr>
+        </p:nvSpPr>
+        <p:spPr/>
+        <p:txBody>
+          <a:bodyPr/>
+          <a:lstStyle>
+            <a:lvl1pPr>
+              <a:defRPr/>
+            </a:lvl1pPr>
+          </a:lstStyle>
+          <a:p>
+            <a:fld id="{D339A25F-1124-4D98-A000-06FD24283996}" type="slidenum">
+              <a:rPr lang="en-US" altLang="ja-JP"/>
+              <a:pPr/>
+              <a:t>&lt;#&gt;</a:t>
+            </a:fld>
+            <a:endParaRPr lang="en-US" altLang="ja-JP"/>
+          </a:p>
+        </p:txBody>
+      </p:sp>
+    </p:spTree>
+  </p:cSld>
+  <p:clrMapOvr>
+    <a:masterClrMapping/>
+  </p:clrMapOvr>
+</p:sldLayout>
+</file>
+
+<file path=ppt/slideLayouts/slideLayout22.xml><?xml version="1.0" encoding="utf-8"?>
+<p:sldLayout xmlns:a="http://schemas.openxmlformats.org/drawingml/2006/main" xmlns:r="http://schemas.openxmlformats.org/officeDocument/2006/relationships" xmlns:p="http://schemas.openxmlformats.org/presentationml/2006/main" type="objTx" preserve="1">
+  <p:cSld name="タイトル付きのコンテンツ">
+    <p:spTree>
+      <p:nvGrpSpPr>
+        <p:cNvPr id="1" name=""/>
+        <p:cNvGrpSpPr/>
+        <p:nvPr/>
+      </p:nvGrpSpPr>
+      <p:grpSpPr>
+        <a:xfrm>
+          <a:off x="0" y="0"/>
+          <a:ext cx="0" cy="0"/>
+          <a:chOff x="0" y="0"/>
+          <a:chExt cx="0" cy="0"/>
+        </a:xfrm>
+      </p:grpSpPr>
+      <p:sp>
+        <p:nvSpPr>
+          <p:cNvPr id="2" name="タイトル 1"/>
+          <p:cNvSpPr>
+            <a:spLocks noGrp="1"/>
+          </p:cNvSpPr>
+          <p:nvPr>
+            <p:ph type="title"/>
+          </p:nvPr>
+        </p:nvSpPr>
+        <p:spPr>
+          <a:xfrm>
+            <a:off x="457200" y="273050"/>
+            <a:ext cx="3008313" cy="1162050"/>
+          </a:xfrm>
+        </p:spPr>
+        <p:txBody>
+          <a:bodyPr anchor="b"/>
+          <a:lstStyle>
+            <a:lvl1pPr algn="l">
+              <a:defRPr sz="2000" b="1"/>
+            </a:lvl1pPr>
+          </a:lstStyle>
+          <a:p>
+            <a:r>
+              <a:rPr lang="ja-JP" altLang="en-US" smtClean="0"/>
+              <a:t>マスタ タイトルの書式設定</a:t>
+            </a:r>
+            <a:endParaRPr lang="ja-JP" altLang="en-US"/>
+          </a:p>
+        </p:txBody>
+      </p:sp>
+      <p:sp>
+        <p:nvSpPr>
+          <p:cNvPr id="3" name="コンテンツ プレースホルダ 2"/>
+          <p:cNvSpPr>
+            <a:spLocks noGrp="1"/>
+          </p:cNvSpPr>
+          <p:nvPr>
+            <p:ph idx="1"/>
+          </p:nvPr>
+        </p:nvSpPr>
+        <p:spPr>
+          <a:xfrm>
+            <a:off x="3575050" y="273050"/>
+            <a:ext cx="5111750" cy="5853113"/>
+          </a:xfrm>
+        </p:spPr>
+        <p:txBody>
+          <a:bodyPr/>
+          <a:lstStyle>
+            <a:lvl1pPr>
+              <a:defRPr sz="3200"/>
+            </a:lvl1pPr>
+            <a:lvl2pPr>
+              <a:defRPr sz="2800"/>
+            </a:lvl2pPr>
+            <a:lvl3pPr>
+              <a:defRPr sz="2400"/>
+            </a:lvl3pPr>
+            <a:lvl4pPr>
+              <a:defRPr sz="2000"/>
+            </a:lvl4pPr>
+            <a:lvl5pPr>
+              <a:defRPr sz="2000"/>
+            </a:lvl5pPr>
+            <a:lvl6pPr>
+              <a:defRPr sz="2000"/>
+            </a:lvl6pPr>
+            <a:lvl7pPr>
+              <a:defRPr sz="2000"/>
+            </a:lvl7pPr>
+            <a:lvl8pPr>
+              <a:defRPr sz="2000"/>
+            </a:lvl8pPr>
+            <a:lvl9pPr>
+              <a:defRPr sz="2000"/>
+            </a:lvl9pPr>
+          </a:lstStyle>
+          <a:p>
+            <a:pPr lvl="0"/>
+            <a:r>
+              <a:rPr lang="ja-JP" altLang="en-US" smtClean="0"/>
+              <a:t>マスタ テキストの書式設定</a:t>
+            </a:r>
+          </a:p>
+          <a:p>
+            <a:pPr lvl="1"/>
+            <a:r>
+              <a:rPr lang="ja-JP" altLang="en-US" smtClean="0"/>
+              <a:t>第 </a:t>
+            </a:r>
+            <a:r>
+              <a:rPr lang="en-US" altLang="ja-JP" smtClean="0"/>
+              <a:t>2 </a:t>
+            </a:r>
+            <a:r>
+              <a:rPr lang="ja-JP" altLang="en-US" smtClean="0"/>
+              <a:t>レベル</a:t>
+            </a:r>
+          </a:p>
+          <a:p>
+            <a:pPr lvl="2"/>
+            <a:r>
+              <a:rPr lang="ja-JP" altLang="en-US" smtClean="0"/>
+              <a:t>第 </a:t>
+            </a:r>
+            <a:r>
+              <a:rPr lang="en-US" altLang="ja-JP" smtClean="0"/>
+              <a:t>3 </a:t>
+            </a:r>
+            <a:r>
+              <a:rPr lang="ja-JP" altLang="en-US" smtClean="0"/>
+              <a:t>レベル</a:t>
+            </a:r>
+          </a:p>
+          <a:p>
+            <a:pPr lvl="3"/>
+            <a:r>
+              <a:rPr lang="ja-JP" altLang="en-US" smtClean="0"/>
+              <a:t>第 </a:t>
+            </a:r>
+            <a:r>
+              <a:rPr lang="en-US" altLang="ja-JP" smtClean="0"/>
+              <a:t>4 </a:t>
+            </a:r>
+            <a:r>
+              <a:rPr lang="ja-JP" altLang="en-US" smtClean="0"/>
+              <a:t>レベル</a:t>
+            </a:r>
+          </a:p>
+          <a:p>
+            <a:pPr lvl="4"/>
+            <a:r>
+              <a:rPr lang="ja-JP" altLang="en-US" smtClean="0"/>
+              <a:t>第 </a:t>
+            </a:r>
+            <a:r>
+              <a:rPr lang="en-US" altLang="ja-JP" smtClean="0"/>
+              <a:t>5 </a:t>
+            </a:r>
+            <a:r>
+              <a:rPr lang="ja-JP" altLang="en-US" smtClean="0"/>
+              <a:t>レベル</a:t>
+            </a:r>
+            <a:endParaRPr lang="ja-JP" altLang="en-US"/>
+          </a:p>
+        </p:txBody>
+      </p:sp>
+      <p:sp>
+        <p:nvSpPr>
+          <p:cNvPr id="4" name="テキスト プレースホルダ 3"/>
+          <p:cNvSpPr>
+            <a:spLocks noGrp="1"/>
+          </p:cNvSpPr>
+          <p:nvPr>
+            <p:ph type="body" sz="half" idx="2"/>
+          </p:nvPr>
+        </p:nvSpPr>
+        <p:spPr>
+          <a:xfrm>
+            <a:off x="457200" y="1435100"/>
+            <a:ext cx="3008313" cy="4691063"/>
+          </a:xfrm>
+        </p:spPr>
+        <p:txBody>
+          <a:bodyPr/>
+          <a:lstStyle>
+            <a:lvl1pPr marL="0" indent="0">
+              <a:buNone/>
+              <a:defRPr sz="1400"/>
+            </a:lvl1pPr>
+            <a:lvl2pPr marL="457200" indent="0">
+              <a:buNone/>
+              <a:defRPr sz="1200"/>
+            </a:lvl2pPr>
+            <a:lvl3pPr marL="914400" indent="0">
+              <a:buNone/>
+              <a:defRPr sz="1000"/>
+            </a:lvl3pPr>
+            <a:lvl4pPr marL="1371600" indent="0">
+              <a:buNone/>
+              <a:defRPr sz="900"/>
+            </a:lvl4pPr>
+            <a:lvl5pPr marL="1828800" indent="0">
+              <a:buNone/>
+              <a:defRPr sz="900"/>
+            </a:lvl5pPr>
+            <a:lvl6pPr marL="2286000" indent="0">
+              <a:buNone/>
+              <a:defRPr sz="900"/>
+            </a:lvl6pPr>
+            <a:lvl7pPr marL="2743200" indent="0">
+              <a:buNone/>
+              <a:defRPr sz="900"/>
+            </a:lvl7pPr>
+            <a:lvl8pPr marL="3200400" indent="0">
+              <a:buNone/>
+              <a:defRPr sz="900"/>
+            </a:lvl8pPr>
+            <a:lvl9pPr marL="3657600" indent="0">
+              <a:buNone/>
+              <a:defRPr sz="900"/>
+            </a:lvl9pPr>
+          </a:lstStyle>
+          <a:p>
+            <a:pPr lvl="0"/>
+            <a:r>
+              <a:rPr lang="ja-JP" altLang="en-US" smtClean="0"/>
+              <a:t>マスタ テキストの書式設定</a:t>
+            </a:r>
+          </a:p>
+        </p:txBody>
+      </p:sp>
+      <p:sp>
+        <p:nvSpPr>
+          <p:cNvPr id="5" name="日付プレースホルダ 4"/>
+          <p:cNvSpPr>
+            <a:spLocks noGrp="1"/>
+          </p:cNvSpPr>
+          <p:nvPr>
+            <p:ph type="dt" sz="half" idx="10"/>
+          </p:nvPr>
+        </p:nvSpPr>
+        <p:spPr/>
+        <p:txBody>
+          <a:bodyPr/>
+          <a:lstStyle>
+            <a:lvl1pPr>
+              <a:defRPr/>
+            </a:lvl1pPr>
+          </a:lstStyle>
+          <a:p>
+            <a:endParaRPr lang="en-US" altLang="ja-JP"/>
+          </a:p>
+        </p:txBody>
+      </p:sp>
+      <p:sp>
+        <p:nvSpPr>
+          <p:cNvPr id="6" name="フッター プレースホルダ 5"/>
+          <p:cNvSpPr>
+            <a:spLocks noGrp="1"/>
+          </p:cNvSpPr>
+          <p:nvPr>
+            <p:ph type="ftr" sz="quarter" idx="11"/>
+          </p:nvPr>
+        </p:nvSpPr>
+        <p:spPr/>
+        <p:txBody>
+          <a:bodyPr/>
+          <a:lstStyle>
+            <a:lvl1pPr>
+              <a:defRPr/>
+            </a:lvl1pPr>
+          </a:lstStyle>
+          <a:p>
+            <a:endParaRPr lang="en-US" altLang="ja-JP"/>
+          </a:p>
+        </p:txBody>
+      </p:sp>
+      <p:sp>
+        <p:nvSpPr>
+          <p:cNvPr id="7" name="スライド番号プレースホルダ 6"/>
+          <p:cNvSpPr>
+            <a:spLocks noGrp="1"/>
+          </p:cNvSpPr>
+          <p:nvPr>
+            <p:ph type="sldNum" sz="quarter" idx="12"/>
+          </p:nvPr>
+        </p:nvSpPr>
+        <p:spPr/>
+        <p:txBody>
+          <a:bodyPr/>
+          <a:lstStyle>
+            <a:lvl1pPr>
+              <a:defRPr/>
+            </a:lvl1pPr>
+          </a:lstStyle>
+          <a:p>
+            <a:fld id="{DD182B29-7E05-4B24-BB20-241C4B3417C3}" type="slidenum">
+              <a:rPr lang="en-US" altLang="ja-JP"/>
+              <a:pPr/>
+              <a:t>&lt;#&gt;</a:t>
+            </a:fld>
+            <a:endParaRPr lang="en-US" altLang="ja-JP"/>
+          </a:p>
+        </p:txBody>
+      </p:sp>
+    </p:spTree>
+  </p:cSld>
+  <p:clrMapOvr>
+    <a:masterClrMapping/>
+  </p:clrMapOvr>
+</p:sldLayout>
+</file>
+
+<file path=ppt/slideLayouts/slideLayout23.xml><?xml version="1.0" encoding="utf-8"?>
+<p:sldLayout xmlns:a="http://schemas.openxmlformats.org/drawingml/2006/main" xmlns:r="http://schemas.openxmlformats.org/officeDocument/2006/relationships" xmlns:p="http://schemas.openxmlformats.org/presentationml/2006/main" type="picTx" preserve="1">
+  <p:cSld name="タイトル付きの図">
+    <p:spTree>
+      <p:nvGrpSpPr>
+        <p:cNvPr id="1" name=""/>
+        <p:cNvGrpSpPr/>
+        <p:nvPr/>
+      </p:nvGrpSpPr>
+      <p:grpSpPr>
+        <a:xfrm>
+          <a:off x="0" y="0"/>
+          <a:ext cx="0" cy="0"/>
+          <a:chOff x="0" y="0"/>
+          <a:chExt cx="0" cy="0"/>
+        </a:xfrm>
+      </p:grpSpPr>
+      <p:sp>
+        <p:nvSpPr>
+          <p:cNvPr id="2" name="タイトル 1"/>
+          <p:cNvSpPr>
+            <a:spLocks noGrp="1"/>
+          </p:cNvSpPr>
+          <p:nvPr>
+            <p:ph type="title"/>
+          </p:nvPr>
+        </p:nvSpPr>
+        <p:spPr>
+          <a:xfrm>
+            <a:off x="1792288" y="4800600"/>
+            <a:ext cx="5486400" cy="566738"/>
+          </a:xfrm>
+        </p:spPr>
+        <p:txBody>
+          <a:bodyPr anchor="b"/>
+          <a:lstStyle>
+            <a:lvl1pPr algn="l">
+              <a:defRPr sz="2000" b="1"/>
+            </a:lvl1pPr>
+          </a:lstStyle>
+          <a:p>
+            <a:r>
+              <a:rPr lang="ja-JP" altLang="en-US" smtClean="0"/>
+              <a:t>マスタ タイトルの書式設定</a:t>
+            </a:r>
+            <a:endParaRPr lang="ja-JP" altLang="en-US"/>
+          </a:p>
+        </p:txBody>
+      </p:sp>
+      <p:sp>
+        <p:nvSpPr>
+          <p:cNvPr id="3" name="図プレースホルダ 2"/>
+          <p:cNvSpPr>
+            <a:spLocks noGrp="1"/>
+          </p:cNvSpPr>
+          <p:nvPr>
+            <p:ph type="pic" idx="1"/>
+          </p:nvPr>
+        </p:nvSpPr>
+        <p:spPr>
+          <a:xfrm>
+            <a:off x="1792288" y="612775"/>
+            <a:ext cx="5486400" cy="4114800"/>
+          </a:xfrm>
+        </p:spPr>
+        <p:txBody>
+          <a:bodyPr/>
+          <a:lstStyle>
+            <a:lvl1pPr marL="0" indent="0">
+              <a:buNone/>
+              <a:defRPr sz="3200"/>
+            </a:lvl1pPr>
+            <a:lvl2pPr marL="457200" indent="0">
+              <a:buNone/>
+              <a:defRPr sz="2800"/>
+            </a:lvl2pPr>
+            <a:lvl3pPr marL="914400" indent="0">
+              <a:buNone/>
+              <a:defRPr sz="2400"/>
+            </a:lvl3pPr>
+            <a:lvl4pPr marL="1371600" indent="0">
+              <a:buNone/>
+              <a:defRPr sz="2000"/>
+            </a:lvl4pPr>
+            <a:lvl5pPr marL="1828800" indent="0">
+              <a:buNone/>
+              <a:defRPr sz="2000"/>
+            </a:lvl5pPr>
+            <a:lvl6pPr marL="2286000" indent="0">
+              <a:buNone/>
+              <a:defRPr sz="2000"/>
+            </a:lvl6pPr>
+            <a:lvl7pPr marL="2743200" indent="0">
+              <a:buNone/>
+              <a:defRPr sz="2000"/>
+            </a:lvl7pPr>
+            <a:lvl8pPr marL="3200400" indent="0">
+              <a:buNone/>
+              <a:defRPr sz="2000"/>
+            </a:lvl8pPr>
+            <a:lvl9pPr marL="3657600" indent="0">
+              <a:buNone/>
+              <a:defRPr sz="2000"/>
+            </a:lvl9pPr>
+          </a:lstStyle>
+          <a:p>
+            <a:r>
+              <a:rPr lang="ja-JP" altLang="en-US" smtClean="0"/>
+              <a:t>アイコンをクリックして図を追加</a:t>
+            </a:r>
+            <a:endParaRPr lang="ja-JP" altLang="en-US"/>
+          </a:p>
+        </p:txBody>
+      </p:sp>
+      <p:sp>
+        <p:nvSpPr>
+          <p:cNvPr id="4" name="テキスト プレースホルダ 3"/>
+          <p:cNvSpPr>
+            <a:spLocks noGrp="1"/>
+          </p:cNvSpPr>
+          <p:nvPr>
+            <p:ph type="body" sz="half" idx="2"/>
+          </p:nvPr>
+        </p:nvSpPr>
+        <p:spPr>
+          <a:xfrm>
+            <a:off x="1792288" y="5367338"/>
+            <a:ext cx="5486400" cy="804862"/>
+          </a:xfrm>
+        </p:spPr>
+        <p:txBody>
+          <a:bodyPr/>
+          <a:lstStyle>
+            <a:lvl1pPr marL="0" indent="0">
+              <a:buNone/>
+              <a:defRPr sz="1400"/>
+            </a:lvl1pPr>
+            <a:lvl2pPr marL="457200" indent="0">
+              <a:buNone/>
+              <a:defRPr sz="1200"/>
+            </a:lvl2pPr>
+            <a:lvl3pPr marL="914400" indent="0">
+              <a:buNone/>
+              <a:defRPr sz="1000"/>
+            </a:lvl3pPr>
+            <a:lvl4pPr marL="1371600" indent="0">
+              <a:buNone/>
+              <a:defRPr sz="900"/>
+            </a:lvl4pPr>
+            <a:lvl5pPr marL="1828800" indent="0">
+              <a:buNone/>
+              <a:defRPr sz="900"/>
+            </a:lvl5pPr>
+            <a:lvl6pPr marL="2286000" indent="0">
+              <a:buNone/>
+              <a:defRPr sz="900"/>
+            </a:lvl6pPr>
+            <a:lvl7pPr marL="2743200" indent="0">
+              <a:buNone/>
+              <a:defRPr sz="900"/>
+            </a:lvl7pPr>
+            <a:lvl8pPr marL="3200400" indent="0">
+              <a:buNone/>
+              <a:defRPr sz="900"/>
+            </a:lvl8pPr>
+            <a:lvl9pPr marL="3657600" indent="0">
+              <a:buNone/>
+              <a:defRPr sz="900"/>
+            </a:lvl9pPr>
+          </a:lstStyle>
+          <a:p>
+            <a:pPr lvl="0"/>
+            <a:r>
+              <a:rPr lang="ja-JP" altLang="en-US" smtClean="0"/>
+              <a:t>マスタ テキストの書式設定</a:t>
+            </a:r>
+          </a:p>
+        </p:txBody>
+      </p:sp>
+      <p:sp>
+        <p:nvSpPr>
+          <p:cNvPr id="5" name="日付プレースホルダ 4"/>
+          <p:cNvSpPr>
+            <a:spLocks noGrp="1"/>
+          </p:cNvSpPr>
+          <p:nvPr>
+            <p:ph type="dt" sz="half" idx="10"/>
+          </p:nvPr>
+        </p:nvSpPr>
+        <p:spPr/>
+        <p:txBody>
+          <a:bodyPr/>
+          <a:lstStyle>
+            <a:lvl1pPr>
+              <a:defRPr/>
+            </a:lvl1pPr>
+          </a:lstStyle>
+          <a:p>
+            <a:endParaRPr lang="en-US" altLang="ja-JP"/>
+          </a:p>
+        </p:txBody>
+      </p:sp>
+      <p:sp>
+        <p:nvSpPr>
+          <p:cNvPr id="6" name="フッター プレースホルダ 5"/>
+          <p:cNvSpPr>
+            <a:spLocks noGrp="1"/>
+          </p:cNvSpPr>
+          <p:nvPr>
+            <p:ph type="ftr" sz="quarter" idx="11"/>
+          </p:nvPr>
+        </p:nvSpPr>
+        <p:spPr/>
+        <p:txBody>
+          <a:bodyPr/>
+          <a:lstStyle>
+            <a:lvl1pPr>
+              <a:defRPr/>
+            </a:lvl1pPr>
+          </a:lstStyle>
+          <a:p>
+            <a:endParaRPr lang="en-US" altLang="ja-JP"/>
+          </a:p>
+        </p:txBody>
+      </p:sp>
+      <p:sp>
+        <p:nvSpPr>
+          <p:cNvPr id="7" name="スライド番号プレースホルダ 6"/>
+          <p:cNvSpPr>
+            <a:spLocks noGrp="1"/>
+          </p:cNvSpPr>
+          <p:nvPr>
+            <p:ph type="sldNum" sz="quarter" idx="12"/>
+          </p:nvPr>
+        </p:nvSpPr>
+        <p:spPr/>
+        <p:txBody>
+          <a:bodyPr/>
+          <a:lstStyle>
+            <a:lvl1pPr>
+              <a:defRPr/>
+            </a:lvl1pPr>
+          </a:lstStyle>
+          <a:p>
+            <a:fld id="{AFBE704C-1D7C-4056-8625-949E1DBE299E}" type="slidenum">
+              <a:rPr lang="en-US" altLang="ja-JP"/>
+              <a:pPr/>
+              <a:t>&lt;#&gt;</a:t>
+            </a:fld>
+            <a:endParaRPr lang="en-US" altLang="ja-JP"/>
+          </a:p>
+        </p:txBody>
+      </p:sp>
+    </p:spTree>
+  </p:cSld>
+  <p:clrMapOvr>
+    <a:masterClrMapping/>
+  </p:clrMapOvr>
+</p:sldLayout>
+</file>
+
+<file path=ppt/slideLayouts/slideLayout24.xml><?xml version="1.0" encoding="utf-8"?>
+<p:sldLayout xmlns:a="http://schemas.openxmlformats.org/drawingml/2006/main" xmlns:r="http://schemas.openxmlformats.org/officeDocument/2006/relationships" xmlns:p="http://schemas.openxmlformats.org/presentationml/2006/main" type="vertTx" preserve="1">
+  <p:cSld name="タイトルと縦書きテキスト">
+    <p:spTree>
+      <p:nvGrpSpPr>
+        <p:cNvPr id="1" name=""/>
+        <p:cNvGrpSpPr/>
+        <p:nvPr/>
+      </p:nvGrpSpPr>
+      <p:grpSpPr>
+        <a:xfrm>
+          <a:off x="0" y="0"/>
+          <a:ext cx="0" cy="0"/>
+          <a:chOff x="0" y="0"/>
+          <a:chExt cx="0" cy="0"/>
+        </a:xfrm>
+      </p:grpSpPr>
+      <p:sp>
+        <p:nvSpPr>
+          <p:cNvPr id="2" name="タイトル 1"/>
+          <p:cNvSpPr>
+            <a:spLocks noGrp="1"/>
+          </p:cNvSpPr>
+          <p:nvPr>
+            <p:ph type="title"/>
+          </p:nvPr>
+        </p:nvSpPr>
+        <p:spPr/>
+        <p:txBody>
+          <a:bodyPr/>
+          <a:lstStyle/>
+          <a:p>
+            <a:r>
+              <a:rPr lang="ja-JP" altLang="en-US" smtClean="0"/>
+              <a:t>マスタ タイトルの書式設定</a:t>
+            </a:r>
+            <a:endParaRPr lang="ja-JP" altLang="en-US"/>
+          </a:p>
+        </p:txBody>
+      </p:sp>
+      <p:sp>
+        <p:nvSpPr>
+          <p:cNvPr id="3" name="縦書きテキスト プレースホルダ 2"/>
+          <p:cNvSpPr>
+            <a:spLocks noGrp="1"/>
+          </p:cNvSpPr>
+          <p:nvPr>
+            <p:ph type="body" orient="vert" idx="1"/>
+          </p:nvPr>
+        </p:nvSpPr>
+        <p:spPr/>
+        <p:txBody>
+          <a:bodyPr vert="eaVert"/>
+          <a:lstStyle/>
+          <a:p>
+            <a:pPr lvl="0"/>
+            <a:r>
+              <a:rPr lang="ja-JP" altLang="en-US" smtClean="0"/>
+              <a:t>マスタ テキストの書式設定</a:t>
+            </a:r>
+          </a:p>
+          <a:p>
+            <a:pPr lvl="1"/>
+            <a:r>
+              <a:rPr lang="ja-JP" altLang="en-US" smtClean="0"/>
+              <a:t>第 </a:t>
+            </a:r>
+            <a:r>
+              <a:rPr lang="en-US" altLang="ja-JP" smtClean="0"/>
+              <a:t>2 </a:t>
+            </a:r>
+            <a:r>
+              <a:rPr lang="ja-JP" altLang="en-US" smtClean="0"/>
+              <a:t>レベル</a:t>
+            </a:r>
+          </a:p>
+          <a:p>
+            <a:pPr lvl="2"/>
+            <a:r>
+              <a:rPr lang="ja-JP" altLang="en-US" smtClean="0"/>
+              <a:t>第 </a:t>
+            </a:r>
+            <a:r>
+              <a:rPr lang="en-US" altLang="ja-JP" smtClean="0"/>
+              <a:t>3 </a:t>
+            </a:r>
+            <a:r>
+              <a:rPr lang="ja-JP" altLang="en-US" smtClean="0"/>
+              <a:t>レベル</a:t>
+            </a:r>
+          </a:p>
+          <a:p>
+            <a:pPr lvl="3"/>
+            <a:r>
+              <a:rPr lang="ja-JP" altLang="en-US" smtClean="0"/>
+              <a:t>第 </a:t>
+            </a:r>
+            <a:r>
+              <a:rPr lang="en-US" altLang="ja-JP" smtClean="0"/>
+              <a:t>4 </a:t>
+            </a:r>
+            <a:r>
+              <a:rPr lang="ja-JP" altLang="en-US" smtClean="0"/>
+              <a:t>レベル</a:t>
+            </a:r>
+          </a:p>
+          <a:p>
+            <a:pPr lvl="4"/>
+            <a:r>
+              <a:rPr lang="ja-JP" altLang="en-US" smtClean="0"/>
+              <a:t>第 </a:t>
+            </a:r>
+            <a:r>
+              <a:rPr lang="en-US" altLang="ja-JP" smtClean="0"/>
+              <a:t>5 </a:t>
+            </a:r>
+            <a:r>
+              <a:rPr lang="ja-JP" altLang="en-US" smtClean="0"/>
+              <a:t>レベル</a:t>
+            </a:r>
+            <a:endParaRPr lang="ja-JP" altLang="en-US"/>
+          </a:p>
+        </p:txBody>
+      </p:sp>
+      <p:sp>
+        <p:nvSpPr>
+          <p:cNvPr id="4" name="日付プレースホルダ 3"/>
+          <p:cNvSpPr>
+            <a:spLocks noGrp="1"/>
+          </p:cNvSpPr>
+          <p:nvPr>
+            <p:ph type="dt" sz="half" idx="10"/>
+          </p:nvPr>
+        </p:nvSpPr>
+        <p:spPr/>
+        <p:txBody>
+          <a:bodyPr/>
+          <a:lstStyle>
+            <a:lvl1pPr>
+              <a:defRPr/>
+            </a:lvl1pPr>
+          </a:lstStyle>
+          <a:p>
+            <a:endParaRPr lang="en-US" altLang="ja-JP"/>
+          </a:p>
+        </p:txBody>
+      </p:sp>
+      <p:sp>
+        <p:nvSpPr>
+          <p:cNvPr id="5" name="フッター プレースホルダ 4"/>
+          <p:cNvSpPr>
+            <a:spLocks noGrp="1"/>
+          </p:cNvSpPr>
+          <p:nvPr>
+            <p:ph type="ftr" sz="quarter" idx="11"/>
+          </p:nvPr>
+        </p:nvSpPr>
+        <p:spPr/>
+        <p:txBody>
+          <a:bodyPr/>
+          <a:lstStyle>
+            <a:lvl1pPr>
+              <a:defRPr/>
+            </a:lvl1pPr>
+          </a:lstStyle>
+          <a:p>
+            <a:endParaRPr lang="en-US" altLang="ja-JP"/>
+          </a:p>
+        </p:txBody>
+      </p:sp>
+      <p:sp>
+        <p:nvSpPr>
+          <p:cNvPr id="6" name="スライド番号プレースホルダ 5"/>
+          <p:cNvSpPr>
+            <a:spLocks noGrp="1"/>
+          </p:cNvSpPr>
+          <p:nvPr>
+            <p:ph type="sldNum" sz="quarter" idx="12"/>
+          </p:nvPr>
+        </p:nvSpPr>
+        <p:spPr/>
+        <p:txBody>
+          <a:bodyPr/>
+          <a:lstStyle>
+            <a:lvl1pPr>
+              <a:defRPr/>
+            </a:lvl1pPr>
+          </a:lstStyle>
+          <a:p>
+            <a:fld id="{C1FD79E5-2BE4-4557-A79A-D05DFED65079}" type="slidenum">
+              <a:rPr lang="en-US" altLang="ja-JP"/>
+              <a:pPr/>
+              <a:t>&lt;#&gt;</a:t>
+            </a:fld>
+            <a:endParaRPr lang="en-US" altLang="ja-JP"/>
+          </a:p>
+        </p:txBody>
+      </p:sp>
+    </p:spTree>
+  </p:cSld>
+  <p:clrMapOvr>
+    <a:masterClrMapping/>
+  </p:clrMapOvr>
+</p:sldLayout>
+</file>
+
+<file path=ppt/slideLayouts/slideLayout25.xml><?xml version="1.0" encoding="utf-8"?>
+<p:sldLayout xmlns:a="http://schemas.openxmlformats.org/drawingml/2006/main" xmlns:r="http://schemas.openxmlformats.org/officeDocument/2006/relationships" xmlns:p="http://schemas.openxmlformats.org/presentationml/2006/main" type="vertTitleAndTx" preserve="1">
+  <p:cSld name="縦書きタイトルと縦書きテキスト">
+    <p:spTree>
+      <p:nvGrpSpPr>
+        <p:cNvPr id="1" name=""/>
+        <p:cNvGrpSpPr/>
+        <p:nvPr/>
+      </p:nvGrpSpPr>
+      <p:grpSpPr>
+        <a:xfrm>
+          <a:off x="0" y="0"/>
+          <a:ext cx="0" cy="0"/>
+          <a:chOff x="0" y="0"/>
+          <a:chExt cx="0" cy="0"/>
+        </a:xfrm>
+      </p:grpSpPr>
+      <p:sp>
+        <p:nvSpPr>
+          <p:cNvPr id="2" name="縦書きタイトル 1"/>
+          <p:cNvSpPr>
+            <a:spLocks noGrp="1"/>
+          </p:cNvSpPr>
+          <p:nvPr>
+            <p:ph type="title" orient="vert"/>
+          </p:nvPr>
+        </p:nvSpPr>
+        <p:spPr>
+          <a:xfrm>
+            <a:off x="6297613" y="274638"/>
+            <a:ext cx="1946275" cy="5851525"/>
+          </a:xfrm>
+        </p:spPr>
+        <p:txBody>
+          <a:bodyPr vert="eaVert"/>
+          <a:lstStyle/>
+          <a:p>
+            <a:r>
+              <a:rPr lang="ja-JP" altLang="en-US" smtClean="0"/>
+              <a:t>マスタ タイトルの書式設定</a:t>
+            </a:r>
+            <a:endParaRPr lang="ja-JP" altLang="en-US"/>
+          </a:p>
+        </p:txBody>
+      </p:sp>
+      <p:sp>
+        <p:nvSpPr>
+          <p:cNvPr id="3" name="縦書きテキスト プレースホルダ 2"/>
+          <p:cNvSpPr>
+            <a:spLocks noGrp="1"/>
+          </p:cNvSpPr>
+          <p:nvPr>
+            <p:ph type="body" orient="vert" idx="1"/>
+          </p:nvPr>
+        </p:nvSpPr>
+        <p:spPr>
+          <a:xfrm>
+            <a:off x="457200" y="274638"/>
+            <a:ext cx="5688013" cy="5851525"/>
+          </a:xfrm>
+        </p:spPr>
+        <p:txBody>
+          <a:bodyPr vert="eaVert"/>
+          <a:lstStyle/>
+          <a:p>
+            <a:pPr lvl="0"/>
+            <a:r>
+              <a:rPr lang="ja-JP" altLang="en-US" smtClean="0"/>
+              <a:t>マスタ テキストの書式設定</a:t>
+            </a:r>
+          </a:p>
+          <a:p>
+            <a:pPr lvl="1"/>
+            <a:r>
+              <a:rPr lang="ja-JP" altLang="en-US" smtClean="0"/>
+              <a:t>第 </a:t>
+            </a:r>
+            <a:r>
+              <a:rPr lang="en-US" altLang="ja-JP" smtClean="0"/>
+              <a:t>2 </a:t>
+            </a:r>
+            <a:r>
+              <a:rPr lang="ja-JP" altLang="en-US" smtClean="0"/>
+              <a:t>レベル</a:t>
+            </a:r>
+          </a:p>
+          <a:p>
+            <a:pPr lvl="2"/>
+            <a:r>
+              <a:rPr lang="ja-JP" altLang="en-US" smtClean="0"/>
+              <a:t>第 </a:t>
+            </a:r>
+            <a:r>
+              <a:rPr lang="en-US" altLang="ja-JP" smtClean="0"/>
+              <a:t>3 </a:t>
+            </a:r>
+            <a:r>
+              <a:rPr lang="ja-JP" altLang="en-US" smtClean="0"/>
+              <a:t>レベル</a:t>
+            </a:r>
+          </a:p>
+          <a:p>
+            <a:pPr lvl="3"/>
+            <a:r>
+              <a:rPr lang="ja-JP" altLang="en-US" smtClean="0"/>
+              <a:t>第 </a:t>
+            </a:r>
+            <a:r>
+              <a:rPr lang="en-US" altLang="ja-JP" smtClean="0"/>
+              <a:t>4 </a:t>
+            </a:r>
+            <a:r>
+              <a:rPr lang="ja-JP" altLang="en-US" smtClean="0"/>
+              <a:t>レベル</a:t>
+            </a:r>
+          </a:p>
+          <a:p>
+            <a:pPr lvl="4"/>
+            <a:r>
+              <a:rPr lang="ja-JP" altLang="en-US" smtClean="0"/>
+              <a:t>第 </a:t>
+            </a:r>
+            <a:r>
+              <a:rPr lang="en-US" altLang="ja-JP" smtClean="0"/>
+              <a:t>5 </a:t>
+            </a:r>
+            <a:r>
+              <a:rPr lang="ja-JP" altLang="en-US" smtClean="0"/>
+              <a:t>レベル</a:t>
+            </a:r>
+            <a:endParaRPr lang="ja-JP" altLang="en-US"/>
+          </a:p>
+        </p:txBody>
+      </p:sp>
+      <p:sp>
+        <p:nvSpPr>
+          <p:cNvPr id="4" name="日付プレースホルダ 3"/>
+          <p:cNvSpPr>
+            <a:spLocks noGrp="1"/>
+          </p:cNvSpPr>
+          <p:nvPr>
+            <p:ph type="dt" sz="half" idx="10"/>
+          </p:nvPr>
+        </p:nvSpPr>
+        <p:spPr/>
+        <p:txBody>
+          <a:bodyPr/>
+          <a:lstStyle>
+            <a:lvl1pPr>
+              <a:defRPr/>
+            </a:lvl1pPr>
+          </a:lstStyle>
+          <a:p>
+            <a:endParaRPr lang="en-US" altLang="ja-JP"/>
+          </a:p>
+        </p:txBody>
+      </p:sp>
+      <p:sp>
+        <p:nvSpPr>
+          <p:cNvPr id="5" name="フッター プレースホルダ 4"/>
+          <p:cNvSpPr>
+            <a:spLocks noGrp="1"/>
+          </p:cNvSpPr>
+          <p:nvPr>
+            <p:ph type="ftr" sz="quarter" idx="11"/>
+          </p:nvPr>
+        </p:nvSpPr>
+        <p:spPr/>
+        <p:txBody>
+          <a:bodyPr/>
+          <a:lstStyle>
+            <a:lvl1pPr>
+              <a:defRPr/>
+            </a:lvl1pPr>
+          </a:lstStyle>
+          <a:p>
+            <a:endParaRPr lang="en-US" altLang="ja-JP"/>
+          </a:p>
+        </p:txBody>
+      </p:sp>
+      <p:sp>
+        <p:nvSpPr>
+          <p:cNvPr id="6" name="スライド番号プレースホルダ 5"/>
+          <p:cNvSpPr>
+            <a:spLocks noGrp="1"/>
+          </p:cNvSpPr>
+          <p:nvPr>
+            <p:ph type="sldNum" sz="quarter" idx="12"/>
+          </p:nvPr>
+        </p:nvSpPr>
+        <p:spPr/>
+        <p:txBody>
+          <a:bodyPr/>
+          <a:lstStyle>
+            <a:lvl1pPr>
+              <a:defRPr/>
+            </a:lvl1pPr>
+          </a:lstStyle>
+          <a:p>
+            <a:fld id="{62E4095E-0E21-4A92-82ED-EDDBFB290355}" type="slidenum">
+              <a:rPr lang="en-US" altLang="ja-JP"/>
+              <a:pPr/>
+              <a:t>&lt;#&gt;</a:t>
+            </a:fld>
+            <a:endParaRPr lang="en-US" altLang="ja-JP"/>
+          </a:p>
+        </p:txBody>
+      </p:sp>
     </p:spTree>
   </p:cSld>
   <p:clrMapOvr>
@@ -7639,7 +11673,7 @@
           <a:spcPct val="0"/>
         </a:spcAft>
         <a:buChar char="•"/>
-        <a:defRPr kumimoji="1" sz="3200">
+        <a:defRPr kumimoji="1" sz="2000">
           <a:solidFill>
             <a:schemeClr val="tx1"/>
           </a:solidFill>
@@ -7656,7 +11690,7 @@
           <a:spcPct val="0"/>
         </a:spcAft>
         <a:buChar char="–"/>
-        <a:defRPr kumimoji="1" sz="2800">
+        <a:defRPr kumimoji="1" sz="1800">
           <a:solidFill>
             <a:schemeClr val="tx1"/>
           </a:solidFill>
@@ -7672,7 +11706,7 @@
           <a:spcPct val="0"/>
         </a:spcAft>
         <a:buChar char="•"/>
-        <a:defRPr kumimoji="1" sz="2400">
+        <a:defRPr kumimoji="1" sz="1800">
           <a:solidFill>
             <a:schemeClr val="tx1"/>
           </a:solidFill>
@@ -7688,7 +11722,7 @@
           <a:spcPct val="0"/>
         </a:spcAft>
         <a:buChar char="–"/>
-        <a:defRPr kumimoji="1" sz="2000">
+        <a:defRPr kumimoji="1" sz="1800">
           <a:solidFill>
             <a:schemeClr val="tx1"/>
           </a:solidFill>
@@ -7704,7 +11738,3090 @@
           <a:spcPct val="0"/>
         </a:spcAft>
         <a:buChar char="»"/>
+        <a:defRPr kumimoji="1" sz="1800">
+          <a:solidFill>
+            <a:schemeClr val="tx1"/>
+          </a:solidFill>
+          <a:latin typeface="+mn-lt"/>
+          <a:ea typeface="+mn-ea"/>
+        </a:defRPr>
+      </a:lvl5pPr>
+      <a:lvl6pPr marL="2514600" indent="-228600" algn="l" rtl="0" eaLnBrk="1" fontAlgn="base" hangingPunct="1">
+        <a:spcBef>
+          <a:spcPct val="20000"/>
+        </a:spcBef>
+        <a:spcAft>
+          <a:spcPct val="0"/>
+        </a:spcAft>
+        <a:buChar char="»"/>
         <a:defRPr kumimoji="1" sz="2000">
+          <a:solidFill>
+            <a:schemeClr val="tx1"/>
+          </a:solidFill>
+          <a:latin typeface="+mn-lt"/>
+          <a:ea typeface="+mn-ea"/>
+        </a:defRPr>
+      </a:lvl6pPr>
+      <a:lvl7pPr marL="2971800" indent="-228600" algn="l" rtl="0" eaLnBrk="1" fontAlgn="base" hangingPunct="1">
+        <a:spcBef>
+          <a:spcPct val="20000"/>
+        </a:spcBef>
+        <a:spcAft>
+          <a:spcPct val="0"/>
+        </a:spcAft>
+        <a:buChar char="»"/>
+        <a:defRPr kumimoji="1" sz="2000">
+          <a:solidFill>
+            <a:schemeClr val="tx1"/>
+          </a:solidFill>
+          <a:latin typeface="+mn-lt"/>
+          <a:ea typeface="+mn-ea"/>
+        </a:defRPr>
+      </a:lvl7pPr>
+      <a:lvl8pPr marL="3429000" indent="-228600" algn="l" rtl="0" eaLnBrk="1" fontAlgn="base" hangingPunct="1">
+        <a:spcBef>
+          <a:spcPct val="20000"/>
+        </a:spcBef>
+        <a:spcAft>
+          <a:spcPct val="0"/>
+        </a:spcAft>
+        <a:buChar char="»"/>
+        <a:defRPr kumimoji="1" sz="2000">
+          <a:solidFill>
+            <a:schemeClr val="tx1"/>
+          </a:solidFill>
+          <a:latin typeface="+mn-lt"/>
+          <a:ea typeface="+mn-ea"/>
+        </a:defRPr>
+      </a:lvl8pPr>
+      <a:lvl9pPr marL="3886200" indent="-228600" algn="l" rtl="0" eaLnBrk="1" fontAlgn="base" hangingPunct="1">
+        <a:spcBef>
+          <a:spcPct val="20000"/>
+        </a:spcBef>
+        <a:spcAft>
+          <a:spcPct val="0"/>
+        </a:spcAft>
+        <a:buChar char="»"/>
+        <a:defRPr kumimoji="1" sz="2000">
+          <a:solidFill>
+            <a:schemeClr val="tx1"/>
+          </a:solidFill>
+          <a:latin typeface="+mn-lt"/>
+          <a:ea typeface="+mn-ea"/>
+        </a:defRPr>
+      </a:lvl9pPr>
+    </p:bodyStyle>
+    <p:otherStyle>
+      <a:defPPr>
+        <a:defRPr lang="ja-JP"/>
+      </a:defPPr>
+      <a:lvl1pPr marL="0" algn="l" defTabSz="914400" rtl="0" eaLnBrk="1" latinLnBrk="0" hangingPunct="1">
+        <a:defRPr kumimoji="1" sz="1800" kern="1200">
+          <a:solidFill>
+            <a:schemeClr val="tx1"/>
+          </a:solidFill>
+          <a:latin typeface="+mn-lt"/>
+          <a:ea typeface="+mn-ea"/>
+          <a:cs typeface="+mn-cs"/>
+        </a:defRPr>
+      </a:lvl1pPr>
+      <a:lvl2pPr marL="457200" algn="l" defTabSz="914400" rtl="0" eaLnBrk="1" latinLnBrk="0" hangingPunct="1">
+        <a:defRPr kumimoji="1" sz="1800" kern="1200">
+          <a:solidFill>
+            <a:schemeClr val="tx1"/>
+          </a:solidFill>
+          <a:latin typeface="+mn-lt"/>
+          <a:ea typeface="+mn-ea"/>
+          <a:cs typeface="+mn-cs"/>
+        </a:defRPr>
+      </a:lvl2pPr>
+      <a:lvl3pPr marL="914400" algn="l" defTabSz="914400" rtl="0" eaLnBrk="1" latinLnBrk="0" hangingPunct="1">
+        <a:defRPr kumimoji="1" sz="1800" kern="1200">
+          <a:solidFill>
+            <a:schemeClr val="tx1"/>
+          </a:solidFill>
+          <a:latin typeface="+mn-lt"/>
+          <a:ea typeface="+mn-ea"/>
+          <a:cs typeface="+mn-cs"/>
+        </a:defRPr>
+      </a:lvl3pPr>
+      <a:lvl4pPr marL="1371600" algn="l" defTabSz="914400" rtl="0" eaLnBrk="1" latinLnBrk="0" hangingPunct="1">
+        <a:defRPr kumimoji="1" sz="1800" kern="1200">
+          <a:solidFill>
+            <a:schemeClr val="tx1"/>
+          </a:solidFill>
+          <a:latin typeface="+mn-lt"/>
+          <a:ea typeface="+mn-ea"/>
+          <a:cs typeface="+mn-cs"/>
+        </a:defRPr>
+      </a:lvl4pPr>
+      <a:lvl5pPr marL="1828800" algn="l" defTabSz="914400" rtl="0" eaLnBrk="1" latinLnBrk="0" hangingPunct="1">
+        <a:defRPr kumimoji="1" sz="1800" kern="1200">
+          <a:solidFill>
+            <a:schemeClr val="tx1"/>
+          </a:solidFill>
+          <a:latin typeface="+mn-lt"/>
+          <a:ea typeface="+mn-ea"/>
+          <a:cs typeface="+mn-cs"/>
+        </a:defRPr>
+      </a:lvl5pPr>
+      <a:lvl6pPr marL="2286000" algn="l" defTabSz="914400" rtl="0" eaLnBrk="1" latinLnBrk="0" hangingPunct="1">
+        <a:defRPr kumimoji="1" sz="1800" kern="1200">
+          <a:solidFill>
+            <a:schemeClr val="tx1"/>
+          </a:solidFill>
+          <a:latin typeface="+mn-lt"/>
+          <a:ea typeface="+mn-ea"/>
+          <a:cs typeface="+mn-cs"/>
+        </a:defRPr>
+      </a:lvl6pPr>
+      <a:lvl7pPr marL="2743200" algn="l" defTabSz="914400" rtl="0" eaLnBrk="1" latinLnBrk="0" hangingPunct="1">
+        <a:defRPr kumimoji="1" sz="1800" kern="1200">
+          <a:solidFill>
+            <a:schemeClr val="tx1"/>
+          </a:solidFill>
+          <a:latin typeface="+mn-lt"/>
+          <a:ea typeface="+mn-ea"/>
+          <a:cs typeface="+mn-cs"/>
+        </a:defRPr>
+      </a:lvl7pPr>
+      <a:lvl8pPr marL="3200400" algn="l" defTabSz="914400" rtl="0" eaLnBrk="1" latinLnBrk="0" hangingPunct="1">
+        <a:defRPr kumimoji="1" sz="1800" kern="1200">
+          <a:solidFill>
+            <a:schemeClr val="tx1"/>
+          </a:solidFill>
+          <a:latin typeface="+mn-lt"/>
+          <a:ea typeface="+mn-ea"/>
+          <a:cs typeface="+mn-cs"/>
+        </a:defRPr>
+      </a:lvl8pPr>
+      <a:lvl9pPr marL="3657600" algn="l" defTabSz="914400" rtl="0" eaLnBrk="1" latinLnBrk="0" hangingPunct="1">
+        <a:defRPr kumimoji="1" sz="1800" kern="1200">
+          <a:solidFill>
+            <a:schemeClr val="tx1"/>
+          </a:solidFill>
+          <a:latin typeface="+mn-lt"/>
+          <a:ea typeface="+mn-ea"/>
+          <a:cs typeface="+mn-cs"/>
+        </a:defRPr>
+      </a:lvl9pPr>
+    </p:otherStyle>
+  </p:txStyles>
+</p:sldMaster>
+</file>
+
+<file path=ppt/slideMasters/slideMaster2.xml><?xml version="1.0" encoding="utf-8"?>
+<p:sldMaster xmlns:a="http://schemas.openxmlformats.org/drawingml/2006/main" xmlns:r="http://schemas.openxmlformats.org/officeDocument/2006/relationships" xmlns:p="http://schemas.openxmlformats.org/presentationml/2006/main" preserve="1">
+  <p:cSld>
+    <p:bg>
+      <p:bgPr>
+        <a:solidFill>
+          <a:schemeClr val="bg1"/>
+        </a:solidFill>
+        <a:effectLst/>
+      </p:bgPr>
+    </p:bg>
+    <p:spTree>
+      <p:nvGrpSpPr>
+        <p:cNvPr id="1" name=""/>
+        <p:cNvGrpSpPr/>
+        <p:nvPr/>
+      </p:nvGrpSpPr>
+      <p:grpSpPr>
+        <a:xfrm>
+          <a:off x="0" y="0"/>
+          <a:ext cx="0" cy="0"/>
+          <a:chOff x="0" y="0"/>
+          <a:chExt cx="0" cy="0"/>
+        </a:xfrm>
+      </p:grpSpPr>
+      <p:pic>
+        <p:nvPicPr>
+          <p:cNvPr id="1098" name="Picture 74"/>
+          <p:cNvPicPr>
+            <a:picLocks noChangeAspect="1" noChangeArrowheads="1"/>
+          </p:cNvPicPr>
+          <p:nvPr/>
+        </p:nvPicPr>
+        <p:blipFill>
+          <a:blip r:embed="rId13" cstate="print"/>
+          <a:srcRect/>
+          <a:stretch>
+            <a:fillRect/>
+          </a:stretch>
+        </p:blipFill>
+        <p:spPr bwMode="auto">
+          <a:xfrm>
+            <a:off x="58691" y="142852"/>
+            <a:ext cx="1500198" cy="1255104"/>
+          </a:xfrm>
+          <a:prstGeom prst="rect">
+            <a:avLst/>
+          </a:prstGeom>
+          <a:noFill/>
+          <a:ln w="9525">
+            <a:noFill/>
+            <a:miter lim="800000"/>
+            <a:headEnd/>
+            <a:tailEnd/>
+          </a:ln>
+        </p:spPr>
+      </p:pic>
+      <p:sp>
+        <p:nvSpPr>
+          <p:cNvPr id="1053" name="Rectangle 29"/>
+          <p:cNvSpPr>
+            <a:spLocks noChangeArrowheads="1"/>
+          </p:cNvSpPr>
+          <p:nvPr/>
+        </p:nvSpPr>
+        <p:spPr bwMode="auto">
+          <a:xfrm>
+            <a:off x="249238" y="1509713"/>
+            <a:ext cx="433387" cy="1066800"/>
+          </a:xfrm>
+          <a:prstGeom prst="rect">
+            <a:avLst/>
+          </a:prstGeom>
+          <a:solidFill>
+            <a:srgbClr val="EAEAEA"/>
+          </a:solidFill>
+          <a:ln w="9525" algn="ctr">
+            <a:noFill/>
+            <a:miter lim="800000"/>
+            <a:headEnd/>
+            <a:tailEnd/>
+          </a:ln>
+          <a:effectLst/>
+        </p:spPr>
+        <p:txBody>
+          <a:bodyPr wrap="none" anchor="ctr"/>
+          <a:lstStyle/>
+          <a:p>
+            <a:endParaRPr lang="ja-JP" altLang="en-US"/>
+          </a:p>
+        </p:txBody>
+      </p:sp>
+      <p:sp>
+        <p:nvSpPr>
+          <p:cNvPr id="1026" name="Rectangle 2"/>
+          <p:cNvSpPr>
+            <a:spLocks noGrp="1" noChangeArrowheads="1"/>
+          </p:cNvSpPr>
+          <p:nvPr>
+            <p:ph type="title"/>
+          </p:nvPr>
+        </p:nvSpPr>
+        <p:spPr bwMode="auto">
+          <a:xfrm>
+            <a:off x="1357290" y="428604"/>
+            <a:ext cx="6886598" cy="1000124"/>
+          </a:xfrm>
+          <a:prstGeom prst="rect">
+            <a:avLst/>
+          </a:prstGeom>
+          <a:noFill/>
+          <a:ln w="9525">
+            <a:noFill/>
+            <a:miter lim="800000"/>
+            <a:headEnd/>
+            <a:tailEnd/>
+          </a:ln>
+          <a:effectLst/>
+        </p:spPr>
+        <p:txBody>
+          <a:bodyPr vert="horz" wrap="square" lIns="91440" tIns="45720" rIns="91440" bIns="45720" numCol="1" anchor="ctr" anchorCtr="0" compatLnSpc="1">
+            <a:prstTxWarp prst="textNoShape">
+              <a:avLst/>
+            </a:prstTxWarp>
+          </a:bodyPr>
+          <a:lstStyle/>
+          <a:p>
+            <a:pPr lvl="0"/>
+            <a:r>
+              <a:rPr lang="ja-JP" altLang="en-US" dirty="0" smtClean="0"/>
+              <a:t>マスタ タイトルの書式設定</a:t>
+            </a:r>
+          </a:p>
+        </p:txBody>
+      </p:sp>
+      <p:sp>
+        <p:nvSpPr>
+          <p:cNvPr id="1027" name="Rectangle 3"/>
+          <p:cNvSpPr>
+            <a:spLocks noGrp="1" noChangeArrowheads="1"/>
+          </p:cNvSpPr>
+          <p:nvPr>
+            <p:ph type="body" idx="1"/>
+          </p:nvPr>
+        </p:nvSpPr>
+        <p:spPr bwMode="auto">
+          <a:xfrm>
+            <a:off x="1071538" y="1785926"/>
+            <a:ext cx="6601789" cy="3925884"/>
+          </a:xfrm>
+          <a:prstGeom prst="rect">
+            <a:avLst/>
+          </a:prstGeom>
+          <a:noFill/>
+          <a:ln w="9525">
+            <a:noFill/>
+            <a:miter lim="800000"/>
+            <a:headEnd/>
+            <a:tailEnd/>
+          </a:ln>
+          <a:effectLst/>
+        </p:spPr>
+        <p:txBody>
+          <a:bodyPr vert="horz" wrap="square" lIns="91440" tIns="45720" rIns="91440" bIns="45720" numCol="1" anchor="t" anchorCtr="0" compatLnSpc="1">
+            <a:prstTxWarp prst="textNoShape">
+              <a:avLst/>
+            </a:prstTxWarp>
+          </a:bodyPr>
+          <a:lstStyle/>
+          <a:p>
+            <a:pPr lvl="0"/>
+            <a:r>
+              <a:rPr lang="ja-JP" altLang="en-US" dirty="0" smtClean="0"/>
+              <a:t>マスタ テキストの書式設定</a:t>
+            </a:r>
+          </a:p>
+          <a:p>
+            <a:pPr lvl="1"/>
+            <a:r>
+              <a:rPr lang="ja-JP" altLang="en-US" dirty="0" smtClean="0"/>
+              <a:t>第 </a:t>
+            </a:r>
+            <a:r>
+              <a:rPr lang="en-US" altLang="ja-JP" dirty="0" smtClean="0"/>
+              <a:t>2 </a:t>
+            </a:r>
+            <a:r>
+              <a:rPr lang="ja-JP" altLang="en-US" dirty="0" smtClean="0"/>
+              <a:t>レベル</a:t>
+            </a:r>
+          </a:p>
+          <a:p>
+            <a:pPr lvl="2"/>
+            <a:r>
+              <a:rPr lang="ja-JP" altLang="en-US" dirty="0" smtClean="0"/>
+              <a:t>第 </a:t>
+            </a:r>
+            <a:r>
+              <a:rPr lang="en-US" altLang="ja-JP" dirty="0" smtClean="0"/>
+              <a:t>3 </a:t>
+            </a:r>
+            <a:r>
+              <a:rPr lang="ja-JP" altLang="en-US" dirty="0" smtClean="0"/>
+              <a:t>レベル</a:t>
+            </a:r>
+          </a:p>
+          <a:p>
+            <a:pPr lvl="3"/>
+            <a:r>
+              <a:rPr lang="ja-JP" altLang="en-US" dirty="0" smtClean="0"/>
+              <a:t>第 </a:t>
+            </a:r>
+            <a:r>
+              <a:rPr lang="en-US" altLang="ja-JP" dirty="0" smtClean="0"/>
+              <a:t>4 </a:t>
+            </a:r>
+            <a:r>
+              <a:rPr lang="ja-JP" altLang="en-US" dirty="0" smtClean="0"/>
+              <a:t>レベル</a:t>
+            </a:r>
+          </a:p>
+          <a:p>
+            <a:pPr lvl="4"/>
+            <a:r>
+              <a:rPr lang="ja-JP" altLang="en-US" dirty="0" smtClean="0"/>
+              <a:t>第 </a:t>
+            </a:r>
+            <a:r>
+              <a:rPr lang="en-US" altLang="ja-JP" dirty="0" smtClean="0"/>
+              <a:t>5 </a:t>
+            </a:r>
+            <a:r>
+              <a:rPr lang="ja-JP" altLang="en-US" dirty="0" smtClean="0"/>
+              <a:t>レベル</a:t>
+            </a:r>
+          </a:p>
+        </p:txBody>
+      </p:sp>
+      <p:sp>
+        <p:nvSpPr>
+          <p:cNvPr id="1028" name="Rectangle 4"/>
+          <p:cNvSpPr>
+            <a:spLocks noGrp="1" noChangeArrowheads="1"/>
+          </p:cNvSpPr>
+          <p:nvPr>
+            <p:ph type="dt" sz="half" idx="2"/>
+          </p:nvPr>
+        </p:nvSpPr>
+        <p:spPr bwMode="auto">
+          <a:xfrm>
+            <a:off x="1763713" y="6381750"/>
+            <a:ext cx="2133600" cy="476250"/>
+          </a:xfrm>
+          <a:prstGeom prst="rect">
+            <a:avLst/>
+          </a:prstGeom>
+          <a:noFill/>
+          <a:ln w="9525">
+            <a:noFill/>
+            <a:miter lim="800000"/>
+            <a:headEnd/>
+            <a:tailEnd/>
+          </a:ln>
+          <a:effectLst/>
+        </p:spPr>
+        <p:txBody>
+          <a:bodyPr vert="horz" wrap="square" lIns="91440" tIns="45720" rIns="91440" bIns="45720" numCol="1" anchor="t" anchorCtr="0" compatLnSpc="1">
+            <a:prstTxWarp prst="textNoShape">
+              <a:avLst/>
+            </a:prstTxWarp>
+          </a:bodyPr>
+          <a:lstStyle>
+            <a:lvl1pPr>
+              <a:defRPr sz="1400"/>
+            </a:lvl1pPr>
+          </a:lstStyle>
+          <a:p>
+            <a:endParaRPr lang="en-US" altLang="ja-JP"/>
+          </a:p>
+        </p:txBody>
+      </p:sp>
+      <p:sp>
+        <p:nvSpPr>
+          <p:cNvPr id="1029" name="Rectangle 5"/>
+          <p:cNvSpPr>
+            <a:spLocks noGrp="1" noChangeArrowheads="1"/>
+          </p:cNvSpPr>
+          <p:nvPr>
+            <p:ph type="ftr" sz="quarter" idx="3"/>
+          </p:nvPr>
+        </p:nvSpPr>
+        <p:spPr bwMode="auto">
+          <a:xfrm>
+            <a:off x="4356100" y="6381750"/>
+            <a:ext cx="2968625" cy="476250"/>
+          </a:xfrm>
+          <a:prstGeom prst="rect">
+            <a:avLst/>
+          </a:prstGeom>
+          <a:noFill/>
+          <a:ln w="9525">
+            <a:noFill/>
+            <a:miter lim="800000"/>
+            <a:headEnd/>
+            <a:tailEnd/>
+          </a:ln>
+          <a:effectLst/>
+        </p:spPr>
+        <p:txBody>
+          <a:bodyPr vert="horz" wrap="square" lIns="91440" tIns="45720" rIns="91440" bIns="45720" numCol="1" anchor="t" anchorCtr="0" compatLnSpc="1">
+            <a:prstTxWarp prst="textNoShape">
+              <a:avLst/>
+            </a:prstTxWarp>
+          </a:bodyPr>
+          <a:lstStyle>
+            <a:lvl1pPr algn="ctr">
+              <a:defRPr sz="1400"/>
+            </a:lvl1pPr>
+          </a:lstStyle>
+          <a:p>
+            <a:endParaRPr lang="en-US" altLang="ja-JP"/>
+          </a:p>
+        </p:txBody>
+      </p:sp>
+      <p:sp>
+        <p:nvSpPr>
+          <p:cNvPr id="1030" name="Rectangle 6"/>
+          <p:cNvSpPr>
+            <a:spLocks noGrp="1" noChangeArrowheads="1"/>
+          </p:cNvSpPr>
+          <p:nvPr>
+            <p:ph type="sldNum" sz="quarter" idx="4"/>
+          </p:nvPr>
+        </p:nvSpPr>
+        <p:spPr bwMode="auto">
+          <a:xfrm>
+            <a:off x="8351838" y="6381750"/>
+            <a:ext cx="792162" cy="476250"/>
+          </a:xfrm>
+          <a:prstGeom prst="rect">
+            <a:avLst/>
+          </a:prstGeom>
+          <a:noFill/>
+          <a:ln w="9525">
+            <a:noFill/>
+            <a:miter lim="800000"/>
+            <a:headEnd/>
+            <a:tailEnd/>
+          </a:ln>
+          <a:effectLst/>
+        </p:spPr>
+        <p:txBody>
+          <a:bodyPr vert="horz" wrap="square" lIns="91440" tIns="45720" rIns="91440" bIns="45720" numCol="1" anchor="t" anchorCtr="0" compatLnSpc="1">
+            <a:prstTxWarp prst="textNoShape">
+              <a:avLst/>
+            </a:prstTxWarp>
+          </a:bodyPr>
+          <a:lstStyle>
+            <a:lvl1pPr algn="ctr">
+              <a:defRPr sz="1400"/>
+            </a:lvl1pPr>
+          </a:lstStyle>
+          <a:p>
+            <a:fld id="{6EE9FA56-B3C1-495F-9699-14BC4115706C}" type="slidenum">
+              <a:rPr lang="en-US" altLang="ja-JP"/>
+              <a:pPr/>
+              <a:t>&lt;#&gt;</a:t>
+            </a:fld>
+            <a:endParaRPr lang="en-US" altLang="ja-JP"/>
+          </a:p>
+        </p:txBody>
+      </p:sp>
+      <p:grpSp>
+        <p:nvGrpSpPr>
+          <p:cNvPr id="2" name="Group 12"/>
+          <p:cNvGrpSpPr>
+            <a:grpSpLocks/>
+          </p:cNvGrpSpPr>
+          <p:nvPr/>
+        </p:nvGrpSpPr>
+        <p:grpSpPr bwMode="auto">
+          <a:xfrm>
+            <a:off x="8026400" y="1293813"/>
+            <a:ext cx="431800" cy="431800"/>
+            <a:chOff x="2971" y="2523"/>
+            <a:chExt cx="544" cy="544"/>
+          </a:xfrm>
+        </p:grpSpPr>
+        <p:sp>
+          <p:nvSpPr>
+            <p:cNvPr id="1037" name="Freeform 13"/>
+            <p:cNvSpPr>
+              <a:spLocks/>
+            </p:cNvSpPr>
+            <p:nvPr userDrawn="1"/>
+          </p:nvSpPr>
+          <p:spPr bwMode="auto">
+            <a:xfrm>
+              <a:off x="2971" y="2523"/>
+              <a:ext cx="227" cy="227"/>
+            </a:xfrm>
+            <a:custGeom>
+              <a:avLst/>
+              <a:gdLst/>
+              <a:ahLst/>
+              <a:cxnLst>
+                <a:cxn ang="0">
+                  <a:pos x="227" y="0"/>
+                </a:cxn>
+                <a:cxn ang="0">
+                  <a:pos x="0" y="0"/>
+                </a:cxn>
+                <a:cxn ang="0">
+                  <a:pos x="0" y="227"/>
+                </a:cxn>
+              </a:cxnLst>
+              <a:rect l="0" t="0" r="r" b="b"/>
+              <a:pathLst>
+                <a:path w="227" h="227">
+                  <a:moveTo>
+                    <a:pt x="227" y="0"/>
+                  </a:moveTo>
+                  <a:lnTo>
+                    <a:pt x="0" y="0"/>
+                  </a:lnTo>
+                  <a:lnTo>
+                    <a:pt x="0" y="227"/>
+                  </a:lnTo>
+                </a:path>
+              </a:pathLst>
+            </a:custGeom>
+            <a:noFill/>
+            <a:ln w="9525">
+              <a:solidFill>
+                <a:srgbClr val="C0C0C0"/>
+              </a:solidFill>
+              <a:round/>
+              <a:headEnd/>
+              <a:tailEnd/>
+            </a:ln>
+            <a:effectLst/>
+          </p:spPr>
+          <p:txBody>
+            <a:bodyPr/>
+            <a:lstStyle/>
+            <a:p>
+              <a:endParaRPr lang="ja-JP" altLang="en-US"/>
+            </a:p>
+          </p:txBody>
+        </p:sp>
+        <p:sp>
+          <p:nvSpPr>
+            <p:cNvPr id="1038" name="Freeform 14"/>
+            <p:cNvSpPr>
+              <a:spLocks/>
+            </p:cNvSpPr>
+            <p:nvPr userDrawn="1"/>
+          </p:nvSpPr>
+          <p:spPr bwMode="auto">
+            <a:xfrm flipH="1">
+              <a:off x="3288" y="2523"/>
+              <a:ext cx="227" cy="227"/>
+            </a:xfrm>
+            <a:custGeom>
+              <a:avLst/>
+              <a:gdLst/>
+              <a:ahLst/>
+              <a:cxnLst>
+                <a:cxn ang="0">
+                  <a:pos x="227" y="0"/>
+                </a:cxn>
+                <a:cxn ang="0">
+                  <a:pos x="0" y="0"/>
+                </a:cxn>
+                <a:cxn ang="0">
+                  <a:pos x="0" y="227"/>
+                </a:cxn>
+              </a:cxnLst>
+              <a:rect l="0" t="0" r="r" b="b"/>
+              <a:pathLst>
+                <a:path w="227" h="227">
+                  <a:moveTo>
+                    <a:pt x="227" y="0"/>
+                  </a:moveTo>
+                  <a:lnTo>
+                    <a:pt x="0" y="0"/>
+                  </a:lnTo>
+                  <a:lnTo>
+                    <a:pt x="0" y="227"/>
+                  </a:lnTo>
+                </a:path>
+              </a:pathLst>
+            </a:custGeom>
+            <a:noFill/>
+            <a:ln w="9525">
+              <a:solidFill>
+                <a:srgbClr val="C0C0C0"/>
+              </a:solidFill>
+              <a:round/>
+              <a:headEnd/>
+              <a:tailEnd/>
+            </a:ln>
+            <a:effectLst/>
+          </p:spPr>
+          <p:txBody>
+            <a:bodyPr/>
+            <a:lstStyle/>
+            <a:p>
+              <a:endParaRPr lang="ja-JP" altLang="en-US"/>
+            </a:p>
+          </p:txBody>
+        </p:sp>
+        <p:sp>
+          <p:nvSpPr>
+            <p:cNvPr id="1039" name="Freeform 15"/>
+            <p:cNvSpPr>
+              <a:spLocks/>
+            </p:cNvSpPr>
+            <p:nvPr userDrawn="1"/>
+          </p:nvSpPr>
+          <p:spPr bwMode="auto">
+            <a:xfrm flipV="1">
+              <a:off x="2971" y="2840"/>
+              <a:ext cx="227" cy="227"/>
+            </a:xfrm>
+            <a:custGeom>
+              <a:avLst/>
+              <a:gdLst/>
+              <a:ahLst/>
+              <a:cxnLst>
+                <a:cxn ang="0">
+                  <a:pos x="227" y="0"/>
+                </a:cxn>
+                <a:cxn ang="0">
+                  <a:pos x="0" y="0"/>
+                </a:cxn>
+                <a:cxn ang="0">
+                  <a:pos x="0" y="227"/>
+                </a:cxn>
+              </a:cxnLst>
+              <a:rect l="0" t="0" r="r" b="b"/>
+              <a:pathLst>
+                <a:path w="227" h="227">
+                  <a:moveTo>
+                    <a:pt x="227" y="0"/>
+                  </a:moveTo>
+                  <a:lnTo>
+                    <a:pt x="0" y="0"/>
+                  </a:lnTo>
+                  <a:lnTo>
+                    <a:pt x="0" y="227"/>
+                  </a:lnTo>
+                </a:path>
+              </a:pathLst>
+            </a:custGeom>
+            <a:noFill/>
+            <a:ln w="9525">
+              <a:solidFill>
+                <a:srgbClr val="C0C0C0"/>
+              </a:solidFill>
+              <a:round/>
+              <a:headEnd/>
+              <a:tailEnd/>
+            </a:ln>
+            <a:effectLst/>
+          </p:spPr>
+          <p:txBody>
+            <a:bodyPr/>
+            <a:lstStyle/>
+            <a:p>
+              <a:endParaRPr lang="ja-JP" altLang="en-US"/>
+            </a:p>
+          </p:txBody>
+        </p:sp>
+        <p:sp>
+          <p:nvSpPr>
+            <p:cNvPr id="1040" name="Freeform 16"/>
+            <p:cNvSpPr>
+              <a:spLocks/>
+            </p:cNvSpPr>
+            <p:nvPr userDrawn="1"/>
+          </p:nvSpPr>
+          <p:spPr bwMode="auto">
+            <a:xfrm flipH="1" flipV="1">
+              <a:off x="3288" y="2840"/>
+              <a:ext cx="227" cy="227"/>
+            </a:xfrm>
+            <a:custGeom>
+              <a:avLst/>
+              <a:gdLst/>
+              <a:ahLst/>
+              <a:cxnLst>
+                <a:cxn ang="0">
+                  <a:pos x="227" y="0"/>
+                </a:cxn>
+                <a:cxn ang="0">
+                  <a:pos x="0" y="0"/>
+                </a:cxn>
+                <a:cxn ang="0">
+                  <a:pos x="0" y="227"/>
+                </a:cxn>
+              </a:cxnLst>
+              <a:rect l="0" t="0" r="r" b="b"/>
+              <a:pathLst>
+                <a:path w="227" h="227">
+                  <a:moveTo>
+                    <a:pt x="227" y="0"/>
+                  </a:moveTo>
+                  <a:lnTo>
+                    <a:pt x="0" y="0"/>
+                  </a:lnTo>
+                  <a:lnTo>
+                    <a:pt x="0" y="227"/>
+                  </a:lnTo>
+                </a:path>
+              </a:pathLst>
+            </a:custGeom>
+            <a:noFill/>
+            <a:ln w="9525">
+              <a:solidFill>
+                <a:srgbClr val="C0C0C0"/>
+              </a:solidFill>
+              <a:round/>
+              <a:headEnd/>
+              <a:tailEnd/>
+            </a:ln>
+            <a:effectLst/>
+          </p:spPr>
+          <p:txBody>
+            <a:bodyPr/>
+            <a:lstStyle/>
+            <a:p>
+              <a:endParaRPr lang="ja-JP" altLang="en-US"/>
+            </a:p>
+          </p:txBody>
+        </p:sp>
+      </p:grpSp>
+      <p:sp>
+        <p:nvSpPr>
+          <p:cNvPr id="1041" name="Line 17"/>
+          <p:cNvSpPr>
+            <a:spLocks noChangeShapeType="1"/>
+          </p:cNvSpPr>
+          <p:nvPr/>
+        </p:nvSpPr>
+        <p:spPr bwMode="auto">
+          <a:xfrm>
+            <a:off x="-1588" y="1509713"/>
+            <a:ext cx="9144001" cy="0"/>
+          </a:xfrm>
+          <a:prstGeom prst="line">
+            <a:avLst/>
+          </a:prstGeom>
+          <a:noFill/>
+          <a:ln w="9525">
+            <a:solidFill>
+              <a:srgbClr val="C0C0C0"/>
+            </a:solidFill>
+            <a:round/>
+            <a:headEnd/>
+            <a:tailEnd/>
+          </a:ln>
+          <a:effectLst/>
+        </p:spPr>
+        <p:txBody>
+          <a:bodyPr/>
+          <a:lstStyle/>
+          <a:p>
+            <a:endParaRPr lang="ja-JP" altLang="en-US"/>
+          </a:p>
+        </p:txBody>
+      </p:sp>
+      <p:sp>
+        <p:nvSpPr>
+          <p:cNvPr id="1042" name="Line 18"/>
+          <p:cNvSpPr>
+            <a:spLocks noChangeShapeType="1"/>
+          </p:cNvSpPr>
+          <p:nvPr/>
+        </p:nvSpPr>
+        <p:spPr bwMode="auto">
+          <a:xfrm rot="16200000">
+            <a:off x="5951537" y="2289175"/>
+            <a:ext cx="4581526" cy="0"/>
+          </a:xfrm>
+          <a:prstGeom prst="line">
+            <a:avLst/>
+          </a:prstGeom>
+          <a:noFill/>
+          <a:ln w="9525">
+            <a:solidFill>
+              <a:srgbClr val="C0C0C0"/>
+            </a:solidFill>
+            <a:round/>
+            <a:headEnd/>
+            <a:tailEnd/>
+          </a:ln>
+          <a:effectLst/>
+        </p:spPr>
+        <p:txBody>
+          <a:bodyPr/>
+          <a:lstStyle/>
+          <a:p>
+            <a:endParaRPr lang="ja-JP" altLang="en-US"/>
+          </a:p>
+        </p:txBody>
+      </p:sp>
+      <p:sp>
+        <p:nvSpPr>
+          <p:cNvPr id="1043" name="Oval 19"/>
+          <p:cNvSpPr>
+            <a:spLocks noChangeArrowheads="1"/>
+          </p:cNvSpPr>
+          <p:nvPr/>
+        </p:nvSpPr>
+        <p:spPr bwMode="auto">
+          <a:xfrm>
+            <a:off x="8204200" y="1463675"/>
+            <a:ext cx="73025" cy="71438"/>
+          </a:xfrm>
+          <a:prstGeom prst="ellipse">
+            <a:avLst/>
+          </a:prstGeom>
+          <a:noFill/>
+          <a:ln w="9525">
+            <a:solidFill>
+              <a:srgbClr val="C0C0C0"/>
+            </a:solidFill>
+            <a:round/>
+            <a:headEnd/>
+            <a:tailEnd/>
+          </a:ln>
+          <a:effectLst/>
+        </p:spPr>
+        <p:txBody>
+          <a:bodyPr wrap="none" anchor="ctr"/>
+          <a:lstStyle/>
+          <a:p>
+            <a:endParaRPr lang="ja-JP" altLang="en-US"/>
+          </a:p>
+        </p:txBody>
+      </p:sp>
+      <p:sp>
+        <p:nvSpPr>
+          <p:cNvPr id="1044" name="Freeform 20"/>
+          <p:cNvSpPr>
+            <a:spLocks/>
+          </p:cNvSpPr>
+          <p:nvPr/>
+        </p:nvSpPr>
+        <p:spPr bwMode="auto">
+          <a:xfrm>
+            <a:off x="0" y="5567363"/>
+            <a:ext cx="1512888" cy="431800"/>
+          </a:xfrm>
+          <a:custGeom>
+            <a:avLst/>
+            <a:gdLst/>
+            <a:ahLst/>
+            <a:cxnLst>
+              <a:cxn ang="0">
+                <a:pos x="0" y="90"/>
+              </a:cxn>
+              <a:cxn ang="0">
+                <a:pos x="273" y="0"/>
+              </a:cxn>
+              <a:cxn ang="0">
+                <a:pos x="953" y="272"/>
+              </a:cxn>
+            </a:cxnLst>
+            <a:rect l="0" t="0" r="r" b="b"/>
+            <a:pathLst>
+              <a:path w="953" h="272">
+                <a:moveTo>
+                  <a:pt x="0" y="90"/>
+                </a:moveTo>
+                <a:lnTo>
+                  <a:pt x="273" y="0"/>
+                </a:lnTo>
+                <a:lnTo>
+                  <a:pt x="953" y="272"/>
+                </a:lnTo>
+              </a:path>
+            </a:pathLst>
+          </a:custGeom>
+          <a:noFill/>
+          <a:ln w="9525">
+            <a:solidFill>
+              <a:srgbClr val="C0C0C0"/>
+            </a:solidFill>
+            <a:round/>
+            <a:headEnd/>
+            <a:tailEnd/>
+          </a:ln>
+          <a:effectLst/>
+        </p:spPr>
+        <p:txBody>
+          <a:bodyPr/>
+          <a:lstStyle/>
+          <a:p>
+            <a:endParaRPr lang="ja-JP" altLang="en-US"/>
+          </a:p>
+        </p:txBody>
+      </p:sp>
+      <p:sp>
+        <p:nvSpPr>
+          <p:cNvPr id="1045" name="Freeform 21"/>
+          <p:cNvSpPr>
+            <a:spLocks/>
+          </p:cNvSpPr>
+          <p:nvPr/>
+        </p:nvSpPr>
+        <p:spPr bwMode="auto">
+          <a:xfrm>
+            <a:off x="-4763" y="5854700"/>
+            <a:ext cx="1512888" cy="431800"/>
+          </a:xfrm>
+          <a:custGeom>
+            <a:avLst/>
+            <a:gdLst/>
+            <a:ahLst/>
+            <a:cxnLst>
+              <a:cxn ang="0">
+                <a:pos x="0" y="90"/>
+              </a:cxn>
+              <a:cxn ang="0">
+                <a:pos x="273" y="0"/>
+              </a:cxn>
+              <a:cxn ang="0">
+                <a:pos x="953" y="272"/>
+              </a:cxn>
+            </a:cxnLst>
+            <a:rect l="0" t="0" r="r" b="b"/>
+            <a:pathLst>
+              <a:path w="953" h="272">
+                <a:moveTo>
+                  <a:pt x="0" y="90"/>
+                </a:moveTo>
+                <a:lnTo>
+                  <a:pt x="273" y="0"/>
+                </a:lnTo>
+                <a:lnTo>
+                  <a:pt x="953" y="272"/>
+                </a:lnTo>
+              </a:path>
+            </a:pathLst>
+          </a:custGeom>
+          <a:noFill/>
+          <a:ln w="9525">
+            <a:solidFill>
+              <a:srgbClr val="C0C0C0"/>
+            </a:solidFill>
+            <a:round/>
+            <a:headEnd/>
+            <a:tailEnd/>
+          </a:ln>
+          <a:effectLst/>
+        </p:spPr>
+        <p:txBody>
+          <a:bodyPr/>
+          <a:lstStyle/>
+          <a:p>
+            <a:endParaRPr lang="ja-JP" altLang="en-US"/>
+          </a:p>
+        </p:txBody>
+      </p:sp>
+      <p:sp>
+        <p:nvSpPr>
+          <p:cNvPr id="1046" name="Freeform 22"/>
+          <p:cNvSpPr>
+            <a:spLocks/>
+          </p:cNvSpPr>
+          <p:nvPr/>
+        </p:nvSpPr>
+        <p:spPr bwMode="auto">
+          <a:xfrm>
+            <a:off x="-4763" y="6143625"/>
+            <a:ext cx="1512888" cy="431800"/>
+          </a:xfrm>
+          <a:custGeom>
+            <a:avLst/>
+            <a:gdLst/>
+            <a:ahLst/>
+            <a:cxnLst>
+              <a:cxn ang="0">
+                <a:pos x="0" y="90"/>
+              </a:cxn>
+              <a:cxn ang="0">
+                <a:pos x="273" y="0"/>
+              </a:cxn>
+              <a:cxn ang="0">
+                <a:pos x="953" y="272"/>
+              </a:cxn>
+            </a:cxnLst>
+            <a:rect l="0" t="0" r="r" b="b"/>
+            <a:pathLst>
+              <a:path w="953" h="272">
+                <a:moveTo>
+                  <a:pt x="0" y="90"/>
+                </a:moveTo>
+                <a:lnTo>
+                  <a:pt x="273" y="0"/>
+                </a:lnTo>
+                <a:lnTo>
+                  <a:pt x="953" y="272"/>
+                </a:lnTo>
+              </a:path>
+            </a:pathLst>
+          </a:custGeom>
+          <a:noFill/>
+          <a:ln w="9525">
+            <a:solidFill>
+              <a:srgbClr val="C0C0C0"/>
+            </a:solidFill>
+            <a:round/>
+            <a:headEnd/>
+            <a:tailEnd/>
+          </a:ln>
+          <a:effectLst/>
+        </p:spPr>
+        <p:txBody>
+          <a:bodyPr/>
+          <a:lstStyle/>
+          <a:p>
+            <a:endParaRPr lang="ja-JP" altLang="en-US"/>
+          </a:p>
+        </p:txBody>
+      </p:sp>
+      <p:sp>
+        <p:nvSpPr>
+          <p:cNvPr id="1047" name="Freeform 23"/>
+          <p:cNvSpPr>
+            <a:spLocks/>
+          </p:cNvSpPr>
+          <p:nvPr/>
+        </p:nvSpPr>
+        <p:spPr bwMode="auto">
+          <a:xfrm>
+            <a:off x="0" y="6426200"/>
+            <a:ext cx="1512888" cy="431800"/>
+          </a:xfrm>
+          <a:custGeom>
+            <a:avLst/>
+            <a:gdLst/>
+            <a:ahLst/>
+            <a:cxnLst>
+              <a:cxn ang="0">
+                <a:pos x="0" y="90"/>
+              </a:cxn>
+              <a:cxn ang="0">
+                <a:pos x="273" y="0"/>
+              </a:cxn>
+              <a:cxn ang="0">
+                <a:pos x="953" y="272"/>
+              </a:cxn>
+            </a:cxnLst>
+            <a:rect l="0" t="0" r="r" b="b"/>
+            <a:pathLst>
+              <a:path w="953" h="272">
+                <a:moveTo>
+                  <a:pt x="0" y="90"/>
+                </a:moveTo>
+                <a:lnTo>
+                  <a:pt x="273" y="0"/>
+                </a:lnTo>
+                <a:lnTo>
+                  <a:pt x="953" y="272"/>
+                </a:lnTo>
+              </a:path>
+            </a:pathLst>
+          </a:custGeom>
+          <a:noFill/>
+          <a:ln w="9525">
+            <a:solidFill>
+              <a:srgbClr val="C0C0C0"/>
+            </a:solidFill>
+            <a:round/>
+            <a:headEnd/>
+            <a:tailEnd/>
+          </a:ln>
+          <a:effectLst/>
+        </p:spPr>
+        <p:txBody>
+          <a:bodyPr/>
+          <a:lstStyle/>
+          <a:p>
+            <a:endParaRPr lang="ja-JP" altLang="en-US"/>
+          </a:p>
+        </p:txBody>
+      </p:sp>
+      <p:sp>
+        <p:nvSpPr>
+          <p:cNvPr id="1048" name="Arc 24"/>
+          <p:cNvSpPr>
+            <a:spLocks/>
+          </p:cNvSpPr>
+          <p:nvPr/>
+        </p:nvSpPr>
+        <p:spPr bwMode="auto">
+          <a:xfrm>
+            <a:off x="249238" y="5372100"/>
+            <a:ext cx="433387" cy="142875"/>
+          </a:xfrm>
+          <a:custGeom>
+            <a:avLst/>
+            <a:gdLst>
+              <a:gd name="G0" fmla="+- 21600 0 0"/>
+              <a:gd name="G1" fmla="+- 20533 0 0"/>
+              <a:gd name="G2" fmla="+- 21600 0 0"/>
+              <a:gd name="T0" fmla="*/ 28303 w 43200"/>
+              <a:gd name="T1" fmla="*/ 0 h 42133"/>
+              <a:gd name="T2" fmla="*/ 4170 w 43200"/>
+              <a:gd name="T3" fmla="*/ 7776 h 42133"/>
+              <a:gd name="T4" fmla="*/ 21600 w 43200"/>
+              <a:gd name="T5" fmla="*/ 20533 h 42133"/>
+            </a:gdLst>
+            <a:ahLst/>
+            <a:cxnLst>
+              <a:cxn ang="0">
+                <a:pos x="T0" y="T1"/>
+              </a:cxn>
+              <a:cxn ang="0">
+                <a:pos x="T2" y="T3"/>
+              </a:cxn>
+              <a:cxn ang="0">
+                <a:pos x="T4" y="T5"/>
+              </a:cxn>
+            </a:cxnLst>
+            <a:rect l="0" t="0" r="r" b="b"/>
+            <a:pathLst>
+              <a:path w="43200" h="42133" fill="none" extrusionOk="0">
+                <a:moveTo>
+                  <a:pt x="28303" y="-1"/>
+                </a:moveTo>
+                <a:cubicBezTo>
+                  <a:pt x="37188" y="2900"/>
+                  <a:pt x="43200" y="11186"/>
+                  <a:pt x="43200" y="20533"/>
+                </a:cubicBezTo>
+                <a:cubicBezTo>
+                  <a:pt x="43200" y="32462"/>
+                  <a:pt x="33529" y="42133"/>
+                  <a:pt x="21600" y="42133"/>
+                </a:cubicBezTo>
+                <a:cubicBezTo>
+                  <a:pt x="9670" y="42133"/>
+                  <a:pt x="0" y="32462"/>
+                  <a:pt x="0" y="20533"/>
+                </a:cubicBezTo>
+                <a:cubicBezTo>
+                  <a:pt x="-1" y="15945"/>
+                  <a:pt x="1460" y="11477"/>
+                  <a:pt x="4169" y="7775"/>
+                </a:cubicBezTo>
+              </a:path>
+              <a:path w="43200" h="42133" stroke="0" extrusionOk="0">
+                <a:moveTo>
+                  <a:pt x="28303" y="-1"/>
+                </a:moveTo>
+                <a:cubicBezTo>
+                  <a:pt x="37188" y="2900"/>
+                  <a:pt x="43200" y="11186"/>
+                  <a:pt x="43200" y="20533"/>
+                </a:cubicBezTo>
+                <a:cubicBezTo>
+                  <a:pt x="43200" y="32462"/>
+                  <a:pt x="33529" y="42133"/>
+                  <a:pt x="21600" y="42133"/>
+                </a:cubicBezTo>
+                <a:cubicBezTo>
+                  <a:pt x="9670" y="42133"/>
+                  <a:pt x="0" y="32462"/>
+                  <a:pt x="0" y="20533"/>
+                </a:cubicBezTo>
+                <a:cubicBezTo>
+                  <a:pt x="-1" y="15945"/>
+                  <a:pt x="1460" y="11477"/>
+                  <a:pt x="4169" y="7775"/>
+                </a:cubicBezTo>
+                <a:lnTo>
+                  <a:pt x="21600" y="20533"/>
+                </a:lnTo>
+                <a:close/>
+              </a:path>
+            </a:pathLst>
+          </a:custGeom>
+          <a:noFill/>
+          <a:ln w="9525">
+            <a:solidFill>
+              <a:srgbClr val="C0C0C0"/>
+            </a:solidFill>
+            <a:round/>
+            <a:headEnd/>
+            <a:tailEnd/>
+          </a:ln>
+          <a:effectLst/>
+        </p:spPr>
+        <p:txBody>
+          <a:bodyPr wrap="none" anchor="ctr"/>
+          <a:lstStyle/>
+          <a:p>
+            <a:endParaRPr lang="ja-JP" altLang="en-US"/>
+          </a:p>
+        </p:txBody>
+      </p:sp>
+      <p:sp>
+        <p:nvSpPr>
+          <p:cNvPr id="1049" name="Arc 25"/>
+          <p:cNvSpPr>
+            <a:spLocks/>
+          </p:cNvSpPr>
+          <p:nvPr/>
+        </p:nvSpPr>
+        <p:spPr bwMode="auto">
+          <a:xfrm>
+            <a:off x="177800" y="4940300"/>
+            <a:ext cx="576263" cy="142875"/>
+          </a:xfrm>
+          <a:custGeom>
+            <a:avLst/>
+            <a:gdLst>
+              <a:gd name="G0" fmla="+- 21600 0 0"/>
+              <a:gd name="G1" fmla="+- 20533 0 0"/>
+              <a:gd name="G2" fmla="+- 21600 0 0"/>
+              <a:gd name="T0" fmla="*/ 28303 w 43200"/>
+              <a:gd name="T1" fmla="*/ 0 h 42133"/>
+              <a:gd name="T2" fmla="*/ 4170 w 43200"/>
+              <a:gd name="T3" fmla="*/ 7776 h 42133"/>
+              <a:gd name="T4" fmla="*/ 21600 w 43200"/>
+              <a:gd name="T5" fmla="*/ 20533 h 42133"/>
+            </a:gdLst>
+            <a:ahLst/>
+            <a:cxnLst>
+              <a:cxn ang="0">
+                <a:pos x="T0" y="T1"/>
+              </a:cxn>
+              <a:cxn ang="0">
+                <a:pos x="T2" y="T3"/>
+              </a:cxn>
+              <a:cxn ang="0">
+                <a:pos x="T4" y="T5"/>
+              </a:cxn>
+            </a:cxnLst>
+            <a:rect l="0" t="0" r="r" b="b"/>
+            <a:pathLst>
+              <a:path w="43200" h="42133" fill="none" extrusionOk="0">
+                <a:moveTo>
+                  <a:pt x="28303" y="-1"/>
+                </a:moveTo>
+                <a:cubicBezTo>
+                  <a:pt x="37188" y="2900"/>
+                  <a:pt x="43200" y="11186"/>
+                  <a:pt x="43200" y="20533"/>
+                </a:cubicBezTo>
+                <a:cubicBezTo>
+                  <a:pt x="43200" y="32462"/>
+                  <a:pt x="33529" y="42133"/>
+                  <a:pt x="21600" y="42133"/>
+                </a:cubicBezTo>
+                <a:cubicBezTo>
+                  <a:pt x="9670" y="42133"/>
+                  <a:pt x="0" y="32462"/>
+                  <a:pt x="0" y="20533"/>
+                </a:cubicBezTo>
+                <a:cubicBezTo>
+                  <a:pt x="-1" y="15945"/>
+                  <a:pt x="1460" y="11477"/>
+                  <a:pt x="4169" y="7775"/>
+                </a:cubicBezTo>
+              </a:path>
+              <a:path w="43200" h="42133" stroke="0" extrusionOk="0">
+                <a:moveTo>
+                  <a:pt x="28303" y="-1"/>
+                </a:moveTo>
+                <a:cubicBezTo>
+                  <a:pt x="37188" y="2900"/>
+                  <a:pt x="43200" y="11186"/>
+                  <a:pt x="43200" y="20533"/>
+                </a:cubicBezTo>
+                <a:cubicBezTo>
+                  <a:pt x="43200" y="32462"/>
+                  <a:pt x="33529" y="42133"/>
+                  <a:pt x="21600" y="42133"/>
+                </a:cubicBezTo>
+                <a:cubicBezTo>
+                  <a:pt x="9670" y="42133"/>
+                  <a:pt x="0" y="32462"/>
+                  <a:pt x="0" y="20533"/>
+                </a:cubicBezTo>
+                <a:cubicBezTo>
+                  <a:pt x="-1" y="15945"/>
+                  <a:pt x="1460" y="11477"/>
+                  <a:pt x="4169" y="7775"/>
+                </a:cubicBezTo>
+                <a:lnTo>
+                  <a:pt x="21600" y="20533"/>
+                </a:lnTo>
+                <a:close/>
+              </a:path>
+            </a:pathLst>
+          </a:custGeom>
+          <a:noFill/>
+          <a:ln w="9525">
+            <a:solidFill>
+              <a:srgbClr val="C0C0C0"/>
+            </a:solidFill>
+            <a:round/>
+            <a:headEnd/>
+            <a:tailEnd/>
+          </a:ln>
+          <a:effectLst/>
+        </p:spPr>
+        <p:txBody>
+          <a:bodyPr wrap="none" anchor="ctr"/>
+          <a:lstStyle/>
+          <a:p>
+            <a:endParaRPr lang="ja-JP" altLang="en-US"/>
+          </a:p>
+        </p:txBody>
+      </p:sp>
+      <p:sp>
+        <p:nvSpPr>
+          <p:cNvPr id="1050" name="Arc 26"/>
+          <p:cNvSpPr>
+            <a:spLocks/>
+          </p:cNvSpPr>
+          <p:nvPr/>
+        </p:nvSpPr>
+        <p:spPr bwMode="auto">
+          <a:xfrm>
+            <a:off x="106363" y="4506913"/>
+            <a:ext cx="719137" cy="144462"/>
+          </a:xfrm>
+          <a:custGeom>
+            <a:avLst/>
+            <a:gdLst>
+              <a:gd name="G0" fmla="+- 21600 0 0"/>
+              <a:gd name="G1" fmla="+- 20533 0 0"/>
+              <a:gd name="G2" fmla="+- 21600 0 0"/>
+              <a:gd name="T0" fmla="*/ 28303 w 43200"/>
+              <a:gd name="T1" fmla="*/ 0 h 42133"/>
+              <a:gd name="T2" fmla="*/ 4170 w 43200"/>
+              <a:gd name="T3" fmla="*/ 7776 h 42133"/>
+              <a:gd name="T4" fmla="*/ 21600 w 43200"/>
+              <a:gd name="T5" fmla="*/ 20533 h 42133"/>
+            </a:gdLst>
+            <a:ahLst/>
+            <a:cxnLst>
+              <a:cxn ang="0">
+                <a:pos x="T0" y="T1"/>
+              </a:cxn>
+              <a:cxn ang="0">
+                <a:pos x="T2" y="T3"/>
+              </a:cxn>
+              <a:cxn ang="0">
+                <a:pos x="T4" y="T5"/>
+              </a:cxn>
+            </a:cxnLst>
+            <a:rect l="0" t="0" r="r" b="b"/>
+            <a:pathLst>
+              <a:path w="43200" h="42133" fill="none" extrusionOk="0">
+                <a:moveTo>
+                  <a:pt x="28303" y="-1"/>
+                </a:moveTo>
+                <a:cubicBezTo>
+                  <a:pt x="37188" y="2900"/>
+                  <a:pt x="43200" y="11186"/>
+                  <a:pt x="43200" y="20533"/>
+                </a:cubicBezTo>
+                <a:cubicBezTo>
+                  <a:pt x="43200" y="32462"/>
+                  <a:pt x="33529" y="42133"/>
+                  <a:pt x="21600" y="42133"/>
+                </a:cubicBezTo>
+                <a:cubicBezTo>
+                  <a:pt x="9670" y="42133"/>
+                  <a:pt x="0" y="32462"/>
+                  <a:pt x="0" y="20533"/>
+                </a:cubicBezTo>
+                <a:cubicBezTo>
+                  <a:pt x="-1" y="15945"/>
+                  <a:pt x="1460" y="11477"/>
+                  <a:pt x="4169" y="7775"/>
+                </a:cubicBezTo>
+              </a:path>
+              <a:path w="43200" h="42133" stroke="0" extrusionOk="0">
+                <a:moveTo>
+                  <a:pt x="28303" y="-1"/>
+                </a:moveTo>
+                <a:cubicBezTo>
+                  <a:pt x="37188" y="2900"/>
+                  <a:pt x="43200" y="11186"/>
+                  <a:pt x="43200" y="20533"/>
+                </a:cubicBezTo>
+                <a:cubicBezTo>
+                  <a:pt x="43200" y="32462"/>
+                  <a:pt x="33529" y="42133"/>
+                  <a:pt x="21600" y="42133"/>
+                </a:cubicBezTo>
+                <a:cubicBezTo>
+                  <a:pt x="9670" y="42133"/>
+                  <a:pt x="0" y="32462"/>
+                  <a:pt x="0" y="20533"/>
+                </a:cubicBezTo>
+                <a:cubicBezTo>
+                  <a:pt x="-1" y="15945"/>
+                  <a:pt x="1460" y="11477"/>
+                  <a:pt x="4169" y="7775"/>
+                </a:cubicBezTo>
+                <a:lnTo>
+                  <a:pt x="21600" y="20533"/>
+                </a:lnTo>
+                <a:close/>
+              </a:path>
+            </a:pathLst>
+          </a:custGeom>
+          <a:noFill/>
+          <a:ln w="9525">
+            <a:solidFill>
+              <a:srgbClr val="C0C0C0"/>
+            </a:solidFill>
+            <a:round/>
+            <a:headEnd/>
+            <a:tailEnd/>
+          </a:ln>
+          <a:effectLst/>
+        </p:spPr>
+        <p:txBody>
+          <a:bodyPr wrap="none" anchor="ctr"/>
+          <a:lstStyle/>
+          <a:p>
+            <a:endParaRPr lang="ja-JP" altLang="en-US"/>
+          </a:p>
+        </p:txBody>
+      </p:sp>
+      <p:sp>
+        <p:nvSpPr>
+          <p:cNvPr id="1051" name="AutoShape 27"/>
+          <p:cNvSpPr>
+            <a:spLocks noChangeArrowheads="1"/>
+          </p:cNvSpPr>
+          <p:nvPr/>
+        </p:nvSpPr>
+        <p:spPr bwMode="auto">
+          <a:xfrm>
+            <a:off x="427038" y="3211513"/>
+            <a:ext cx="73025" cy="3500437"/>
+          </a:xfrm>
+          <a:prstGeom prst="roundRect">
+            <a:avLst>
+              <a:gd name="adj" fmla="val 50000"/>
+            </a:avLst>
+          </a:prstGeom>
+          <a:solidFill>
+            <a:srgbClr val="EAEAEA"/>
+          </a:solidFill>
+          <a:ln w="9525">
+            <a:noFill/>
+            <a:round/>
+            <a:headEnd/>
+            <a:tailEnd/>
+          </a:ln>
+          <a:effectLst/>
+        </p:spPr>
+        <p:txBody>
+          <a:bodyPr wrap="none" anchor="ctr"/>
+          <a:lstStyle/>
+          <a:p>
+            <a:endParaRPr lang="ja-JP" altLang="en-US"/>
+          </a:p>
+        </p:txBody>
+      </p:sp>
+      <p:sp>
+        <p:nvSpPr>
+          <p:cNvPr id="1052" name="AutoShape 28"/>
+          <p:cNvSpPr>
+            <a:spLocks noChangeArrowheads="1"/>
+          </p:cNvSpPr>
+          <p:nvPr/>
+        </p:nvSpPr>
+        <p:spPr bwMode="auto">
+          <a:xfrm flipV="1">
+            <a:off x="249238" y="2562225"/>
+            <a:ext cx="433387" cy="936625"/>
+          </a:xfrm>
+          <a:prstGeom prst="triangle">
+            <a:avLst>
+              <a:gd name="adj" fmla="val 50000"/>
+            </a:avLst>
+          </a:prstGeom>
+          <a:solidFill>
+            <a:srgbClr val="EAEAEA"/>
+          </a:solidFill>
+          <a:ln w="9525" algn="ctr">
+            <a:noFill/>
+            <a:miter lim="800000"/>
+            <a:headEnd/>
+            <a:tailEnd/>
+          </a:ln>
+          <a:effectLst/>
+        </p:spPr>
+        <p:txBody>
+          <a:bodyPr wrap="none" anchor="ctr"/>
+          <a:lstStyle/>
+          <a:p>
+            <a:endParaRPr lang="ja-JP" altLang="en-US"/>
+          </a:p>
+        </p:txBody>
+      </p:sp>
+      <p:sp>
+        <p:nvSpPr>
+          <p:cNvPr id="1054" name="AutoShape 30"/>
+          <p:cNvSpPr>
+            <a:spLocks noChangeArrowheads="1"/>
+          </p:cNvSpPr>
+          <p:nvPr/>
+        </p:nvSpPr>
+        <p:spPr bwMode="auto">
+          <a:xfrm>
+            <a:off x="1546225" y="6091238"/>
+            <a:ext cx="215900" cy="188912"/>
+          </a:xfrm>
+          <a:prstGeom prst="parallelogram">
+            <a:avLst>
+              <a:gd name="adj" fmla="val 28572"/>
+            </a:avLst>
+          </a:prstGeom>
+          <a:solidFill>
+            <a:srgbClr val="EAEAEA"/>
+          </a:solidFill>
+          <a:ln w="9525">
+            <a:solidFill>
+              <a:srgbClr val="DDDDDD"/>
+            </a:solidFill>
+            <a:miter lim="800000"/>
+            <a:headEnd/>
+            <a:tailEnd/>
+          </a:ln>
+          <a:effectLst/>
+        </p:spPr>
+        <p:txBody>
+          <a:bodyPr wrap="none" anchor="ctr"/>
+          <a:lstStyle/>
+          <a:p>
+            <a:endParaRPr lang="ja-JP" altLang="en-US"/>
+          </a:p>
+        </p:txBody>
+      </p:sp>
+      <p:sp>
+        <p:nvSpPr>
+          <p:cNvPr id="1055" name="AutoShape 31"/>
+          <p:cNvSpPr>
+            <a:spLocks noChangeArrowheads="1"/>
+          </p:cNvSpPr>
+          <p:nvPr/>
+        </p:nvSpPr>
+        <p:spPr bwMode="auto">
+          <a:xfrm>
+            <a:off x="1762125" y="6091238"/>
+            <a:ext cx="215900" cy="188912"/>
+          </a:xfrm>
+          <a:prstGeom prst="parallelogram">
+            <a:avLst>
+              <a:gd name="adj" fmla="val 28572"/>
+            </a:avLst>
+          </a:prstGeom>
+          <a:solidFill>
+            <a:srgbClr val="EAEAEA"/>
+          </a:solidFill>
+          <a:ln w="9525">
+            <a:solidFill>
+              <a:srgbClr val="DDDDDD"/>
+            </a:solidFill>
+            <a:miter lim="800000"/>
+            <a:headEnd/>
+            <a:tailEnd/>
+          </a:ln>
+          <a:effectLst/>
+        </p:spPr>
+        <p:txBody>
+          <a:bodyPr wrap="none" anchor="ctr"/>
+          <a:lstStyle/>
+          <a:p>
+            <a:endParaRPr lang="ja-JP" altLang="en-US"/>
+          </a:p>
+        </p:txBody>
+      </p:sp>
+      <p:sp>
+        <p:nvSpPr>
+          <p:cNvPr id="1056" name="AutoShape 32"/>
+          <p:cNvSpPr>
+            <a:spLocks noChangeArrowheads="1"/>
+          </p:cNvSpPr>
+          <p:nvPr/>
+        </p:nvSpPr>
+        <p:spPr bwMode="auto">
+          <a:xfrm>
+            <a:off x="1978025" y="6091238"/>
+            <a:ext cx="215900" cy="188912"/>
+          </a:xfrm>
+          <a:prstGeom prst="parallelogram">
+            <a:avLst>
+              <a:gd name="adj" fmla="val 28572"/>
+            </a:avLst>
+          </a:prstGeom>
+          <a:solidFill>
+            <a:srgbClr val="EAEAEA"/>
+          </a:solidFill>
+          <a:ln w="9525">
+            <a:solidFill>
+              <a:srgbClr val="DDDDDD"/>
+            </a:solidFill>
+            <a:miter lim="800000"/>
+            <a:headEnd/>
+            <a:tailEnd/>
+          </a:ln>
+          <a:effectLst/>
+        </p:spPr>
+        <p:txBody>
+          <a:bodyPr wrap="none" anchor="ctr"/>
+          <a:lstStyle/>
+          <a:p>
+            <a:endParaRPr lang="ja-JP" altLang="en-US"/>
+          </a:p>
+        </p:txBody>
+      </p:sp>
+      <p:sp>
+        <p:nvSpPr>
+          <p:cNvPr id="1057" name="AutoShape 33"/>
+          <p:cNvSpPr>
+            <a:spLocks noChangeArrowheads="1"/>
+          </p:cNvSpPr>
+          <p:nvPr/>
+        </p:nvSpPr>
+        <p:spPr bwMode="auto">
+          <a:xfrm>
+            <a:off x="2193925" y="6091238"/>
+            <a:ext cx="215900" cy="188912"/>
+          </a:xfrm>
+          <a:prstGeom prst="parallelogram">
+            <a:avLst>
+              <a:gd name="adj" fmla="val 28572"/>
+            </a:avLst>
+          </a:prstGeom>
+          <a:solidFill>
+            <a:srgbClr val="EAEAEA"/>
+          </a:solidFill>
+          <a:ln w="9525">
+            <a:solidFill>
+              <a:srgbClr val="DDDDDD"/>
+            </a:solidFill>
+            <a:miter lim="800000"/>
+            <a:headEnd/>
+            <a:tailEnd/>
+          </a:ln>
+          <a:effectLst/>
+        </p:spPr>
+        <p:txBody>
+          <a:bodyPr wrap="none" anchor="ctr"/>
+          <a:lstStyle/>
+          <a:p>
+            <a:endParaRPr lang="ja-JP" altLang="en-US"/>
+          </a:p>
+        </p:txBody>
+      </p:sp>
+      <p:sp>
+        <p:nvSpPr>
+          <p:cNvPr id="1058" name="AutoShape 34"/>
+          <p:cNvSpPr>
+            <a:spLocks noChangeArrowheads="1"/>
+          </p:cNvSpPr>
+          <p:nvPr/>
+        </p:nvSpPr>
+        <p:spPr bwMode="auto">
+          <a:xfrm>
+            <a:off x="2409825" y="6091238"/>
+            <a:ext cx="215900" cy="188912"/>
+          </a:xfrm>
+          <a:prstGeom prst="parallelogram">
+            <a:avLst>
+              <a:gd name="adj" fmla="val 28572"/>
+            </a:avLst>
+          </a:prstGeom>
+          <a:solidFill>
+            <a:schemeClr val="bg1"/>
+          </a:solidFill>
+          <a:ln w="9525">
+            <a:solidFill>
+              <a:srgbClr val="DDDDDD"/>
+            </a:solidFill>
+            <a:miter lim="800000"/>
+            <a:headEnd/>
+            <a:tailEnd/>
+          </a:ln>
+          <a:effectLst/>
+        </p:spPr>
+        <p:txBody>
+          <a:bodyPr wrap="none" anchor="ctr"/>
+          <a:lstStyle/>
+          <a:p>
+            <a:endParaRPr lang="ja-JP" altLang="en-US"/>
+          </a:p>
+        </p:txBody>
+      </p:sp>
+      <p:sp>
+        <p:nvSpPr>
+          <p:cNvPr id="1059" name="AutoShape 35"/>
+          <p:cNvSpPr>
+            <a:spLocks noChangeArrowheads="1"/>
+          </p:cNvSpPr>
+          <p:nvPr/>
+        </p:nvSpPr>
+        <p:spPr bwMode="auto">
+          <a:xfrm>
+            <a:off x="2625725" y="6091238"/>
+            <a:ext cx="215900" cy="188912"/>
+          </a:xfrm>
+          <a:prstGeom prst="parallelogram">
+            <a:avLst>
+              <a:gd name="adj" fmla="val 28572"/>
+            </a:avLst>
+          </a:prstGeom>
+          <a:solidFill>
+            <a:schemeClr val="bg1"/>
+          </a:solidFill>
+          <a:ln w="9525">
+            <a:solidFill>
+              <a:srgbClr val="DDDDDD"/>
+            </a:solidFill>
+            <a:miter lim="800000"/>
+            <a:headEnd/>
+            <a:tailEnd/>
+          </a:ln>
+          <a:effectLst/>
+        </p:spPr>
+        <p:txBody>
+          <a:bodyPr wrap="none" anchor="ctr"/>
+          <a:lstStyle/>
+          <a:p>
+            <a:endParaRPr lang="ja-JP" altLang="en-US"/>
+          </a:p>
+        </p:txBody>
+      </p:sp>
+      <p:sp>
+        <p:nvSpPr>
+          <p:cNvPr id="1060" name="AutoShape 36"/>
+          <p:cNvSpPr>
+            <a:spLocks noChangeArrowheads="1"/>
+          </p:cNvSpPr>
+          <p:nvPr/>
+        </p:nvSpPr>
+        <p:spPr bwMode="auto">
+          <a:xfrm>
+            <a:off x="2843213" y="6091238"/>
+            <a:ext cx="215900" cy="188912"/>
+          </a:xfrm>
+          <a:prstGeom prst="parallelogram">
+            <a:avLst>
+              <a:gd name="adj" fmla="val 28572"/>
+            </a:avLst>
+          </a:prstGeom>
+          <a:solidFill>
+            <a:schemeClr val="bg1"/>
+          </a:solidFill>
+          <a:ln w="9525">
+            <a:solidFill>
+              <a:srgbClr val="DDDDDD"/>
+            </a:solidFill>
+            <a:miter lim="800000"/>
+            <a:headEnd/>
+            <a:tailEnd/>
+          </a:ln>
+          <a:effectLst/>
+        </p:spPr>
+        <p:txBody>
+          <a:bodyPr wrap="none" anchor="ctr"/>
+          <a:lstStyle/>
+          <a:p>
+            <a:endParaRPr lang="ja-JP" altLang="en-US"/>
+          </a:p>
+        </p:txBody>
+      </p:sp>
+      <p:sp>
+        <p:nvSpPr>
+          <p:cNvPr id="1061" name="AutoShape 37"/>
+          <p:cNvSpPr>
+            <a:spLocks noChangeArrowheads="1"/>
+          </p:cNvSpPr>
+          <p:nvPr/>
+        </p:nvSpPr>
+        <p:spPr bwMode="auto">
+          <a:xfrm>
+            <a:off x="3059113" y="6091238"/>
+            <a:ext cx="215900" cy="188912"/>
+          </a:xfrm>
+          <a:prstGeom prst="parallelogram">
+            <a:avLst>
+              <a:gd name="adj" fmla="val 28572"/>
+            </a:avLst>
+          </a:prstGeom>
+          <a:solidFill>
+            <a:schemeClr val="bg1"/>
+          </a:solidFill>
+          <a:ln w="9525">
+            <a:solidFill>
+              <a:srgbClr val="DDDDDD"/>
+            </a:solidFill>
+            <a:miter lim="800000"/>
+            <a:headEnd/>
+            <a:tailEnd/>
+          </a:ln>
+          <a:effectLst/>
+        </p:spPr>
+        <p:txBody>
+          <a:bodyPr wrap="none" anchor="ctr"/>
+          <a:lstStyle/>
+          <a:p>
+            <a:endParaRPr lang="ja-JP" altLang="en-US"/>
+          </a:p>
+        </p:txBody>
+      </p:sp>
+      <p:sp>
+        <p:nvSpPr>
+          <p:cNvPr id="1062" name="AutoShape 38"/>
+          <p:cNvSpPr>
+            <a:spLocks noChangeArrowheads="1"/>
+          </p:cNvSpPr>
+          <p:nvPr/>
+        </p:nvSpPr>
+        <p:spPr bwMode="auto">
+          <a:xfrm>
+            <a:off x="3275013" y="6091238"/>
+            <a:ext cx="215900" cy="188912"/>
+          </a:xfrm>
+          <a:prstGeom prst="parallelogram">
+            <a:avLst>
+              <a:gd name="adj" fmla="val 28572"/>
+            </a:avLst>
+          </a:prstGeom>
+          <a:solidFill>
+            <a:schemeClr val="bg1"/>
+          </a:solidFill>
+          <a:ln w="9525">
+            <a:solidFill>
+              <a:srgbClr val="DDDDDD"/>
+            </a:solidFill>
+            <a:miter lim="800000"/>
+            <a:headEnd/>
+            <a:tailEnd/>
+          </a:ln>
+          <a:effectLst/>
+        </p:spPr>
+        <p:txBody>
+          <a:bodyPr wrap="none" anchor="ctr"/>
+          <a:lstStyle/>
+          <a:p>
+            <a:endParaRPr lang="ja-JP" altLang="en-US"/>
+          </a:p>
+        </p:txBody>
+      </p:sp>
+      <p:sp>
+        <p:nvSpPr>
+          <p:cNvPr id="1063" name="AutoShape 39"/>
+          <p:cNvSpPr>
+            <a:spLocks noChangeArrowheads="1"/>
+          </p:cNvSpPr>
+          <p:nvPr/>
+        </p:nvSpPr>
+        <p:spPr bwMode="auto">
+          <a:xfrm>
+            <a:off x="3490913" y="6091238"/>
+            <a:ext cx="215900" cy="188912"/>
+          </a:xfrm>
+          <a:prstGeom prst="parallelogram">
+            <a:avLst>
+              <a:gd name="adj" fmla="val 28572"/>
+            </a:avLst>
+          </a:prstGeom>
+          <a:solidFill>
+            <a:schemeClr val="bg1"/>
+          </a:solidFill>
+          <a:ln w="9525">
+            <a:solidFill>
+              <a:srgbClr val="DDDDDD"/>
+            </a:solidFill>
+            <a:miter lim="800000"/>
+            <a:headEnd/>
+            <a:tailEnd/>
+          </a:ln>
+          <a:effectLst/>
+        </p:spPr>
+        <p:txBody>
+          <a:bodyPr wrap="none" anchor="ctr"/>
+          <a:lstStyle/>
+          <a:p>
+            <a:endParaRPr lang="ja-JP" altLang="en-US"/>
+          </a:p>
+        </p:txBody>
+      </p:sp>
+      <p:sp>
+        <p:nvSpPr>
+          <p:cNvPr id="1064" name="AutoShape 40"/>
+          <p:cNvSpPr>
+            <a:spLocks noChangeArrowheads="1"/>
+          </p:cNvSpPr>
+          <p:nvPr/>
+        </p:nvSpPr>
+        <p:spPr bwMode="auto">
+          <a:xfrm>
+            <a:off x="3706813" y="6091238"/>
+            <a:ext cx="215900" cy="188912"/>
+          </a:xfrm>
+          <a:prstGeom prst="parallelogram">
+            <a:avLst>
+              <a:gd name="adj" fmla="val 28572"/>
+            </a:avLst>
+          </a:prstGeom>
+          <a:solidFill>
+            <a:schemeClr val="bg1"/>
+          </a:solidFill>
+          <a:ln w="9525">
+            <a:solidFill>
+              <a:srgbClr val="DDDDDD"/>
+            </a:solidFill>
+            <a:miter lim="800000"/>
+            <a:headEnd/>
+            <a:tailEnd/>
+          </a:ln>
+          <a:effectLst/>
+        </p:spPr>
+        <p:txBody>
+          <a:bodyPr wrap="none" anchor="ctr"/>
+          <a:lstStyle/>
+          <a:p>
+            <a:endParaRPr lang="ja-JP" altLang="en-US"/>
+          </a:p>
+        </p:txBody>
+      </p:sp>
+      <p:sp>
+        <p:nvSpPr>
+          <p:cNvPr id="1065" name="AutoShape 41"/>
+          <p:cNvSpPr>
+            <a:spLocks noChangeArrowheads="1"/>
+          </p:cNvSpPr>
+          <p:nvPr/>
+        </p:nvSpPr>
+        <p:spPr bwMode="auto">
+          <a:xfrm>
+            <a:off x="3922713" y="6091238"/>
+            <a:ext cx="215900" cy="188912"/>
+          </a:xfrm>
+          <a:prstGeom prst="parallelogram">
+            <a:avLst>
+              <a:gd name="adj" fmla="val 28572"/>
+            </a:avLst>
+          </a:prstGeom>
+          <a:solidFill>
+            <a:schemeClr val="bg1"/>
+          </a:solidFill>
+          <a:ln w="9525">
+            <a:solidFill>
+              <a:srgbClr val="DDDDDD"/>
+            </a:solidFill>
+            <a:miter lim="800000"/>
+            <a:headEnd/>
+            <a:tailEnd/>
+          </a:ln>
+          <a:effectLst/>
+        </p:spPr>
+        <p:txBody>
+          <a:bodyPr wrap="none" anchor="ctr"/>
+          <a:lstStyle/>
+          <a:p>
+            <a:endParaRPr lang="ja-JP" altLang="en-US"/>
+          </a:p>
+        </p:txBody>
+      </p:sp>
+      <p:sp>
+        <p:nvSpPr>
+          <p:cNvPr id="1074" name="Line 50"/>
+          <p:cNvSpPr>
+            <a:spLocks noChangeShapeType="1"/>
+          </p:cNvSpPr>
+          <p:nvPr/>
+        </p:nvSpPr>
+        <p:spPr bwMode="auto">
+          <a:xfrm>
+            <a:off x="9034463" y="1985963"/>
+            <a:ext cx="0" cy="3313112"/>
+          </a:xfrm>
+          <a:prstGeom prst="line">
+            <a:avLst/>
+          </a:prstGeom>
+          <a:noFill/>
+          <a:ln w="9525">
+            <a:solidFill>
+              <a:srgbClr val="EAEAEA"/>
+            </a:solidFill>
+            <a:round/>
+            <a:headEnd/>
+            <a:tailEnd/>
+          </a:ln>
+          <a:effectLst/>
+        </p:spPr>
+        <p:txBody>
+          <a:bodyPr/>
+          <a:lstStyle/>
+          <a:p>
+            <a:endParaRPr lang="ja-JP" altLang="en-US"/>
+          </a:p>
+        </p:txBody>
+      </p:sp>
+      <p:sp>
+        <p:nvSpPr>
+          <p:cNvPr id="1075" name="Line 51"/>
+          <p:cNvSpPr>
+            <a:spLocks noChangeShapeType="1"/>
+          </p:cNvSpPr>
+          <p:nvPr/>
+        </p:nvSpPr>
+        <p:spPr bwMode="auto">
+          <a:xfrm>
+            <a:off x="8816975" y="2201863"/>
+            <a:ext cx="0" cy="3313112"/>
+          </a:xfrm>
+          <a:prstGeom prst="line">
+            <a:avLst/>
+          </a:prstGeom>
+          <a:noFill/>
+          <a:ln w="9525">
+            <a:solidFill>
+              <a:srgbClr val="EAEAEA"/>
+            </a:solidFill>
+            <a:round/>
+            <a:headEnd/>
+            <a:tailEnd/>
+          </a:ln>
+          <a:effectLst/>
+        </p:spPr>
+        <p:txBody>
+          <a:bodyPr/>
+          <a:lstStyle/>
+          <a:p>
+            <a:endParaRPr lang="ja-JP" altLang="en-US"/>
+          </a:p>
+        </p:txBody>
+      </p:sp>
+      <p:sp>
+        <p:nvSpPr>
+          <p:cNvPr id="1077" name="Line 53"/>
+          <p:cNvSpPr>
+            <a:spLocks noChangeShapeType="1"/>
+          </p:cNvSpPr>
+          <p:nvPr/>
+        </p:nvSpPr>
+        <p:spPr bwMode="auto">
+          <a:xfrm>
+            <a:off x="8961438" y="2274888"/>
+            <a:ext cx="73025" cy="0"/>
+          </a:xfrm>
+          <a:prstGeom prst="line">
+            <a:avLst/>
+          </a:prstGeom>
+          <a:noFill/>
+          <a:ln w="9525">
+            <a:solidFill>
+              <a:srgbClr val="EAEAEA"/>
+            </a:solidFill>
+            <a:round/>
+            <a:headEnd/>
+            <a:tailEnd/>
+          </a:ln>
+          <a:effectLst/>
+        </p:spPr>
+        <p:txBody>
+          <a:bodyPr/>
+          <a:lstStyle/>
+          <a:p>
+            <a:endParaRPr lang="ja-JP" altLang="en-US"/>
+          </a:p>
+        </p:txBody>
+      </p:sp>
+      <p:sp>
+        <p:nvSpPr>
+          <p:cNvPr id="1078" name="Line 54"/>
+          <p:cNvSpPr>
+            <a:spLocks noChangeShapeType="1"/>
+          </p:cNvSpPr>
+          <p:nvPr/>
+        </p:nvSpPr>
+        <p:spPr bwMode="auto">
+          <a:xfrm>
+            <a:off x="8961438" y="2706688"/>
+            <a:ext cx="73025" cy="0"/>
+          </a:xfrm>
+          <a:prstGeom prst="line">
+            <a:avLst/>
+          </a:prstGeom>
+          <a:noFill/>
+          <a:ln w="9525">
+            <a:solidFill>
+              <a:srgbClr val="EAEAEA"/>
+            </a:solidFill>
+            <a:round/>
+            <a:headEnd/>
+            <a:tailEnd/>
+          </a:ln>
+          <a:effectLst/>
+        </p:spPr>
+        <p:txBody>
+          <a:bodyPr/>
+          <a:lstStyle/>
+          <a:p>
+            <a:endParaRPr lang="ja-JP" altLang="en-US"/>
+          </a:p>
+        </p:txBody>
+      </p:sp>
+      <p:sp>
+        <p:nvSpPr>
+          <p:cNvPr id="1079" name="Line 55"/>
+          <p:cNvSpPr>
+            <a:spLocks noChangeShapeType="1"/>
+          </p:cNvSpPr>
+          <p:nvPr/>
+        </p:nvSpPr>
+        <p:spPr bwMode="auto">
+          <a:xfrm>
+            <a:off x="8961438" y="3138488"/>
+            <a:ext cx="73025" cy="0"/>
+          </a:xfrm>
+          <a:prstGeom prst="line">
+            <a:avLst/>
+          </a:prstGeom>
+          <a:noFill/>
+          <a:ln w="9525">
+            <a:solidFill>
+              <a:srgbClr val="EAEAEA"/>
+            </a:solidFill>
+            <a:round/>
+            <a:headEnd/>
+            <a:tailEnd/>
+          </a:ln>
+          <a:effectLst/>
+        </p:spPr>
+        <p:txBody>
+          <a:bodyPr/>
+          <a:lstStyle/>
+          <a:p>
+            <a:endParaRPr lang="ja-JP" altLang="en-US"/>
+          </a:p>
+        </p:txBody>
+      </p:sp>
+      <p:sp>
+        <p:nvSpPr>
+          <p:cNvPr id="1080" name="Line 56"/>
+          <p:cNvSpPr>
+            <a:spLocks noChangeShapeType="1"/>
+          </p:cNvSpPr>
+          <p:nvPr/>
+        </p:nvSpPr>
+        <p:spPr bwMode="auto">
+          <a:xfrm>
+            <a:off x="8961438" y="3570288"/>
+            <a:ext cx="73025" cy="0"/>
+          </a:xfrm>
+          <a:prstGeom prst="line">
+            <a:avLst/>
+          </a:prstGeom>
+          <a:noFill/>
+          <a:ln w="9525">
+            <a:solidFill>
+              <a:srgbClr val="EAEAEA"/>
+            </a:solidFill>
+            <a:round/>
+            <a:headEnd/>
+            <a:tailEnd/>
+          </a:ln>
+          <a:effectLst/>
+        </p:spPr>
+        <p:txBody>
+          <a:bodyPr/>
+          <a:lstStyle/>
+          <a:p>
+            <a:endParaRPr lang="ja-JP" altLang="en-US"/>
+          </a:p>
+        </p:txBody>
+      </p:sp>
+      <p:sp>
+        <p:nvSpPr>
+          <p:cNvPr id="1081" name="Line 57"/>
+          <p:cNvSpPr>
+            <a:spLocks noChangeShapeType="1"/>
+          </p:cNvSpPr>
+          <p:nvPr/>
+        </p:nvSpPr>
+        <p:spPr bwMode="auto">
+          <a:xfrm>
+            <a:off x="8961438" y="4002088"/>
+            <a:ext cx="73025" cy="0"/>
+          </a:xfrm>
+          <a:prstGeom prst="line">
+            <a:avLst/>
+          </a:prstGeom>
+          <a:noFill/>
+          <a:ln w="9525">
+            <a:solidFill>
+              <a:srgbClr val="EAEAEA"/>
+            </a:solidFill>
+            <a:round/>
+            <a:headEnd/>
+            <a:tailEnd/>
+          </a:ln>
+          <a:effectLst/>
+        </p:spPr>
+        <p:txBody>
+          <a:bodyPr/>
+          <a:lstStyle/>
+          <a:p>
+            <a:endParaRPr lang="ja-JP" altLang="en-US"/>
+          </a:p>
+        </p:txBody>
+      </p:sp>
+      <p:sp>
+        <p:nvSpPr>
+          <p:cNvPr id="1082" name="Line 58"/>
+          <p:cNvSpPr>
+            <a:spLocks noChangeShapeType="1"/>
+          </p:cNvSpPr>
+          <p:nvPr/>
+        </p:nvSpPr>
+        <p:spPr bwMode="auto">
+          <a:xfrm>
+            <a:off x="8961438" y="4435475"/>
+            <a:ext cx="73025" cy="0"/>
+          </a:xfrm>
+          <a:prstGeom prst="line">
+            <a:avLst/>
+          </a:prstGeom>
+          <a:noFill/>
+          <a:ln w="9525">
+            <a:solidFill>
+              <a:srgbClr val="EAEAEA"/>
+            </a:solidFill>
+            <a:round/>
+            <a:headEnd/>
+            <a:tailEnd/>
+          </a:ln>
+          <a:effectLst/>
+        </p:spPr>
+        <p:txBody>
+          <a:bodyPr/>
+          <a:lstStyle/>
+          <a:p>
+            <a:endParaRPr lang="ja-JP" altLang="en-US"/>
+          </a:p>
+        </p:txBody>
+      </p:sp>
+      <p:sp>
+        <p:nvSpPr>
+          <p:cNvPr id="1083" name="Line 59"/>
+          <p:cNvSpPr>
+            <a:spLocks noChangeShapeType="1"/>
+          </p:cNvSpPr>
+          <p:nvPr/>
+        </p:nvSpPr>
+        <p:spPr bwMode="auto">
+          <a:xfrm>
+            <a:off x="8961438" y="4867275"/>
+            <a:ext cx="73025" cy="0"/>
+          </a:xfrm>
+          <a:prstGeom prst="line">
+            <a:avLst/>
+          </a:prstGeom>
+          <a:noFill/>
+          <a:ln w="9525">
+            <a:solidFill>
+              <a:srgbClr val="EAEAEA"/>
+            </a:solidFill>
+            <a:round/>
+            <a:headEnd/>
+            <a:tailEnd/>
+          </a:ln>
+          <a:effectLst/>
+        </p:spPr>
+        <p:txBody>
+          <a:bodyPr/>
+          <a:lstStyle/>
+          <a:p>
+            <a:endParaRPr lang="ja-JP" altLang="en-US"/>
+          </a:p>
+        </p:txBody>
+      </p:sp>
+      <p:sp>
+        <p:nvSpPr>
+          <p:cNvPr id="1084" name="Line 60"/>
+          <p:cNvSpPr>
+            <a:spLocks noChangeShapeType="1"/>
+          </p:cNvSpPr>
+          <p:nvPr/>
+        </p:nvSpPr>
+        <p:spPr bwMode="auto">
+          <a:xfrm>
+            <a:off x="8961438" y="2490788"/>
+            <a:ext cx="73025" cy="0"/>
+          </a:xfrm>
+          <a:prstGeom prst="line">
+            <a:avLst/>
+          </a:prstGeom>
+          <a:noFill/>
+          <a:ln w="9525">
+            <a:solidFill>
+              <a:srgbClr val="EAEAEA"/>
+            </a:solidFill>
+            <a:round/>
+            <a:headEnd/>
+            <a:tailEnd/>
+          </a:ln>
+          <a:effectLst/>
+        </p:spPr>
+        <p:txBody>
+          <a:bodyPr/>
+          <a:lstStyle/>
+          <a:p>
+            <a:endParaRPr lang="ja-JP" altLang="en-US"/>
+          </a:p>
+        </p:txBody>
+      </p:sp>
+      <p:sp>
+        <p:nvSpPr>
+          <p:cNvPr id="1085" name="Line 61"/>
+          <p:cNvSpPr>
+            <a:spLocks noChangeShapeType="1"/>
+          </p:cNvSpPr>
+          <p:nvPr/>
+        </p:nvSpPr>
+        <p:spPr bwMode="auto">
+          <a:xfrm>
+            <a:off x="8961438" y="2922588"/>
+            <a:ext cx="73025" cy="0"/>
+          </a:xfrm>
+          <a:prstGeom prst="line">
+            <a:avLst/>
+          </a:prstGeom>
+          <a:noFill/>
+          <a:ln w="9525">
+            <a:solidFill>
+              <a:srgbClr val="EAEAEA"/>
+            </a:solidFill>
+            <a:round/>
+            <a:headEnd/>
+            <a:tailEnd/>
+          </a:ln>
+          <a:effectLst/>
+        </p:spPr>
+        <p:txBody>
+          <a:bodyPr/>
+          <a:lstStyle/>
+          <a:p>
+            <a:endParaRPr lang="ja-JP" altLang="en-US"/>
+          </a:p>
+        </p:txBody>
+      </p:sp>
+      <p:sp>
+        <p:nvSpPr>
+          <p:cNvPr id="1086" name="Line 62"/>
+          <p:cNvSpPr>
+            <a:spLocks noChangeShapeType="1"/>
+          </p:cNvSpPr>
+          <p:nvPr/>
+        </p:nvSpPr>
+        <p:spPr bwMode="auto">
+          <a:xfrm>
+            <a:off x="8961438" y="3354388"/>
+            <a:ext cx="73025" cy="0"/>
+          </a:xfrm>
+          <a:prstGeom prst="line">
+            <a:avLst/>
+          </a:prstGeom>
+          <a:noFill/>
+          <a:ln w="9525">
+            <a:solidFill>
+              <a:srgbClr val="EAEAEA"/>
+            </a:solidFill>
+            <a:round/>
+            <a:headEnd/>
+            <a:tailEnd/>
+          </a:ln>
+          <a:effectLst/>
+        </p:spPr>
+        <p:txBody>
+          <a:bodyPr/>
+          <a:lstStyle/>
+          <a:p>
+            <a:endParaRPr lang="ja-JP" altLang="en-US"/>
+          </a:p>
+        </p:txBody>
+      </p:sp>
+      <p:sp>
+        <p:nvSpPr>
+          <p:cNvPr id="1087" name="Line 63"/>
+          <p:cNvSpPr>
+            <a:spLocks noChangeShapeType="1"/>
+          </p:cNvSpPr>
+          <p:nvPr/>
+        </p:nvSpPr>
+        <p:spPr bwMode="auto">
+          <a:xfrm>
+            <a:off x="8961438" y="3786188"/>
+            <a:ext cx="73025" cy="0"/>
+          </a:xfrm>
+          <a:prstGeom prst="line">
+            <a:avLst/>
+          </a:prstGeom>
+          <a:noFill/>
+          <a:ln w="9525">
+            <a:solidFill>
+              <a:srgbClr val="EAEAEA"/>
+            </a:solidFill>
+            <a:round/>
+            <a:headEnd/>
+            <a:tailEnd/>
+          </a:ln>
+          <a:effectLst/>
+        </p:spPr>
+        <p:txBody>
+          <a:bodyPr/>
+          <a:lstStyle/>
+          <a:p>
+            <a:endParaRPr lang="ja-JP" altLang="en-US"/>
+          </a:p>
+        </p:txBody>
+      </p:sp>
+      <p:sp>
+        <p:nvSpPr>
+          <p:cNvPr id="1088" name="Line 64"/>
+          <p:cNvSpPr>
+            <a:spLocks noChangeShapeType="1"/>
+          </p:cNvSpPr>
+          <p:nvPr/>
+        </p:nvSpPr>
+        <p:spPr bwMode="auto">
+          <a:xfrm>
+            <a:off x="8961438" y="4217988"/>
+            <a:ext cx="73025" cy="0"/>
+          </a:xfrm>
+          <a:prstGeom prst="line">
+            <a:avLst/>
+          </a:prstGeom>
+          <a:noFill/>
+          <a:ln w="9525">
+            <a:solidFill>
+              <a:srgbClr val="EAEAEA"/>
+            </a:solidFill>
+            <a:round/>
+            <a:headEnd/>
+            <a:tailEnd/>
+          </a:ln>
+          <a:effectLst/>
+        </p:spPr>
+        <p:txBody>
+          <a:bodyPr/>
+          <a:lstStyle/>
+          <a:p>
+            <a:endParaRPr lang="ja-JP" altLang="en-US"/>
+          </a:p>
+        </p:txBody>
+      </p:sp>
+      <p:sp>
+        <p:nvSpPr>
+          <p:cNvPr id="1089" name="Line 65"/>
+          <p:cNvSpPr>
+            <a:spLocks noChangeShapeType="1"/>
+          </p:cNvSpPr>
+          <p:nvPr/>
+        </p:nvSpPr>
+        <p:spPr bwMode="auto">
+          <a:xfrm>
+            <a:off x="8961438" y="4651375"/>
+            <a:ext cx="73025" cy="0"/>
+          </a:xfrm>
+          <a:prstGeom prst="line">
+            <a:avLst/>
+          </a:prstGeom>
+          <a:noFill/>
+          <a:ln w="9525">
+            <a:solidFill>
+              <a:srgbClr val="EAEAEA"/>
+            </a:solidFill>
+            <a:round/>
+            <a:headEnd/>
+            <a:tailEnd/>
+          </a:ln>
+          <a:effectLst/>
+        </p:spPr>
+        <p:txBody>
+          <a:bodyPr/>
+          <a:lstStyle/>
+          <a:p>
+            <a:endParaRPr lang="ja-JP" altLang="en-US"/>
+          </a:p>
+        </p:txBody>
+      </p:sp>
+      <p:sp>
+        <p:nvSpPr>
+          <p:cNvPr id="1090" name="Line 66"/>
+          <p:cNvSpPr>
+            <a:spLocks noChangeShapeType="1"/>
+          </p:cNvSpPr>
+          <p:nvPr/>
+        </p:nvSpPr>
+        <p:spPr bwMode="auto">
+          <a:xfrm>
+            <a:off x="8816975" y="2346325"/>
+            <a:ext cx="144463" cy="0"/>
+          </a:xfrm>
+          <a:prstGeom prst="line">
+            <a:avLst/>
+          </a:prstGeom>
+          <a:noFill/>
+          <a:ln w="9525">
+            <a:solidFill>
+              <a:srgbClr val="EAEAEA"/>
+            </a:solidFill>
+            <a:round/>
+            <a:headEnd/>
+            <a:tailEnd/>
+          </a:ln>
+          <a:effectLst/>
+        </p:spPr>
+        <p:txBody>
+          <a:bodyPr/>
+          <a:lstStyle/>
+          <a:p>
+            <a:endParaRPr lang="ja-JP" altLang="en-US"/>
+          </a:p>
+        </p:txBody>
+      </p:sp>
+      <p:sp>
+        <p:nvSpPr>
+          <p:cNvPr id="1091" name="Line 67"/>
+          <p:cNvSpPr>
+            <a:spLocks noChangeShapeType="1"/>
+          </p:cNvSpPr>
+          <p:nvPr/>
+        </p:nvSpPr>
+        <p:spPr bwMode="auto">
+          <a:xfrm>
+            <a:off x="8816975" y="2778125"/>
+            <a:ext cx="144463" cy="0"/>
+          </a:xfrm>
+          <a:prstGeom prst="line">
+            <a:avLst/>
+          </a:prstGeom>
+          <a:noFill/>
+          <a:ln w="9525">
+            <a:solidFill>
+              <a:srgbClr val="EAEAEA"/>
+            </a:solidFill>
+            <a:round/>
+            <a:headEnd/>
+            <a:tailEnd/>
+          </a:ln>
+          <a:effectLst/>
+        </p:spPr>
+        <p:txBody>
+          <a:bodyPr/>
+          <a:lstStyle/>
+          <a:p>
+            <a:endParaRPr lang="ja-JP" altLang="en-US"/>
+          </a:p>
+        </p:txBody>
+      </p:sp>
+      <p:sp>
+        <p:nvSpPr>
+          <p:cNvPr id="1092" name="Line 68"/>
+          <p:cNvSpPr>
+            <a:spLocks noChangeShapeType="1"/>
+          </p:cNvSpPr>
+          <p:nvPr/>
+        </p:nvSpPr>
+        <p:spPr bwMode="auto">
+          <a:xfrm>
+            <a:off x="8816975" y="3209925"/>
+            <a:ext cx="144463" cy="0"/>
+          </a:xfrm>
+          <a:prstGeom prst="line">
+            <a:avLst/>
+          </a:prstGeom>
+          <a:noFill/>
+          <a:ln w="9525">
+            <a:solidFill>
+              <a:srgbClr val="EAEAEA"/>
+            </a:solidFill>
+            <a:round/>
+            <a:headEnd/>
+            <a:tailEnd/>
+          </a:ln>
+          <a:effectLst/>
+        </p:spPr>
+        <p:txBody>
+          <a:bodyPr/>
+          <a:lstStyle/>
+          <a:p>
+            <a:endParaRPr lang="ja-JP" altLang="en-US"/>
+          </a:p>
+        </p:txBody>
+      </p:sp>
+      <p:sp>
+        <p:nvSpPr>
+          <p:cNvPr id="1093" name="Line 69"/>
+          <p:cNvSpPr>
+            <a:spLocks noChangeShapeType="1"/>
+          </p:cNvSpPr>
+          <p:nvPr/>
+        </p:nvSpPr>
+        <p:spPr bwMode="auto">
+          <a:xfrm>
+            <a:off x="8816975" y="3643313"/>
+            <a:ext cx="144463" cy="0"/>
+          </a:xfrm>
+          <a:prstGeom prst="line">
+            <a:avLst/>
+          </a:prstGeom>
+          <a:noFill/>
+          <a:ln w="9525">
+            <a:solidFill>
+              <a:srgbClr val="EAEAEA"/>
+            </a:solidFill>
+            <a:round/>
+            <a:headEnd/>
+            <a:tailEnd/>
+          </a:ln>
+          <a:effectLst/>
+        </p:spPr>
+        <p:txBody>
+          <a:bodyPr/>
+          <a:lstStyle/>
+          <a:p>
+            <a:endParaRPr lang="ja-JP" altLang="en-US"/>
+          </a:p>
+        </p:txBody>
+      </p:sp>
+      <p:sp>
+        <p:nvSpPr>
+          <p:cNvPr id="1094" name="Line 70"/>
+          <p:cNvSpPr>
+            <a:spLocks noChangeShapeType="1"/>
+          </p:cNvSpPr>
+          <p:nvPr/>
+        </p:nvSpPr>
+        <p:spPr bwMode="auto">
+          <a:xfrm>
+            <a:off x="8816975" y="4075113"/>
+            <a:ext cx="144463" cy="0"/>
+          </a:xfrm>
+          <a:prstGeom prst="line">
+            <a:avLst/>
+          </a:prstGeom>
+          <a:noFill/>
+          <a:ln w="9525">
+            <a:solidFill>
+              <a:srgbClr val="EAEAEA"/>
+            </a:solidFill>
+            <a:round/>
+            <a:headEnd/>
+            <a:tailEnd/>
+          </a:ln>
+          <a:effectLst/>
+        </p:spPr>
+        <p:txBody>
+          <a:bodyPr/>
+          <a:lstStyle/>
+          <a:p>
+            <a:endParaRPr lang="ja-JP" altLang="en-US"/>
+          </a:p>
+        </p:txBody>
+      </p:sp>
+      <p:sp>
+        <p:nvSpPr>
+          <p:cNvPr id="1095" name="Line 71"/>
+          <p:cNvSpPr>
+            <a:spLocks noChangeShapeType="1"/>
+          </p:cNvSpPr>
+          <p:nvPr/>
+        </p:nvSpPr>
+        <p:spPr bwMode="auto">
+          <a:xfrm>
+            <a:off x="8816975" y="4506913"/>
+            <a:ext cx="144463" cy="0"/>
+          </a:xfrm>
+          <a:prstGeom prst="line">
+            <a:avLst/>
+          </a:prstGeom>
+          <a:noFill/>
+          <a:ln w="9525">
+            <a:solidFill>
+              <a:srgbClr val="EAEAEA"/>
+            </a:solidFill>
+            <a:round/>
+            <a:headEnd/>
+            <a:tailEnd/>
+          </a:ln>
+          <a:effectLst/>
+        </p:spPr>
+        <p:txBody>
+          <a:bodyPr/>
+          <a:lstStyle/>
+          <a:p>
+            <a:endParaRPr lang="ja-JP" altLang="en-US"/>
+          </a:p>
+        </p:txBody>
+      </p:sp>
+      <p:sp>
+        <p:nvSpPr>
+          <p:cNvPr id="1096" name="Line 72"/>
+          <p:cNvSpPr>
+            <a:spLocks noChangeShapeType="1"/>
+          </p:cNvSpPr>
+          <p:nvPr/>
+        </p:nvSpPr>
+        <p:spPr bwMode="auto">
+          <a:xfrm>
+            <a:off x="8816975" y="4938713"/>
+            <a:ext cx="144463" cy="0"/>
+          </a:xfrm>
+          <a:prstGeom prst="line">
+            <a:avLst/>
+          </a:prstGeom>
+          <a:noFill/>
+          <a:ln w="9525">
+            <a:solidFill>
+              <a:srgbClr val="EAEAEA"/>
+            </a:solidFill>
+            <a:round/>
+            <a:headEnd/>
+            <a:tailEnd/>
+          </a:ln>
+          <a:effectLst/>
+        </p:spPr>
+        <p:txBody>
+          <a:bodyPr/>
+          <a:lstStyle/>
+          <a:p>
+            <a:endParaRPr lang="ja-JP" altLang="en-US"/>
+          </a:p>
+        </p:txBody>
+      </p:sp>
+      <p:sp>
+        <p:nvSpPr>
+          <p:cNvPr id="1097" name="Line 73"/>
+          <p:cNvSpPr>
+            <a:spLocks noChangeShapeType="1"/>
+          </p:cNvSpPr>
+          <p:nvPr/>
+        </p:nvSpPr>
+        <p:spPr bwMode="auto">
+          <a:xfrm>
+            <a:off x="8961438" y="5083175"/>
+            <a:ext cx="73025" cy="0"/>
+          </a:xfrm>
+          <a:prstGeom prst="line">
+            <a:avLst/>
+          </a:prstGeom>
+          <a:noFill/>
+          <a:ln w="9525">
+            <a:solidFill>
+              <a:srgbClr val="EAEAEA"/>
+            </a:solidFill>
+            <a:round/>
+            <a:headEnd/>
+            <a:tailEnd/>
+          </a:ln>
+          <a:effectLst/>
+        </p:spPr>
+        <p:txBody>
+          <a:bodyPr/>
+          <a:lstStyle/>
+          <a:p>
+            <a:endParaRPr lang="ja-JP" altLang="en-US"/>
+          </a:p>
+        </p:txBody>
+      </p:sp>
+    </p:spTree>
+  </p:cSld>
+  <p:clrMap bg1="lt1" tx1="dk1" bg2="lt2" tx2="dk2" accent1="accent1" accent2="accent2" accent3="accent3" accent4="accent4" accent5="accent5" accent6="accent6" hlink="hlink" folHlink="folHlink"/>
+  <p:sldLayoutIdLst>
+    <p:sldLayoutId id="2147483664" r:id="rId1"/>
+    <p:sldLayoutId id="2147483665" r:id="rId2"/>
+    <p:sldLayoutId id="2147483669" r:id="rId3"/>
+    <p:sldLayoutId id="2147483670" r:id="rId4"/>
+    <p:sldLayoutId id="2147483671" r:id="rId5"/>
+    <p:sldLayoutId id="2147483672" r:id="rId6"/>
+    <p:sldLayoutId id="2147483673" r:id="rId7"/>
+    <p:sldLayoutId id="2147483674" r:id="rId8"/>
+    <p:sldLayoutId id="2147483675" r:id="rId9"/>
+    <p:sldLayoutId id="2147483676" r:id="rId10"/>
+    <p:sldLayoutId id="2147483677" r:id="rId11"/>
+  </p:sldLayoutIdLst>
+  <p:txStyles>
+    <p:titleStyle>
+      <a:lvl1pPr algn="l" rtl="0" eaLnBrk="1" fontAlgn="base" hangingPunct="1">
+        <a:spcBef>
+          <a:spcPct val="0"/>
+        </a:spcBef>
+        <a:spcAft>
+          <a:spcPct val="0"/>
+        </a:spcAft>
+        <a:defRPr kumimoji="1" sz="4400">
+          <a:solidFill>
+            <a:schemeClr val="tx2"/>
+          </a:solidFill>
+          <a:latin typeface="+mj-lt"/>
+          <a:ea typeface="+mj-ea"/>
+          <a:cs typeface="+mj-cs"/>
+        </a:defRPr>
+      </a:lvl1pPr>
+      <a:lvl2pPr algn="l" rtl="0" eaLnBrk="1" fontAlgn="base" hangingPunct="1">
+        <a:spcBef>
+          <a:spcPct val="0"/>
+        </a:spcBef>
+        <a:spcAft>
+          <a:spcPct val="0"/>
+        </a:spcAft>
+        <a:defRPr kumimoji="1" sz="4400">
+          <a:solidFill>
+            <a:schemeClr val="tx2"/>
+          </a:solidFill>
+          <a:latin typeface="Arial" charset="0"/>
+          <a:ea typeface="ＭＳ Ｐゴシック" charset="-128"/>
+        </a:defRPr>
+      </a:lvl2pPr>
+      <a:lvl3pPr algn="l" rtl="0" eaLnBrk="1" fontAlgn="base" hangingPunct="1">
+        <a:spcBef>
+          <a:spcPct val="0"/>
+        </a:spcBef>
+        <a:spcAft>
+          <a:spcPct val="0"/>
+        </a:spcAft>
+        <a:defRPr kumimoji="1" sz="4400">
+          <a:solidFill>
+            <a:schemeClr val="tx2"/>
+          </a:solidFill>
+          <a:latin typeface="Arial" charset="0"/>
+          <a:ea typeface="ＭＳ Ｐゴシック" charset="-128"/>
+        </a:defRPr>
+      </a:lvl3pPr>
+      <a:lvl4pPr algn="l" rtl="0" eaLnBrk="1" fontAlgn="base" hangingPunct="1">
+        <a:spcBef>
+          <a:spcPct val="0"/>
+        </a:spcBef>
+        <a:spcAft>
+          <a:spcPct val="0"/>
+        </a:spcAft>
+        <a:defRPr kumimoji="1" sz="4400">
+          <a:solidFill>
+            <a:schemeClr val="tx2"/>
+          </a:solidFill>
+          <a:latin typeface="Arial" charset="0"/>
+          <a:ea typeface="ＭＳ Ｐゴシック" charset="-128"/>
+        </a:defRPr>
+      </a:lvl4pPr>
+      <a:lvl5pPr algn="l" rtl="0" eaLnBrk="1" fontAlgn="base" hangingPunct="1">
+        <a:spcBef>
+          <a:spcPct val="0"/>
+        </a:spcBef>
+        <a:spcAft>
+          <a:spcPct val="0"/>
+        </a:spcAft>
+        <a:defRPr kumimoji="1" sz="4400">
+          <a:solidFill>
+            <a:schemeClr val="tx2"/>
+          </a:solidFill>
+          <a:latin typeface="Arial" charset="0"/>
+          <a:ea typeface="ＭＳ Ｐゴシック" charset="-128"/>
+        </a:defRPr>
+      </a:lvl5pPr>
+      <a:lvl6pPr marL="457200" algn="l" rtl="0" eaLnBrk="1" fontAlgn="base" hangingPunct="1">
+        <a:spcBef>
+          <a:spcPct val="0"/>
+        </a:spcBef>
+        <a:spcAft>
+          <a:spcPct val="0"/>
+        </a:spcAft>
+        <a:defRPr kumimoji="1" sz="4400">
+          <a:solidFill>
+            <a:schemeClr val="tx2"/>
+          </a:solidFill>
+          <a:latin typeface="Arial" charset="0"/>
+          <a:ea typeface="ＭＳ Ｐゴシック" charset="-128"/>
+        </a:defRPr>
+      </a:lvl6pPr>
+      <a:lvl7pPr marL="914400" algn="l" rtl="0" eaLnBrk="1" fontAlgn="base" hangingPunct="1">
+        <a:spcBef>
+          <a:spcPct val="0"/>
+        </a:spcBef>
+        <a:spcAft>
+          <a:spcPct val="0"/>
+        </a:spcAft>
+        <a:defRPr kumimoji="1" sz="4400">
+          <a:solidFill>
+            <a:schemeClr val="tx2"/>
+          </a:solidFill>
+          <a:latin typeface="Arial" charset="0"/>
+          <a:ea typeface="ＭＳ Ｐゴシック" charset="-128"/>
+        </a:defRPr>
+      </a:lvl7pPr>
+      <a:lvl8pPr marL="1371600" algn="l" rtl="0" eaLnBrk="1" fontAlgn="base" hangingPunct="1">
+        <a:spcBef>
+          <a:spcPct val="0"/>
+        </a:spcBef>
+        <a:spcAft>
+          <a:spcPct val="0"/>
+        </a:spcAft>
+        <a:defRPr kumimoji="1" sz="4400">
+          <a:solidFill>
+            <a:schemeClr val="tx2"/>
+          </a:solidFill>
+          <a:latin typeface="Arial" charset="0"/>
+          <a:ea typeface="ＭＳ Ｐゴシック" charset="-128"/>
+        </a:defRPr>
+      </a:lvl8pPr>
+      <a:lvl9pPr marL="1828800" algn="l" rtl="0" eaLnBrk="1" fontAlgn="base" hangingPunct="1">
+        <a:spcBef>
+          <a:spcPct val="0"/>
+        </a:spcBef>
+        <a:spcAft>
+          <a:spcPct val="0"/>
+        </a:spcAft>
+        <a:defRPr kumimoji="1" sz="4400">
+          <a:solidFill>
+            <a:schemeClr val="tx2"/>
+          </a:solidFill>
+          <a:latin typeface="Arial" charset="0"/>
+          <a:ea typeface="ＭＳ Ｐゴシック" charset="-128"/>
+        </a:defRPr>
+      </a:lvl9pPr>
+    </p:titleStyle>
+    <p:bodyStyle>
+      <a:lvl1pPr marL="342900" indent="-342900" algn="l" rtl="0" eaLnBrk="1" fontAlgn="base" hangingPunct="1">
+        <a:spcBef>
+          <a:spcPct val="20000"/>
+        </a:spcBef>
+        <a:spcAft>
+          <a:spcPct val="0"/>
+        </a:spcAft>
+        <a:buChar char="•"/>
+        <a:defRPr kumimoji="1" sz="2000">
+          <a:solidFill>
+            <a:schemeClr val="tx1"/>
+          </a:solidFill>
+          <a:latin typeface="+mn-lt"/>
+          <a:ea typeface="+mn-ea"/>
+          <a:cs typeface="+mn-cs"/>
+        </a:defRPr>
+      </a:lvl1pPr>
+      <a:lvl2pPr marL="742950" indent="-285750" algn="l" rtl="0" eaLnBrk="1" fontAlgn="base" hangingPunct="1">
+        <a:spcBef>
+          <a:spcPct val="20000"/>
+        </a:spcBef>
+        <a:spcAft>
+          <a:spcPct val="0"/>
+        </a:spcAft>
+        <a:buChar char="–"/>
+        <a:defRPr kumimoji="1" sz="1800">
+          <a:solidFill>
+            <a:schemeClr val="tx1"/>
+          </a:solidFill>
+          <a:latin typeface="+mn-lt"/>
+          <a:ea typeface="+mn-ea"/>
+        </a:defRPr>
+      </a:lvl2pPr>
+      <a:lvl3pPr marL="1143000" indent="-228600" algn="l" rtl="0" eaLnBrk="1" fontAlgn="base" hangingPunct="1">
+        <a:spcBef>
+          <a:spcPct val="20000"/>
+        </a:spcBef>
+        <a:spcAft>
+          <a:spcPct val="0"/>
+        </a:spcAft>
+        <a:buChar char="•"/>
+        <a:defRPr kumimoji="1" sz="1800">
+          <a:solidFill>
+            <a:schemeClr val="tx1"/>
+          </a:solidFill>
+          <a:latin typeface="+mn-lt"/>
+          <a:ea typeface="+mn-ea"/>
+        </a:defRPr>
+      </a:lvl3pPr>
+      <a:lvl4pPr marL="1600200" indent="-228600" algn="l" rtl="0" eaLnBrk="1" fontAlgn="base" hangingPunct="1">
+        <a:spcBef>
+          <a:spcPct val="20000"/>
+        </a:spcBef>
+        <a:spcAft>
+          <a:spcPct val="0"/>
+        </a:spcAft>
+        <a:buChar char="–"/>
+        <a:defRPr kumimoji="1" sz="1800">
+          <a:solidFill>
+            <a:schemeClr val="tx1"/>
+          </a:solidFill>
+          <a:latin typeface="+mn-lt"/>
+          <a:ea typeface="+mn-ea"/>
+        </a:defRPr>
+      </a:lvl4pPr>
+      <a:lvl5pPr marL="2057400" indent="-228600" algn="l" rtl="0" eaLnBrk="1" fontAlgn="base" hangingPunct="1">
+        <a:spcBef>
+          <a:spcPct val="20000"/>
+        </a:spcBef>
+        <a:spcAft>
+          <a:spcPct val="0"/>
+        </a:spcAft>
+        <a:buChar char="»"/>
+        <a:defRPr kumimoji="1" sz="1800">
           <a:solidFill>
             <a:schemeClr val="tx1"/>
           </a:solidFill>
@@ -7942,7 +15059,12 @@
             <p:ph type="subTitle" idx="1"/>
           </p:nvPr>
         </p:nvSpPr>
-        <p:spPr/>
+        <p:spPr>
+          <a:xfrm>
+            <a:off x="2357422" y="3908425"/>
+            <a:ext cx="6383353" cy="1806591"/>
+          </a:xfrm>
+        </p:spPr>
         <p:txBody>
           <a:bodyPr/>
           <a:lstStyle/>
@@ -7973,11 +15095,7 @@
             </a:r>
             <a:r>
               <a:rPr lang="ja-JP" altLang="en-US" dirty="0" smtClean="0"/>
-              <a:t> </a:t>
-            </a:r>
-            <a:r>
-              <a:rPr lang="ja-JP" altLang="en-US" dirty="0" smtClean="0"/>
-              <a:t>発表</a:t>
+              <a:t> 発表</a:t>
             </a:r>
             <a:r>
               <a:rPr lang="en-US" altLang="ja-JP" dirty="0" smtClean="0"/>
@@ -8031,8 +15149,10 @@
             </a:r>
             <a:r>
               <a:rPr lang="en-US" altLang="ja-JP" dirty="0" smtClean="0"/>
-              <a:t>) </a:t>
-            </a:r>
+              <a:t>)</a:t>
+            </a:r>
+          </a:p>
+          <a:p>
             <a:r>
               <a:rPr lang="ja-JP" altLang="en-US" dirty="0" smtClean="0"/>
               <a:t>秋葉</a:t>
@@ -8044,6 +15164,22 @@
             <a:r>
               <a:rPr lang="en-US" altLang="ja-JP" dirty="0" err="1" smtClean="0"/>
               <a:t>iwi</a:t>
+            </a:r>
+            <a:r>
+              <a:rPr lang="en-US" altLang="ja-JP" dirty="0" smtClean="0"/>
+              <a:t>) </a:t>
+            </a:r>
+            <a:r>
+              <a:rPr lang="ja-JP" altLang="en-US" dirty="0" smtClean="0"/>
+              <a:t>太田</a:t>
+            </a:r>
+            <a:r>
+              <a:rPr lang="en-US" altLang="ja-JP" dirty="0" smtClean="0"/>
+              <a:t>(</a:t>
+            </a:r>
+            <a:r>
+              <a:rPr lang="en-US" altLang="ja-JP" dirty="0" err="1" smtClean="0"/>
+              <a:t>hota</a:t>
             </a:r>
             <a:r>
               <a:rPr lang="en-US" altLang="ja-JP" dirty="0" smtClean="0"/>
@@ -8123,7 +15259,79 @@
           <a:bodyPr/>
           <a:lstStyle/>
           <a:p>
-            <a:endParaRPr kumimoji="1" lang="ja-JP" altLang="en-US" dirty="0"/>
+            <a:r>
+              <a:rPr kumimoji="1" lang="en-US" altLang="ja-JP" dirty="0" smtClean="0"/>
+              <a:t>CPU</a:t>
+            </a:r>
+          </a:p>
+          <a:p>
+            <a:pPr lvl="1"/>
+            <a:r>
+              <a:rPr lang="ja-JP" altLang="en-US" dirty="0" smtClean="0"/>
+              <a:t>レイトレ動かす</a:t>
+            </a:r>
+            <a:endParaRPr lang="en-US" altLang="ja-JP" dirty="0" smtClean="0"/>
+          </a:p>
+          <a:p>
+            <a:r>
+              <a:rPr lang="ja-JP" altLang="en-US" dirty="0" smtClean="0"/>
+              <a:t>コンパイラ</a:t>
+            </a:r>
+            <a:endParaRPr lang="en-US" altLang="ja-JP" dirty="0" smtClean="0"/>
+          </a:p>
+          <a:p>
+            <a:pPr lvl="1"/>
+            <a:r>
+              <a:rPr lang="ja-JP" altLang="en-US" dirty="0" smtClean="0"/>
+              <a:t>最適化しまくる</a:t>
+            </a:r>
+            <a:endParaRPr lang="en-US" altLang="ja-JP" dirty="0" smtClean="0"/>
+          </a:p>
+          <a:p>
+            <a:r>
+              <a:rPr lang="ja-JP" altLang="en-US" dirty="0" smtClean="0"/>
+              <a:t>シミュレータ</a:t>
+            </a:r>
+            <a:endParaRPr lang="en-US" altLang="ja-JP" dirty="0" smtClean="0"/>
+          </a:p>
+          <a:p>
+            <a:pPr lvl="1"/>
+            <a:r>
+              <a:rPr lang="ja-JP" altLang="en-US" dirty="0" smtClean="0"/>
+              <a:t>いい加減</a:t>
+            </a:r>
+            <a:r>
+              <a:rPr lang="en-US" altLang="ja-JP" dirty="0" smtClean="0"/>
+              <a:t>FPU</a:t>
+            </a:r>
+            <a:r>
+              <a:rPr lang="ja-JP" altLang="en-US" dirty="0" smtClean="0"/>
+              <a:t>のシミュレーションをする</a:t>
+            </a:r>
+            <a:endParaRPr lang="en-US" altLang="ja-JP" dirty="0" smtClean="0"/>
+          </a:p>
+          <a:p>
+            <a:r>
+              <a:rPr lang="ja-JP" altLang="en-US" dirty="0" smtClean="0"/>
+              <a:t>基盤</a:t>
+            </a:r>
+            <a:endParaRPr lang="en-US" altLang="ja-JP" dirty="0" smtClean="0"/>
+          </a:p>
+          <a:p>
+            <a:pPr lvl="1"/>
+            <a:r>
+              <a:rPr lang="ja-JP" altLang="en-US" dirty="0" smtClean="0"/>
+              <a:t>新基盤で</a:t>
+            </a:r>
+            <a:r>
+              <a:rPr lang="en-US" altLang="ja-JP" dirty="0" smtClean="0"/>
+              <a:t>SRAM</a:t>
+            </a:r>
+            <a:r>
+              <a:rPr lang="ja-JP" altLang="en-US" dirty="0" smtClean="0"/>
+              <a:t>を動かす</a:t>
+            </a:r>
+            <a:endParaRPr lang="en-US" altLang="ja-JP" dirty="0" smtClean="0"/>
           </a:p>
         </p:txBody>
       </p:sp>
@@ -8176,7 +15384,11 @@
           <a:p>
             <a:r>
               <a:rPr kumimoji="1" lang="ja-JP" altLang="en-US" dirty="0" smtClean="0"/>
-              <a:t>今週までの進捗</a:t>
+              <a:t>今週までの進捗 </a:t>
+            </a:r>
+            <a:r>
+              <a:rPr kumimoji="1" lang="en-US" altLang="ja-JP" dirty="0" smtClean="0"/>
+              <a:t>(1)</a:t>
             </a:r>
             <a:endParaRPr kumimoji="1" lang="ja-JP" altLang="en-US" dirty="0"/>
           </a:p>
@@ -8197,7 +15409,101 @@
           <a:bodyPr/>
           <a:lstStyle/>
           <a:p>
-            <a:endParaRPr kumimoji="1" lang="ja-JP" altLang="en-US"/>
+            <a:r>
+              <a:rPr kumimoji="1" lang="en-US" altLang="ja-JP" dirty="0" smtClean="0"/>
+              <a:t>CPU</a:t>
+            </a:r>
+          </a:p>
+          <a:p>
+            <a:pPr lvl="1"/>
+            <a:r>
+              <a:rPr lang="en-US" altLang="ja-JP" dirty="0" smtClean="0"/>
+              <a:t>FPU</a:t>
+            </a:r>
+            <a:r>
+              <a:rPr lang="ja-JP" altLang="en-US" dirty="0" smtClean="0"/>
+              <a:t>の単体テストが全部通った</a:t>
+            </a:r>
+            <a:endParaRPr kumimoji="1" lang="en-US" altLang="ja-JP" dirty="0" smtClean="0"/>
+          </a:p>
+          <a:p>
+            <a:r>
+              <a:rPr kumimoji="1" lang="ja-JP" altLang="en-US" dirty="0" smtClean="0"/>
+              <a:t>コンパイラ</a:t>
+            </a:r>
+            <a:endParaRPr kumimoji="1" lang="en-US" altLang="ja-JP" dirty="0" smtClean="0"/>
+          </a:p>
+          <a:p>
+            <a:pPr lvl="1"/>
+            <a:r>
+              <a:rPr lang="ja-JP" altLang="en-US" dirty="0" smtClean="0"/>
+              <a:t>なんか進んだ</a:t>
+            </a:r>
+            <a:endParaRPr lang="en-US" altLang="ja-JP" dirty="0" smtClean="0"/>
+          </a:p>
+          <a:p>
+            <a:r>
+              <a:rPr lang="ja-JP" altLang="en-US" dirty="0" smtClean="0"/>
+              <a:t>シミュレータ</a:t>
+            </a:r>
+            <a:endParaRPr lang="en-US" altLang="ja-JP" dirty="0" smtClean="0"/>
+          </a:p>
+          <a:p>
+            <a:pPr lvl="1"/>
+            <a:r>
+              <a:rPr lang="en-US" altLang="ja-JP" dirty="0" smtClean="0"/>
+              <a:t>FPU</a:t>
+            </a:r>
+            <a:r>
+              <a:rPr lang="ja-JP" altLang="en-US" dirty="0" smtClean="0"/>
+              <a:t>のシミュレーションが</a:t>
+            </a:r>
+            <a:r>
+              <a:rPr lang="ja-JP" altLang="en-US" dirty="0" err="1" smtClean="0"/>
+              <a:t>できたっぽい</a:t>
+            </a:r>
+            <a:endParaRPr lang="en-US" altLang="ja-JP" dirty="0" smtClean="0"/>
+          </a:p>
+          <a:p>
+            <a:r>
+              <a:rPr lang="ja-JP" altLang="en-US" dirty="0" smtClean="0"/>
+              <a:t>基盤</a:t>
+            </a:r>
+            <a:endParaRPr lang="en-US" altLang="ja-JP" dirty="0" smtClean="0"/>
+          </a:p>
+          <a:p>
+            <a:pPr lvl="1"/>
+            <a:r>
+              <a:rPr lang="en-US" altLang="ja-JP" dirty="0" smtClean="0"/>
+              <a:t>SRAM</a:t>
+            </a:r>
+            <a:r>
+              <a:rPr lang="ja-JP" altLang="en-US" dirty="0" smtClean="0"/>
+              <a:t>が動いたような気がする</a:t>
+            </a:r>
+            <a:endParaRPr lang="en-US" altLang="ja-JP" dirty="0" smtClean="0"/>
+          </a:p>
+          <a:p>
+            <a:pPr lvl="1"/>
+            <a:r>
+              <a:rPr lang="ja-JP" altLang="en-US" dirty="0" smtClean="0"/>
+              <a:t>シミュレーションと実機での動作が一致</a:t>
+            </a:r>
+            <a:endParaRPr lang="en-US" altLang="ja-JP" dirty="0" smtClean="0"/>
+          </a:p>
+          <a:p>
+            <a:pPr lvl="1">
+              <a:buNone/>
+            </a:pPr>
+            <a:r>
+              <a:rPr lang="en-US" altLang="ja-JP" dirty="0" smtClean="0"/>
+              <a:t>	</a:t>
+            </a:r>
+            <a:r>
+              <a:rPr lang="ja-JP" altLang="en-US" dirty="0" smtClean="0"/>
+              <a:t>してなさそうなパターンが？</a:t>
+            </a:r>
+            <a:endParaRPr lang="en-US" altLang="ja-JP" dirty="0" smtClean="0"/>
           </a:p>
         </p:txBody>
       </p:sp>
@@ -8213,6 +15519,433 @@
       </p:par>
     </p:tnLst>
   </p:timing>
+</p:sld>
+</file>
+
+<file path=ppt/slides/slide4.xml><?xml version="1.0" encoding="utf-8"?>
+<p:sld xmlns:a="http://schemas.openxmlformats.org/drawingml/2006/main" xmlns:r="http://schemas.openxmlformats.org/officeDocument/2006/relationships" xmlns:p="http://schemas.openxmlformats.org/presentationml/2006/main">
+  <p:cSld>
+    <p:spTree>
+      <p:nvGrpSpPr>
+        <p:cNvPr id="1" name=""/>
+        <p:cNvGrpSpPr/>
+        <p:nvPr/>
+      </p:nvGrpSpPr>
+      <p:grpSpPr>
+        <a:xfrm>
+          <a:off x="0" y="0"/>
+          <a:ext cx="0" cy="0"/>
+          <a:chOff x="0" y="0"/>
+          <a:chExt cx="0" cy="0"/>
+        </a:xfrm>
+      </p:grpSpPr>
+      <p:sp>
+        <p:nvSpPr>
+          <p:cNvPr id="2" name="タイトル 1"/>
+          <p:cNvSpPr>
+            <a:spLocks noGrp="1"/>
+          </p:cNvSpPr>
+          <p:nvPr>
+            <p:ph type="title"/>
+          </p:nvPr>
+        </p:nvSpPr>
+        <p:spPr/>
+        <p:txBody>
+          <a:bodyPr/>
+          <a:lstStyle/>
+          <a:p>
+            <a:r>
+              <a:rPr kumimoji="1" lang="ja-JP" altLang="en-US" dirty="0" smtClean="0"/>
+              <a:t>今週までの進捗 </a:t>
+            </a:r>
+            <a:r>
+              <a:rPr lang="en-US" altLang="ja-JP" dirty="0" smtClean="0"/>
+              <a:t>(2)</a:t>
+            </a:r>
+            <a:endParaRPr kumimoji="1" lang="ja-JP" altLang="en-US" dirty="0"/>
+          </a:p>
+        </p:txBody>
+      </p:sp>
+      <p:sp>
+        <p:nvSpPr>
+          <p:cNvPr id="3" name="コンテンツ プレースホルダ 2"/>
+          <p:cNvSpPr>
+            <a:spLocks noGrp="1"/>
+          </p:cNvSpPr>
+          <p:nvPr>
+            <p:ph idx="1"/>
+          </p:nvPr>
+        </p:nvSpPr>
+        <p:spPr/>
+        <p:txBody>
+          <a:bodyPr/>
+          <a:lstStyle/>
+          <a:p>
+            <a:r>
+              <a:rPr kumimoji="1" lang="en-US" altLang="ja-JP" dirty="0" err="1" smtClean="0"/>
+              <a:t>Scala</a:t>
+            </a:r>
+            <a:r>
+              <a:rPr kumimoji="1" lang="en-US" altLang="ja-JP" dirty="0" smtClean="0"/>
+              <a:t> </a:t>
+            </a:r>
+            <a:r>
+              <a:rPr kumimoji="1" lang="ja-JP" altLang="en-US" dirty="0" smtClean="0"/>
+              <a:t>たんで書いてみた</a:t>
+            </a:r>
+            <a:r>
+              <a:rPr kumimoji="1" lang="ja-JP" altLang="en-US" dirty="0" err="1" smtClean="0"/>
+              <a:t>お</a:t>
+            </a:r>
+            <a:r>
+              <a:rPr kumimoji="1" lang="ja-JP" altLang="en-US" dirty="0" smtClean="0"/>
+              <a:t>！</a:t>
+            </a:r>
+            <a:endParaRPr lang="en-US" altLang="ja-JP" dirty="0" smtClean="0"/>
+          </a:p>
+          <a:p>
+            <a:pPr lvl="1"/>
+            <a:r>
+              <a:rPr kumimoji="1" lang="ja-JP" altLang="en-US" dirty="0" smtClean="0"/>
+              <a:t>パズルゲームのソルバーです </a:t>
+            </a:r>
+            <a:r>
+              <a:rPr lang="en-US" altLang="ja-JP" dirty="0" smtClean="0"/>
+              <a:t>(</a:t>
+            </a:r>
+            <a:r>
+              <a:rPr lang="en-US" altLang="ja-JP" dirty="0" err="1" smtClean="0"/>
+              <a:t>iwi</a:t>
+            </a:r>
+            <a:r>
+              <a:rPr lang="en-US" altLang="ja-JP" dirty="0" smtClean="0"/>
+              <a:t>)</a:t>
+            </a:r>
+            <a:endParaRPr kumimoji="1" lang="en-US" altLang="ja-JP" dirty="0" smtClean="0"/>
+          </a:p>
+          <a:p>
+            <a:r>
+              <a:rPr kumimoji="1" lang="ja-JP" altLang="en-US" dirty="0" smtClean="0"/>
+              <a:t>駒場祭お疲れ様でした</a:t>
+            </a:r>
+            <a:r>
+              <a:rPr kumimoji="1" lang="ja-JP" altLang="en-US" dirty="0" err="1" smtClean="0"/>
+              <a:t>お</a:t>
+            </a:r>
+            <a:r>
+              <a:rPr kumimoji="1" lang="ja-JP" altLang="en-US" dirty="0" smtClean="0"/>
+              <a:t>！</a:t>
+            </a:r>
+            <a:endParaRPr kumimoji="1" lang="en-US" altLang="ja-JP" dirty="0" smtClean="0"/>
+          </a:p>
+          <a:p>
+            <a:r>
+              <a:rPr kumimoji="1" lang="ja-JP" altLang="en-US" dirty="0" smtClean="0"/>
+              <a:t>スライドのテンプレつくった</a:t>
+            </a:r>
+            <a:r>
+              <a:rPr kumimoji="1" lang="ja-JP" altLang="en-US" dirty="0" err="1" smtClean="0"/>
+              <a:t>お</a:t>
+            </a:r>
+            <a:r>
+              <a:rPr kumimoji="1" lang="ja-JP" altLang="en-US" dirty="0" smtClean="0"/>
+              <a:t>！</a:t>
+            </a:r>
+            <a:endParaRPr kumimoji="1" lang="en-US" altLang="ja-JP" dirty="0" smtClean="0"/>
+          </a:p>
+          <a:p>
+            <a:r>
+              <a:rPr kumimoji="1" lang="en-US" altLang="ja-JP" dirty="0" smtClean="0"/>
+              <a:t>min-</a:t>
+            </a:r>
+            <a:r>
+              <a:rPr kumimoji="1" lang="en-US" altLang="ja-JP" dirty="0" err="1" smtClean="0"/>
+              <a:t>rt</a:t>
+            </a:r>
+            <a:r>
+              <a:rPr kumimoji="1" lang="en-US" altLang="ja-JP" dirty="0" smtClean="0"/>
+              <a:t> </a:t>
+            </a:r>
+            <a:r>
+              <a:rPr kumimoji="1" lang="ja-JP" altLang="en-US" dirty="0" smtClean="0"/>
+              <a:t>を読もうとして挫折した</a:t>
+            </a:r>
+            <a:r>
+              <a:rPr kumimoji="1" lang="ja-JP" altLang="en-US" dirty="0" err="1" smtClean="0"/>
+              <a:t>お</a:t>
+            </a:r>
+            <a:r>
+              <a:rPr kumimoji="1" lang="ja-JP" altLang="en-US" dirty="0" smtClean="0"/>
+              <a:t>！</a:t>
+            </a:r>
+            <a:endParaRPr kumimoji="1" lang="en-US" altLang="ja-JP" dirty="0" smtClean="0"/>
+          </a:p>
+          <a:p>
+            <a:r>
+              <a:rPr lang="ja-JP" altLang="en-US" dirty="0" smtClean="0"/>
+              <a:t>命令数減らないよ～</a:t>
+            </a:r>
+            <a:endParaRPr kumimoji="1" lang="en-US" altLang="ja-JP" dirty="0" smtClean="0"/>
+          </a:p>
+          <a:p>
+            <a:endParaRPr kumimoji="1" lang="ja-JP" altLang="en-US" dirty="0"/>
+          </a:p>
+        </p:txBody>
+      </p:sp>
+    </p:spTree>
+  </p:cSld>
+  <p:clrMapOvr>
+    <a:masterClrMapping/>
+  </p:clrMapOvr>
+  <p:timing>
+    <p:tnLst>
+      <p:par>
+        <p:cTn id="1" dur="indefinite" restart="never" nodeType="tmRoot"/>
+      </p:par>
+    </p:tnLst>
+  </p:timing>
+</p:sld>
+</file>
+
+<file path=ppt/slides/slide5.xml><?xml version="1.0" encoding="utf-8"?>
+<p:sld xmlns:a="http://schemas.openxmlformats.org/drawingml/2006/main" xmlns:r="http://schemas.openxmlformats.org/officeDocument/2006/relationships" xmlns:p="http://schemas.openxmlformats.org/presentationml/2006/main">
+  <p:cSld>
+    <p:spTree>
+      <p:nvGrpSpPr>
+        <p:cNvPr id="1" name=""/>
+        <p:cNvGrpSpPr/>
+        <p:nvPr/>
+      </p:nvGrpSpPr>
+      <p:grpSpPr>
+        <a:xfrm>
+          <a:off x="0" y="0"/>
+          <a:ext cx="0" cy="0"/>
+          <a:chOff x="0" y="0"/>
+          <a:chExt cx="0" cy="0"/>
+        </a:xfrm>
+      </p:grpSpPr>
+      <p:sp>
+        <p:nvSpPr>
+          <p:cNvPr id="2" name="タイトル 1"/>
+          <p:cNvSpPr>
+            <a:spLocks noGrp="1"/>
+          </p:cNvSpPr>
+          <p:nvPr>
+            <p:ph type="title"/>
+          </p:nvPr>
+        </p:nvSpPr>
+        <p:spPr/>
+        <p:txBody>
+          <a:bodyPr/>
+          <a:lstStyle/>
+          <a:p>
+            <a:r>
+              <a:rPr kumimoji="1" lang="ja-JP" altLang="en-US" dirty="0" smtClean="0"/>
+              <a:t>ガントチャート</a:t>
+            </a:r>
+            <a:endParaRPr kumimoji="1" lang="ja-JP" altLang="en-US" dirty="0"/>
+          </a:p>
+        </p:txBody>
+      </p:sp>
+      <p:sp>
+        <p:nvSpPr>
+          <p:cNvPr id="3" name="コンテンツ プレースホルダ 2"/>
+          <p:cNvSpPr>
+            <a:spLocks noGrp="1"/>
+          </p:cNvSpPr>
+          <p:nvPr>
+            <p:ph idx="1"/>
+          </p:nvPr>
+        </p:nvSpPr>
+        <p:spPr/>
+        <p:txBody>
+          <a:bodyPr/>
+          <a:lstStyle/>
+          <a:p>
+            <a:endParaRPr kumimoji="1" lang="ja-JP" altLang="en-US" dirty="0"/>
+          </a:p>
+        </p:txBody>
+      </p:sp>
+      <p:pic>
+        <p:nvPicPr>
+          <p:cNvPr id="3075" name="Picture 3"/>
+          <p:cNvPicPr>
+            <a:picLocks noChangeAspect="1" noChangeArrowheads="1"/>
+          </p:cNvPicPr>
+          <p:nvPr/>
+        </p:nvPicPr>
+        <p:blipFill>
+          <a:blip r:embed="rId2" cstate="print"/>
+          <a:srcRect/>
+          <a:stretch>
+            <a:fillRect/>
+          </a:stretch>
+        </p:blipFill>
+        <p:spPr bwMode="auto">
+          <a:xfrm>
+            <a:off x="1362052" y="1566849"/>
+            <a:ext cx="6429420" cy="5200266"/>
+          </a:xfrm>
+          <a:prstGeom prst="rect">
+            <a:avLst/>
+          </a:prstGeom>
+          <a:noFill/>
+          <a:ln w="9525">
+            <a:noFill/>
+            <a:miter lim="800000"/>
+            <a:headEnd/>
+            <a:tailEnd/>
+          </a:ln>
+        </p:spPr>
+      </p:pic>
+    </p:spTree>
+  </p:cSld>
+  <p:clrMapOvr>
+    <a:masterClrMapping/>
+  </p:clrMapOvr>
+</p:sld>
+</file>
+
+<file path=ppt/slides/slide6.xml><?xml version="1.0" encoding="utf-8"?>
+<p:sld xmlns:a="http://schemas.openxmlformats.org/drawingml/2006/main" xmlns:r="http://schemas.openxmlformats.org/officeDocument/2006/relationships" xmlns:p="http://schemas.openxmlformats.org/presentationml/2006/main">
+  <p:cSld>
+    <p:spTree>
+      <p:nvGrpSpPr>
+        <p:cNvPr id="1" name=""/>
+        <p:cNvGrpSpPr/>
+        <p:nvPr/>
+      </p:nvGrpSpPr>
+      <p:grpSpPr>
+        <a:xfrm>
+          <a:off x="0" y="0"/>
+          <a:ext cx="0" cy="0"/>
+          <a:chOff x="0" y="0"/>
+          <a:chExt cx="0" cy="0"/>
+        </a:xfrm>
+      </p:grpSpPr>
+      <p:sp>
+        <p:nvSpPr>
+          <p:cNvPr id="2" name="タイトル 1"/>
+          <p:cNvSpPr>
+            <a:spLocks noGrp="1"/>
+          </p:cNvSpPr>
+          <p:nvPr>
+            <p:ph type="title"/>
+          </p:nvPr>
+        </p:nvSpPr>
+        <p:spPr/>
+        <p:txBody>
+          <a:bodyPr/>
+          <a:lstStyle/>
+          <a:p>
+            <a:r>
+              <a:rPr kumimoji="1" lang="ja-JP" altLang="en-US" dirty="0" smtClean="0"/>
+              <a:t>来週までの予定</a:t>
+            </a:r>
+            <a:endParaRPr kumimoji="1" lang="ja-JP" altLang="en-US" dirty="0"/>
+          </a:p>
+        </p:txBody>
+      </p:sp>
+      <p:sp>
+        <p:nvSpPr>
+          <p:cNvPr id="3" name="コンテンツ プレースホルダ 2"/>
+          <p:cNvSpPr>
+            <a:spLocks noGrp="1"/>
+          </p:cNvSpPr>
+          <p:nvPr>
+            <p:ph idx="1"/>
+          </p:nvPr>
+        </p:nvSpPr>
+        <p:spPr/>
+        <p:txBody>
+          <a:bodyPr/>
+          <a:lstStyle/>
+          <a:p>
+            <a:r>
+              <a:rPr kumimoji="1" lang="en-US" altLang="ja-JP" dirty="0" smtClean="0"/>
+              <a:t>CPU</a:t>
+            </a:r>
+          </a:p>
+          <a:p>
+            <a:pPr lvl="1"/>
+            <a:r>
+              <a:rPr lang="ja-JP" altLang="en-US" dirty="0" smtClean="0"/>
+              <a:t>レイトレ動かす！！！１１１</a:t>
+            </a:r>
+            <a:endParaRPr lang="en-US" altLang="ja-JP" dirty="0" smtClean="0"/>
+          </a:p>
+          <a:p>
+            <a:r>
+              <a:rPr lang="ja-JP" altLang="en-US" dirty="0" smtClean="0"/>
+              <a:t>コンパイラ</a:t>
+            </a:r>
+            <a:endParaRPr lang="en-US" altLang="ja-JP" dirty="0" smtClean="0"/>
+          </a:p>
+          <a:p>
+            <a:pPr lvl="1"/>
+            <a:r>
+              <a:rPr lang="ja-JP" altLang="en-US" dirty="0" smtClean="0"/>
+              <a:t>最適化する</a:t>
+            </a:r>
+            <a:r>
+              <a:rPr lang="ja-JP" altLang="en-US" dirty="0" err="1" smtClean="0"/>
+              <a:t>お</a:t>
+            </a:r>
+            <a:endParaRPr lang="en-US" altLang="ja-JP" dirty="0" smtClean="0"/>
+          </a:p>
+          <a:p>
+            <a:r>
+              <a:rPr lang="ja-JP" altLang="en-US" dirty="0" smtClean="0"/>
+              <a:t>シミュレータ</a:t>
+            </a:r>
+            <a:endParaRPr lang="en-US" altLang="ja-JP" dirty="0" smtClean="0"/>
+          </a:p>
+          <a:p>
+            <a:pPr lvl="1"/>
+            <a:r>
+              <a:rPr lang="ja-JP" altLang="en-US" dirty="0" err="1" smtClean="0"/>
+              <a:t>ちょー</a:t>
+            </a:r>
+            <a:r>
+              <a:rPr lang="ja-JP" altLang="en-US" dirty="0" smtClean="0"/>
+              <a:t>遅くなったのでデバッグする</a:t>
+            </a:r>
+            <a:endParaRPr lang="en-US" altLang="ja-JP" dirty="0" smtClean="0"/>
+          </a:p>
+          <a:p>
+            <a:r>
+              <a:rPr lang="ja-JP" altLang="en-US" dirty="0" smtClean="0"/>
+              <a:t>基盤</a:t>
+            </a:r>
+            <a:endParaRPr lang="en-US" altLang="ja-JP" dirty="0" smtClean="0"/>
+          </a:p>
+          <a:p>
+            <a:pPr lvl="1"/>
+            <a:r>
+              <a:rPr lang="ja-JP" altLang="en-US" dirty="0" smtClean="0"/>
+              <a:t>体調</a:t>
+            </a:r>
+            <a:r>
+              <a:rPr lang="ja-JP" altLang="en-US" dirty="0" err="1" smtClean="0"/>
+              <a:t>悪いからすとー</a:t>
+            </a:r>
+            <a:r>
+              <a:rPr lang="ja-JP" altLang="en-US" dirty="0" smtClean="0"/>
+              <a:t>るする</a:t>
+            </a:r>
+            <a:r>
+              <a:rPr lang="ja-JP" altLang="en-US" dirty="0" err="1" smtClean="0"/>
+              <a:t>お</a:t>
+            </a:r>
+            <a:endParaRPr lang="en-US" altLang="ja-JP" dirty="0" smtClean="0"/>
+          </a:p>
+        </p:txBody>
+      </p:sp>
+    </p:spTree>
+  </p:cSld>
+  <p:clrMapOvr>
+    <a:masterClrMapping/>
+  </p:clrMapOvr>
 </p:sld>
 </file>
 
@@ -8932,4 +16665,1005 @@
     </a:extraClrScheme>
   </a:extraClrSchemeLst>
 </a:theme>
+</file>
+
+<file path=ppt/theme/theme2.xml><?xml version="1.0" encoding="utf-8"?>
+<a:theme xmlns:a="http://schemas.openxmlformats.org/drawingml/2006/main" name="1_テーマ2">
+  <a:themeElements>
+    <a:clrScheme name="標準デザイン 1">
+      <a:dk1>
+        <a:srgbClr val="000000"/>
+      </a:dk1>
+      <a:lt1>
+        <a:srgbClr val="FFFFFF"/>
+      </a:lt1>
+      <a:dk2>
+        <a:srgbClr val="000000"/>
+      </a:dk2>
+      <a:lt2>
+        <a:srgbClr val="808080"/>
+      </a:lt2>
+      <a:accent1>
+        <a:srgbClr val="BBE0E3"/>
+      </a:accent1>
+      <a:accent2>
+        <a:srgbClr val="333399"/>
+      </a:accent2>
+      <a:accent3>
+        <a:srgbClr val="FFFFFF"/>
+      </a:accent3>
+      <a:accent4>
+        <a:srgbClr val="000000"/>
+      </a:accent4>
+      <a:accent5>
+        <a:srgbClr val="DAEDEF"/>
+      </a:accent5>
+      <a:accent6>
+        <a:srgbClr val="2D2D8A"/>
+      </a:accent6>
+      <a:hlink>
+        <a:srgbClr val="009999"/>
+      </a:hlink>
+      <a:folHlink>
+        <a:srgbClr val="99CC00"/>
+      </a:folHlink>
+    </a:clrScheme>
+    <a:fontScheme name="標準デザイン">
+      <a:majorFont>
+        <a:latin typeface="Arial"/>
+        <a:ea typeface="ＭＳ Ｐゴシック"/>
+        <a:cs typeface=""/>
+      </a:majorFont>
+      <a:minorFont>
+        <a:latin typeface="Arial"/>
+        <a:ea typeface="ＭＳ Ｐゴシック"/>
+        <a:cs typeface=""/>
+      </a:minorFont>
+    </a:fontScheme>
+    <a:fmtScheme name="Office">
+      <a:fillStyleLst>
+        <a:solidFill>
+          <a:schemeClr val="phClr"/>
+        </a:solidFill>
+        <a:gradFill rotWithShape="1">
+          <a:gsLst>
+            <a:gs pos="0">
+              <a:schemeClr val="phClr">
+                <a:tint val="50000"/>
+                <a:satMod val="300000"/>
+              </a:schemeClr>
+            </a:gs>
+            <a:gs pos="35000">
+              <a:schemeClr val="phClr">
+                <a:tint val="37000"/>
+                <a:satMod val="300000"/>
+              </a:schemeClr>
+            </a:gs>
+            <a:gs pos="100000">
+              <a:schemeClr val="phClr">
+                <a:tint val="15000"/>
+                <a:satMod val="350000"/>
+              </a:schemeClr>
+            </a:gs>
+          </a:gsLst>
+          <a:lin ang="16200000" scaled="1"/>
+        </a:gradFill>
+        <a:gradFill rotWithShape="1">
+          <a:gsLst>
+            <a:gs pos="0">
+              <a:schemeClr val="phClr">
+                <a:shade val="51000"/>
+                <a:satMod val="130000"/>
+              </a:schemeClr>
+            </a:gs>
+            <a:gs pos="80000">
+              <a:schemeClr val="phClr">
+                <a:shade val="93000"/>
+                <a:satMod val="130000"/>
+              </a:schemeClr>
+            </a:gs>
+            <a:gs pos="100000">
+              <a:schemeClr val="phClr">
+                <a:shade val="94000"/>
+                <a:satMod val="135000"/>
+              </a:schemeClr>
+            </a:gs>
+          </a:gsLst>
+          <a:lin ang="16200000" scaled="0"/>
+        </a:gradFill>
+      </a:fillStyleLst>
+      <a:lnStyleLst>
+        <a:ln w="9525" cap="flat" cmpd="sng" algn="ctr">
+          <a:solidFill>
+            <a:schemeClr val="phClr">
+              <a:shade val="95000"/>
+              <a:satMod val="105000"/>
+            </a:schemeClr>
+          </a:solidFill>
+          <a:prstDash val="solid"/>
+        </a:ln>
+        <a:ln w="25400" cap="flat" cmpd="sng" algn="ctr">
+          <a:solidFill>
+            <a:schemeClr val="phClr"/>
+          </a:solidFill>
+          <a:prstDash val="solid"/>
+        </a:ln>
+        <a:ln w="38100" cap="flat" cmpd="sng" algn="ctr">
+          <a:solidFill>
+            <a:schemeClr val="phClr"/>
+          </a:solidFill>
+          <a:prstDash val="solid"/>
+        </a:ln>
+      </a:lnStyleLst>
+      <a:effectStyleLst>
+        <a:effectStyle>
+          <a:effectLst>
+            <a:outerShdw blurRad="40000" dist="20000" dir="5400000" rotWithShape="0">
+              <a:srgbClr val="000000">
+                <a:alpha val="38000"/>
+              </a:srgbClr>
+            </a:outerShdw>
+          </a:effectLst>
+        </a:effectStyle>
+        <a:effectStyle>
+          <a:effectLst>
+            <a:outerShdw blurRad="40000" dist="23000" dir="5400000" rotWithShape="0">
+              <a:srgbClr val="000000">
+                <a:alpha val="35000"/>
+              </a:srgbClr>
+            </a:outerShdw>
+          </a:effectLst>
+        </a:effectStyle>
+        <a:effectStyle>
+          <a:effectLst>
+            <a:outerShdw blurRad="40000" dist="23000" dir="5400000" rotWithShape="0">
+              <a:srgbClr val="000000">
+                <a:alpha val="35000"/>
+              </a:srgbClr>
+            </a:outerShdw>
+          </a:effectLst>
+          <a:scene3d>
+            <a:camera prst="orthographicFront">
+              <a:rot lat="0" lon="0" rev="0"/>
+            </a:camera>
+            <a:lightRig rig="threePt" dir="t">
+              <a:rot lat="0" lon="0" rev="1200000"/>
+            </a:lightRig>
+          </a:scene3d>
+          <a:sp3d>
+            <a:bevelT w="63500" h="25400"/>
+          </a:sp3d>
+        </a:effectStyle>
+      </a:effectStyleLst>
+      <a:bgFillStyleLst>
+        <a:solidFill>
+          <a:schemeClr val="phClr"/>
+        </a:solidFill>
+        <a:gradFill rotWithShape="1">
+          <a:gsLst>
+            <a:gs pos="0">
+              <a:schemeClr val="phClr">
+                <a:tint val="40000"/>
+                <a:satMod val="350000"/>
+              </a:schemeClr>
+            </a:gs>
+            <a:gs pos="40000">
+              <a:schemeClr val="phClr">
+                <a:tint val="45000"/>
+                <a:shade val="99000"/>
+                <a:satMod val="350000"/>
+              </a:schemeClr>
+            </a:gs>
+            <a:gs pos="100000">
+              <a:schemeClr val="phClr">
+                <a:shade val="20000"/>
+                <a:satMod val="255000"/>
+              </a:schemeClr>
+            </a:gs>
+          </a:gsLst>
+          <a:path path="circle">
+            <a:fillToRect l="50000" t="-80000" r="50000" b="180000"/>
+          </a:path>
+        </a:gradFill>
+        <a:gradFill rotWithShape="1">
+          <a:gsLst>
+            <a:gs pos="0">
+              <a:schemeClr val="phClr">
+                <a:tint val="80000"/>
+                <a:satMod val="300000"/>
+              </a:schemeClr>
+            </a:gs>
+            <a:gs pos="100000">
+              <a:schemeClr val="phClr">
+                <a:shade val="30000"/>
+                <a:satMod val="200000"/>
+              </a:schemeClr>
+            </a:gs>
+          </a:gsLst>
+          <a:path path="circle">
+            <a:fillToRect l="50000" t="50000" r="50000" b="50000"/>
+          </a:path>
+        </a:gradFill>
+      </a:bgFillStyleLst>
+    </a:fmtScheme>
+  </a:themeElements>
+  <a:objectDefaults/>
+  <a:extraClrSchemeLst>
+    <a:extraClrScheme>
+      <a:clrScheme name="標準デザイン 1">
+        <a:dk1>
+          <a:srgbClr val="000000"/>
+        </a:dk1>
+        <a:lt1>
+          <a:srgbClr val="FFFFFF"/>
+        </a:lt1>
+        <a:dk2>
+          <a:srgbClr val="000000"/>
+        </a:dk2>
+        <a:lt2>
+          <a:srgbClr val="808080"/>
+        </a:lt2>
+        <a:accent1>
+          <a:srgbClr val="BBE0E3"/>
+        </a:accent1>
+        <a:accent2>
+          <a:srgbClr val="333399"/>
+        </a:accent2>
+        <a:accent3>
+          <a:srgbClr val="FFFFFF"/>
+        </a:accent3>
+        <a:accent4>
+          <a:srgbClr val="000000"/>
+        </a:accent4>
+        <a:accent5>
+          <a:srgbClr val="DAEDEF"/>
+        </a:accent5>
+        <a:accent6>
+          <a:srgbClr val="2D2D8A"/>
+        </a:accent6>
+        <a:hlink>
+          <a:srgbClr val="009999"/>
+        </a:hlink>
+        <a:folHlink>
+          <a:srgbClr val="99CC00"/>
+        </a:folHlink>
+      </a:clrScheme>
+      <a:clrMap bg1="lt1" tx1="dk1" bg2="lt2" tx2="dk2" accent1="accent1" accent2="accent2" accent3="accent3" accent4="accent4" accent5="accent5" accent6="accent6" hlink="hlink" folHlink="folHlink"/>
+    </a:extraClrScheme>
+    <a:extraClrScheme>
+      <a:clrScheme name="標準デザイン 2">
+        <a:dk1>
+          <a:srgbClr val="000000"/>
+        </a:dk1>
+        <a:lt1>
+          <a:srgbClr val="FFFFFF"/>
+        </a:lt1>
+        <a:dk2>
+          <a:srgbClr val="000000"/>
+        </a:dk2>
+        <a:lt2>
+          <a:srgbClr val="969696"/>
+        </a:lt2>
+        <a:accent1>
+          <a:srgbClr val="FBDF53"/>
+        </a:accent1>
+        <a:accent2>
+          <a:srgbClr val="FF9966"/>
+        </a:accent2>
+        <a:accent3>
+          <a:srgbClr val="FFFFFF"/>
+        </a:accent3>
+        <a:accent4>
+          <a:srgbClr val="000000"/>
+        </a:accent4>
+        <a:accent5>
+          <a:srgbClr val="FDECB3"/>
+        </a:accent5>
+        <a:accent6>
+          <a:srgbClr val="E78A5C"/>
+        </a:accent6>
+        <a:hlink>
+          <a:srgbClr val="CC3300"/>
+        </a:hlink>
+        <a:folHlink>
+          <a:srgbClr val="996600"/>
+        </a:folHlink>
+      </a:clrScheme>
+      <a:clrMap bg1="lt1" tx1="dk1" bg2="lt2" tx2="dk2" accent1="accent1" accent2="accent2" accent3="accent3" accent4="accent4" accent5="accent5" accent6="accent6" hlink="hlink" folHlink="folHlink"/>
+    </a:extraClrScheme>
+    <a:extraClrScheme>
+      <a:clrScheme name="標準デザイン 3">
+        <a:dk1>
+          <a:srgbClr val="000000"/>
+        </a:dk1>
+        <a:lt1>
+          <a:srgbClr val="FFFFFF"/>
+        </a:lt1>
+        <a:dk2>
+          <a:srgbClr val="000000"/>
+        </a:dk2>
+        <a:lt2>
+          <a:srgbClr val="808080"/>
+        </a:lt2>
+        <a:accent1>
+          <a:srgbClr val="99CCFF"/>
+        </a:accent1>
+        <a:accent2>
+          <a:srgbClr val="CCCCFF"/>
+        </a:accent2>
+        <a:accent3>
+          <a:srgbClr val="FFFFFF"/>
+        </a:accent3>
+        <a:accent4>
+          <a:srgbClr val="000000"/>
+        </a:accent4>
+        <a:accent5>
+          <a:srgbClr val="CAE2FF"/>
+        </a:accent5>
+        <a:accent6>
+          <a:srgbClr val="B9B9E7"/>
+        </a:accent6>
+        <a:hlink>
+          <a:srgbClr val="3333CC"/>
+        </a:hlink>
+        <a:folHlink>
+          <a:srgbClr val="AF67FF"/>
+        </a:folHlink>
+      </a:clrScheme>
+      <a:clrMap bg1="lt1" tx1="dk1" bg2="lt2" tx2="dk2" accent1="accent1" accent2="accent2" accent3="accent3" accent4="accent4" accent5="accent5" accent6="accent6" hlink="hlink" folHlink="folHlink"/>
+    </a:extraClrScheme>
+    <a:extraClrScheme>
+      <a:clrScheme name="標準デザイン 4">
+        <a:dk1>
+          <a:srgbClr val="000000"/>
+        </a:dk1>
+        <a:lt1>
+          <a:srgbClr val="DEF6F1"/>
+        </a:lt1>
+        <a:dk2>
+          <a:srgbClr val="000000"/>
+        </a:dk2>
+        <a:lt2>
+          <a:srgbClr val="969696"/>
+        </a:lt2>
+        <a:accent1>
+          <a:srgbClr val="FFFFFF"/>
+        </a:accent1>
+        <a:accent2>
+          <a:srgbClr val="8DC6FF"/>
+        </a:accent2>
+        <a:accent3>
+          <a:srgbClr val="ECFAF7"/>
+        </a:accent3>
+        <a:accent4>
+          <a:srgbClr val="000000"/>
+        </a:accent4>
+        <a:accent5>
+          <a:srgbClr val="FFFFFF"/>
+        </a:accent5>
+        <a:accent6>
+          <a:srgbClr val="7FB3E7"/>
+        </a:accent6>
+        <a:hlink>
+          <a:srgbClr val="0066CC"/>
+        </a:hlink>
+        <a:folHlink>
+          <a:srgbClr val="00A800"/>
+        </a:folHlink>
+      </a:clrScheme>
+      <a:clrMap bg1="lt1" tx1="dk1" bg2="lt2" tx2="dk2" accent1="accent1" accent2="accent2" accent3="accent3" accent4="accent4" accent5="accent5" accent6="accent6" hlink="hlink" folHlink="folHlink"/>
+    </a:extraClrScheme>
+    <a:extraClrScheme>
+      <a:clrScheme name="標準デザイン 5">
+        <a:dk1>
+          <a:srgbClr val="000000"/>
+        </a:dk1>
+        <a:lt1>
+          <a:srgbClr val="FFFFD9"/>
+        </a:lt1>
+        <a:dk2>
+          <a:srgbClr val="000000"/>
+        </a:dk2>
+        <a:lt2>
+          <a:srgbClr val="777777"/>
+        </a:lt2>
+        <a:accent1>
+          <a:srgbClr val="FFFFF7"/>
+        </a:accent1>
+        <a:accent2>
+          <a:srgbClr val="33CCCC"/>
+        </a:accent2>
+        <a:accent3>
+          <a:srgbClr val="FFFFE9"/>
+        </a:accent3>
+        <a:accent4>
+          <a:srgbClr val="000000"/>
+        </a:accent4>
+        <a:accent5>
+          <a:srgbClr val="FFFFFA"/>
+        </a:accent5>
+        <a:accent6>
+          <a:srgbClr val="2DB9B9"/>
+        </a:accent6>
+        <a:hlink>
+          <a:srgbClr val="FF5050"/>
+        </a:hlink>
+        <a:folHlink>
+          <a:srgbClr val="FF9900"/>
+        </a:folHlink>
+      </a:clrScheme>
+      <a:clrMap bg1="lt1" tx1="dk1" bg2="lt2" tx2="dk2" accent1="accent1" accent2="accent2" accent3="accent3" accent4="accent4" accent5="accent5" accent6="accent6" hlink="hlink" folHlink="folHlink"/>
+    </a:extraClrScheme>
+    <a:extraClrScheme>
+      <a:clrScheme name="標準デザイン 6">
+        <a:dk1>
+          <a:srgbClr val="005A58"/>
+        </a:dk1>
+        <a:lt1>
+          <a:srgbClr val="FFFFFF"/>
+        </a:lt1>
+        <a:dk2>
+          <a:srgbClr val="008080"/>
+        </a:dk2>
+        <a:lt2>
+          <a:srgbClr val="FFFF99"/>
+        </a:lt2>
+        <a:accent1>
+          <a:srgbClr val="006462"/>
+        </a:accent1>
+        <a:accent2>
+          <a:srgbClr val="6D6FC7"/>
+        </a:accent2>
+        <a:accent3>
+          <a:srgbClr val="AAC0C0"/>
+        </a:accent3>
+        <a:accent4>
+          <a:srgbClr val="DADADA"/>
+        </a:accent4>
+        <a:accent5>
+          <a:srgbClr val="AAB8B7"/>
+        </a:accent5>
+        <a:accent6>
+          <a:srgbClr val="6264B4"/>
+        </a:accent6>
+        <a:hlink>
+          <a:srgbClr val="00FFFF"/>
+        </a:hlink>
+        <a:folHlink>
+          <a:srgbClr val="00FF00"/>
+        </a:folHlink>
+      </a:clrScheme>
+      <a:clrMap bg1="dk2" tx1="lt1" bg2="dk1" tx2="lt2" accent1="accent1" accent2="accent2" accent3="accent3" accent4="accent4" accent5="accent5" accent6="accent6" hlink="hlink" folHlink="folHlink"/>
+    </a:extraClrScheme>
+    <a:extraClrScheme>
+      <a:clrScheme name="標準デザイン 7">
+        <a:dk1>
+          <a:srgbClr val="5C1F00"/>
+        </a:dk1>
+        <a:lt1>
+          <a:srgbClr val="FFFFFF"/>
+        </a:lt1>
+        <a:dk2>
+          <a:srgbClr val="800000"/>
+        </a:dk2>
+        <a:lt2>
+          <a:srgbClr val="DFD293"/>
+        </a:lt2>
+        <a:accent1>
+          <a:srgbClr val="CC3300"/>
+        </a:accent1>
+        <a:accent2>
+          <a:srgbClr val="BE7960"/>
+        </a:accent2>
+        <a:accent3>
+          <a:srgbClr val="C0AAAA"/>
+        </a:accent3>
+        <a:accent4>
+          <a:srgbClr val="DADADA"/>
+        </a:accent4>
+        <a:accent5>
+          <a:srgbClr val="E2ADAA"/>
+        </a:accent5>
+        <a:accent6>
+          <a:srgbClr val="AC6D56"/>
+        </a:accent6>
+        <a:hlink>
+          <a:srgbClr val="FFFF99"/>
+        </a:hlink>
+        <a:folHlink>
+          <a:srgbClr val="D3A219"/>
+        </a:folHlink>
+      </a:clrScheme>
+      <a:clrMap bg1="dk2" tx1="lt1" bg2="dk1" tx2="lt2" accent1="accent1" accent2="accent2" accent3="accent3" accent4="accent4" accent5="accent5" accent6="accent6" hlink="hlink" folHlink="folHlink"/>
+    </a:extraClrScheme>
+    <a:extraClrScheme>
+      <a:clrScheme name="標準デザイン 8">
+        <a:dk1>
+          <a:srgbClr val="003366"/>
+        </a:dk1>
+        <a:lt1>
+          <a:srgbClr val="FFFFFF"/>
+        </a:lt1>
+        <a:dk2>
+          <a:srgbClr val="000099"/>
+        </a:dk2>
+        <a:lt2>
+          <a:srgbClr val="CCFFFF"/>
+        </a:lt2>
+        <a:accent1>
+          <a:srgbClr val="3366CC"/>
+        </a:accent1>
+        <a:accent2>
+          <a:srgbClr val="00B000"/>
+        </a:accent2>
+        <a:accent3>
+          <a:srgbClr val="AAAACA"/>
+        </a:accent3>
+        <a:accent4>
+          <a:srgbClr val="DADADA"/>
+        </a:accent4>
+        <a:accent5>
+          <a:srgbClr val="ADB8E2"/>
+        </a:accent5>
+        <a:accent6>
+          <a:srgbClr val="009F00"/>
+        </a:accent6>
+        <a:hlink>
+          <a:srgbClr val="66CCFF"/>
+        </a:hlink>
+        <a:folHlink>
+          <a:srgbClr val="FFE701"/>
+        </a:folHlink>
+      </a:clrScheme>
+      <a:clrMap bg1="dk2" tx1="lt1" bg2="dk1" tx2="lt2" accent1="accent1" accent2="accent2" accent3="accent3" accent4="accent4" accent5="accent5" accent6="accent6" hlink="hlink" folHlink="folHlink"/>
+    </a:extraClrScheme>
+    <a:extraClrScheme>
+      <a:clrScheme name="標準デザイン 9">
+        <a:dk1>
+          <a:srgbClr val="336699"/>
+        </a:dk1>
+        <a:lt1>
+          <a:srgbClr val="FFFFFF"/>
+        </a:lt1>
+        <a:dk2>
+          <a:srgbClr val="000000"/>
+        </a:dk2>
+        <a:lt2>
+          <a:srgbClr val="E3EBF1"/>
+        </a:lt2>
+        <a:accent1>
+          <a:srgbClr val="003399"/>
+        </a:accent1>
+        <a:accent2>
+          <a:srgbClr val="468A4B"/>
+        </a:accent2>
+        <a:accent3>
+          <a:srgbClr val="AAAAAA"/>
+        </a:accent3>
+        <a:accent4>
+          <a:srgbClr val="DADADA"/>
+        </a:accent4>
+        <a:accent5>
+          <a:srgbClr val="AAADCA"/>
+        </a:accent5>
+        <a:accent6>
+          <a:srgbClr val="3F7D43"/>
+        </a:accent6>
+        <a:hlink>
+          <a:srgbClr val="66CCFF"/>
+        </a:hlink>
+        <a:folHlink>
+          <a:srgbClr val="F0E500"/>
+        </a:folHlink>
+      </a:clrScheme>
+      <a:clrMap bg1="dk2" tx1="lt1" bg2="dk1" tx2="lt2" accent1="accent1" accent2="accent2" accent3="accent3" accent4="accent4" accent5="accent5" accent6="accent6" hlink="hlink" folHlink="folHlink"/>
+    </a:extraClrScheme>
+    <a:extraClrScheme>
+      <a:clrScheme name="標準デザイン 10">
+        <a:dk1>
+          <a:srgbClr val="777777"/>
+        </a:dk1>
+        <a:lt1>
+          <a:srgbClr val="FFFFFF"/>
+        </a:lt1>
+        <a:dk2>
+          <a:srgbClr val="686B5D"/>
+        </a:dk2>
+        <a:lt2>
+          <a:srgbClr val="D1D1CB"/>
+        </a:lt2>
+        <a:accent1>
+          <a:srgbClr val="909082"/>
+        </a:accent1>
+        <a:accent2>
+          <a:srgbClr val="809EA8"/>
+        </a:accent2>
+        <a:accent3>
+          <a:srgbClr val="B9BAB6"/>
+        </a:accent3>
+        <a:accent4>
+          <a:srgbClr val="DADADA"/>
+        </a:accent4>
+        <a:accent5>
+          <a:srgbClr val="C6C6C1"/>
+        </a:accent5>
+        <a:accent6>
+          <a:srgbClr val="738F98"/>
+        </a:accent6>
+        <a:hlink>
+          <a:srgbClr val="FFCC66"/>
+        </a:hlink>
+        <a:folHlink>
+          <a:srgbClr val="E9DCB9"/>
+        </a:folHlink>
+      </a:clrScheme>
+      <a:clrMap bg1="dk2" tx1="lt1" bg2="dk1" tx2="lt2" accent1="accent1" accent2="accent2" accent3="accent3" accent4="accent4" accent5="accent5" accent6="accent6" hlink="hlink" folHlink="folHlink"/>
+    </a:extraClrScheme>
+    <a:extraClrScheme>
+      <a:clrScheme name="標準デザイン 11">
+        <a:dk1>
+          <a:srgbClr val="3E3E5C"/>
+        </a:dk1>
+        <a:lt1>
+          <a:srgbClr val="FFFFFF"/>
+        </a:lt1>
+        <a:dk2>
+          <a:srgbClr val="666699"/>
+        </a:dk2>
+        <a:lt2>
+          <a:srgbClr val="FFFFFF"/>
+        </a:lt2>
+        <a:accent1>
+          <a:srgbClr val="60597B"/>
+        </a:accent1>
+        <a:accent2>
+          <a:srgbClr val="6666FF"/>
+        </a:accent2>
+        <a:accent3>
+          <a:srgbClr val="B8B8CA"/>
+        </a:accent3>
+        <a:accent4>
+          <a:srgbClr val="DADADA"/>
+        </a:accent4>
+        <a:accent5>
+          <a:srgbClr val="B6B5BF"/>
+        </a:accent5>
+        <a:accent6>
+          <a:srgbClr val="5C5CE7"/>
+        </a:accent6>
+        <a:hlink>
+          <a:srgbClr val="99CCFF"/>
+        </a:hlink>
+        <a:folHlink>
+          <a:srgbClr val="FFFF99"/>
+        </a:folHlink>
+      </a:clrScheme>
+      <a:clrMap bg1="dk2" tx1="lt1" bg2="dk1" tx2="lt2" accent1="accent1" accent2="accent2" accent3="accent3" accent4="accent4" accent5="accent5" accent6="accent6" hlink="hlink" folHlink="folHlink"/>
+    </a:extraClrScheme>
+    <a:extraClrScheme>
+      <a:clrScheme name="標準デザイン 12">
+        <a:dk1>
+          <a:srgbClr val="2D2015"/>
+        </a:dk1>
+        <a:lt1>
+          <a:srgbClr val="FFFFFF"/>
+        </a:lt1>
+        <a:dk2>
+          <a:srgbClr val="523E26"/>
+        </a:dk2>
+        <a:lt2>
+          <a:srgbClr val="DFC08D"/>
+        </a:lt2>
+        <a:accent1>
+          <a:srgbClr val="8C7B70"/>
+        </a:accent1>
+        <a:accent2>
+          <a:srgbClr val="8F5F2F"/>
+        </a:accent2>
+        <a:accent3>
+          <a:srgbClr val="B3AFAC"/>
+        </a:accent3>
+        <a:accent4>
+          <a:srgbClr val="DADADA"/>
+        </a:accent4>
+        <a:accent5>
+          <a:srgbClr val="C5BFBB"/>
+        </a:accent5>
+        <a:accent6>
+          <a:srgbClr val="81552A"/>
+        </a:accent6>
+        <a:hlink>
+          <a:srgbClr val="CCB400"/>
+        </a:hlink>
+        <a:folHlink>
+          <a:srgbClr val="8C9EA0"/>
+        </a:folHlink>
+      </a:clrScheme>
+      <a:clrMap bg1="dk2" tx1="lt1" bg2="dk1" tx2="lt2" accent1="accent1" accent2="accent2" accent3="accent3" accent4="accent4" accent5="accent5" accent6="accent6" hlink="hlink" folHlink="folHlink"/>
+    </a:extraClrScheme>
+  </a:extraClrSchemeLst>
+</a:theme>
+</file>
+
+<file path=ppt/theme/theme3.xml><?xml version="1.0" encoding="utf-8"?>
+<a:theme xmlns:a="http://schemas.openxmlformats.org/drawingml/2006/main" name="Office テーマ">
+  <a:themeElements>
+    <a:clrScheme name="Office">
+      <a:dk1>
+        <a:sysClr val="windowText" lastClr="000000"/>
+      </a:dk1>
+      <a:lt1>
+        <a:sysClr val="window" lastClr="FFFFFF"/>
+      </a:lt1>
+      <a:dk2>
+        <a:srgbClr val="1F497D"/>
+      </a:dk2>
+      <a:lt2>
+        <a:srgbClr val="EEECE1"/>
+      </a:lt2>
+      <a:accent1>
+        <a:srgbClr val="4F81BD"/>
+      </a:accent1>
+      <a:accent2>
+        <a:srgbClr val="C0504D"/>
+      </a:accent2>
+      <a:accent3>
+        <a:srgbClr val="9BBB59"/>
+      </a:accent3>
+      <a:accent4>
+        <a:srgbClr val="8064A2"/>
+      </a:accent4>
+      <a:accent5>
+        <a:srgbClr val="4BACC6"/>
+      </a:accent5>
+      <a:accent6>
+        <a:srgbClr val="F79646"/>
+      </a:accent6>
+      <a:hlink>
+        <a:srgbClr val="0000FF"/>
+      </a:hlink>
+      <a:folHlink>
+        <a:srgbClr val="800080"/>
+      </a:folHlink>
+    </a:clrScheme>
+    <a:fontScheme name="Office">
+      <a:majorFont>
+        <a:latin typeface="Calibri"/>
+        <a:ea typeface=""/>
+        <a:cs typeface=""/>
+        <a:font script="Jpan" typeface="ＭＳ Ｐゴシック"/>
+        <a:font script="Hang" typeface="맑은 고딕"/>
+        <a:font script="Hans" typeface="宋体"/>
+        <a:font script="Hant" typeface="新細明體"/>
+        <a:font script="Arab" typeface="Times New Roman"/>
+        <a:font script="Hebr" typeface="Times New Roman"/>
+        <a:font script="Thai" typeface="Angsana New"/>
+        <a:font script="Ethi" typeface="Nyala"/>
+        <a:font script="Beng" typeface="Vrinda"/>
+        <a:font script="Gujr" typeface="Shruti"/>
+        <a:font script="Khmr" typeface="MoolBoran"/>
+        <a:font script="Knda" typeface="Tunga"/>
+        <a:font script="Guru" typeface="Raavi"/>
+        <a:font script="Cans" typeface="Euphemia"/>
+        <a:font script="Cher" typeface="Plantagenet Cherokee"/>
+        <a:font script="Yiii" typeface="Microsoft Yi Baiti"/>
+        <a:font script="Tibt" typeface="Microsoft Himalaya"/>
+        <a:font script="Thaa" typeface="MV Boli"/>
+        <a:font script="Deva" typeface="Mangal"/>
+        <a:font script="Telu" typeface="Gautami"/>
+        <a:font script="Taml" typeface="Latha"/>
+        <a:font script="Syrc" typeface="Estrangelo Edessa"/>
+        <a:font script="Orya" typeface="Kalinga"/>
+        <a:font script="Mlym" typeface="Kartika"/>
+        <a:font script="Laoo" typeface="DokChampa"/>
+        <a:font script="Sinh" typeface="Iskoola Pota"/>
+        <a:font script="Mong" typeface="Mongolian Baiti"/>
+        <a:font script="Viet" typeface="Times New Roman"/>
+        <a:font script="Uigh" typeface="Microsoft Uighur"/>
+      </a:majorFont>
+      <a:minorFont>
+        <a:latin typeface="Calibri"/>
+        <a:ea typeface=""/>
+        <a:cs typeface=""/>
+        <a:font script="Jpan" typeface="ＭＳ Ｐゴシック"/>
+        <a:font script="Hang" typeface="맑은 고딕"/>
+        <a:font script="Hans" typeface="宋体"/>
+        <a:font script="Hant" typeface="新細明體"/>
+        <a:font script="Arab" typeface="Arial"/>
+        <a:font script="Hebr" typeface="Arial"/>
+        <a:font script="Thai" typeface="Cordia New"/>
+        <a:font script="Ethi" typeface="Nyala"/>
+        <a:font script="Beng" typeface="Vrinda"/>
+        <a:font script="Gujr" typeface="Shruti"/>
+        <a:font script="Khmr" typeface="DaunPenh"/>
+        <a:font script="Knda" typeface="Tunga"/>
+        <a:font script="Guru" typeface="Raavi"/>
+        <a:font script="Cans" typeface="Euphemia"/>
+        <a:font script="Cher" typeface="Plantagenet Cherokee"/>
+        <a:font script="Yiii" typeface="Microsoft Yi Baiti"/>
+        <a:font script="Tibt" typeface="Microsoft Himalaya"/>
+        <a:font script="Thaa" typeface="MV Boli"/>
+        <a:font script="Deva" typeface="Mangal"/>
+        <a:font script="Telu" typeface="Gautami"/>
+        <a:font script="Taml" typeface="Latha"/>
+        <a:font script="Syrc" typeface="Estrangelo Edessa"/>
+        <a:font script="Orya" typeface="Kalinga"/>
+        <a:font script="Mlym" typeface="Kartika"/>
+        <a:font script="Laoo" typeface="DokChampa"/>
+        <a:font script="Sinh" typeface="Iskoola Pota"/>
+        <a:font script="Mong" typeface="Mongolian Baiti"/>
+        <a:font script="Viet" typeface="Arial"/>
+        <a:font script="Uigh" typeface="Microsoft Uighur"/>
+      </a:minorFont>
+    </a:fontScheme>
+    <a:fmtScheme name="Office">
+      <a:fillStyleLst>
+        <a:solidFill>
+          <a:schemeClr val="phClr"/>
+        </a:solidFill>
+        <a:gradFill rotWithShape="1">
+          <a:gsLst>
+            <a:gs pos="0">
+              <a:schemeClr val="phClr">
+                <a:tint val="50000"/>
+                <a:satMod val="300000"/>
+              </a:schemeClr>
+            </a:gs>
+            <a:gs pos="35000">
+              <a:schemeClr val="phClr">
+                <a:tint val="37000"/>
+                <a:satMod val="300000"/>
+              </a:schemeClr>
+            </a:gs>
+            <a:gs pos="100000">
+              <a:schemeClr val="phClr">
+                <a:tint val="15000"/>
+                <a:satMod val="350000"/>
+              </a:schemeClr>
+            </a:gs>
+          </a:gsLst>
+          <a:lin ang="16200000" scaled="1"/>
+        </a:gradFill>
+        <a:gradFill rotWithShape="1">
+          <a:gsLst>
+            <a:gs pos="0">
+              <a:schemeClr val="phClr">
+                <a:shade val="51000"/>
+                <a:satMod val="130000"/>
+              </a:schemeClr>
+            </a:gs>
+            <a:gs pos="80000">
+              <a:schemeClr val="phClr">
+                <a:shade val="93000"/>
+                <a:satMod val="130000"/>
+              </a:schemeClr>
+            </a:gs>
+            <a:gs pos="100000">
+              <a:schemeClr val="phClr">
+                <a:shade val="94000"/>
+                <a:satMod val="135000"/>
+              </a:schemeClr>
+            </a:gs>
+          </a:gsLst>
+          <a:lin ang="16200000" scaled="0"/>
+        </a:gradFill>
+      </a:fillStyleLst>
+      <a:lnStyleLst>
+        <a:ln w="9525" cap="flat" cmpd="sng" algn="ctr">
+          <a:solidFill>
+            <a:schemeClr val="phClr">
+              <a:shade val="95000"/>
+              <a:satMod val="105000"/>
+            </a:schemeClr>
+          </a:solidFill>
+          <a:prstDash val="solid"/>
+        </a:ln>
+        <a:ln w="25400" cap="flat" cmpd="sng" algn="ctr">
+          <a:solidFill>
+            <a:schemeClr val="phClr"/>
+          </a:solidFill>
+          <a:prstDash val="solid"/>
+        </a:ln>
+        <a:ln w="38100" cap="flat" cmpd="sng" algn="ctr">
+          <a:solidFill>
+            <a:schemeClr val="phClr"/>
+          </a:solidFill>
+          <a:prstDash val="solid"/>
+        </a:ln>
+      </a:lnStyleLst>
+      <a:effectStyleLst>
+        <a:effectStyle>
+          <a:effectLst>
+            <a:outerShdw blurRad="40000" dist="20000" dir="5400000" rotWithShape="0">
+              <a:srgbClr val="000000">
+                <a:alpha val="38000"/>
+              </a:srgbClr>
+            </a:outerShdw>
+          </a:effectLst>
+        </a:effectStyle>
+        <a:effectStyle>
+          <a:effectLst>
+            <a:outerShdw blurRad="40000" dist="23000" dir="5400000" rotWithShape="0">
+              <a:srgbClr val="000000">
+                <a:alpha val="35000"/>
+              </a:srgbClr>
+            </a:outerShdw>
+          </a:effectLst>
+        </a:effectStyle>
+        <a:effectStyle>
+          <a:effectLst>
+            <a:outerShdw blurRad="40000" dist="23000" dir="5400000" rotWithShape="0">
+              <a:srgbClr val="000000">
+                <a:alpha val="35000"/>
+              </a:srgbClr>
+            </a:outerShdw>
+          </a:effectLst>
+          <a:scene3d>
+            <a:camera prst="orthographicFront">
+              <a:rot lat="0" lon="0" rev="0"/>
+            </a:camera>
+            <a:lightRig rig="threePt" dir="t">
+              <a:rot lat="0" lon="0" rev="1200000"/>
+            </a:lightRig>
+          </a:scene3d>
+          <a:sp3d>
+            <a:bevelT w="63500" h="25400"/>
+          </a:sp3d>
+        </a:effectStyle>
+      </a:effectStyleLst>
+      <a:bgFillStyleLst>
+        <a:solidFill>
+          <a:schemeClr val="phClr"/>
+        </a:solidFill>
+        <a:gradFill rotWithShape="1">
+          <a:gsLst>
+            <a:gs pos="0">
+              <a:schemeClr val="phClr">
+                <a:tint val="40000"/>
+                <a:satMod val="350000"/>
+              </a:schemeClr>
+            </a:gs>
+            <a:gs pos="40000">
+              <a:schemeClr val="phClr">
+                <a:tint val="45000"/>
+                <a:shade val="99000"/>
+                <a:satMod val="350000"/>
+              </a:schemeClr>
+            </a:gs>
+            <a:gs pos="100000">
+              <a:schemeClr val="phClr">
+                <a:shade val="20000"/>
+                <a:satMod val="255000"/>
+              </a:schemeClr>
+            </a:gs>
+          </a:gsLst>
+          <a:path path="circle">
+            <a:fillToRect l="50000" t="-80000" r="50000" b="180000"/>
+          </a:path>
+        </a:gradFill>
+        <a:gradFill rotWithShape="1">
+          <a:gsLst>
+            <a:gs pos="0">
+              <a:schemeClr val="phClr">
+                <a:tint val="80000"/>
+                <a:satMod val="300000"/>
+              </a:schemeClr>
+            </a:gs>
+            <a:gs pos="100000">
+              <a:schemeClr val="phClr">
+                <a:shade val="30000"/>
+                <a:satMod val="200000"/>
+              </a:schemeClr>
+            </a:gs>
+          </a:gsLst>
+          <a:path path="circle">
+            <a:fillToRect l="50000" t="50000" r="50000" b="50000"/>
+          </a:path>
+        </a:gradFill>
+      </a:bgFillStyleLst>
+    </a:fmtScheme>
+  </a:themeElements>
+  <a:objectDefaults/>
+  <a:extraClrSchemeLst/>
+</a:theme>
 </file>